--- a/Presentation.pptx
+++ b/Presentation.pptx
@@ -6612,15 +6612,17 @@
                   <a:schemeClr val="tx1"/>
                 </a:solidFill>
               </a:rPr>
-              <a:t>https://</a:t>
-            </a:r>
+              <a:t>https://github.com/chandrikadeb7/Face-Mask-Detection</a:t>
+            </a:r>
+          </a:p>
+          <a:p>
             <a:r>
               <a:rPr lang="en-US" dirty="0" smtClean="0">
                 <a:solidFill>
                   <a:schemeClr val="tx1"/>
                 </a:solidFill>
               </a:rPr>
-              <a:t>github.com/chandrikadeb7/Face-Mask-Detection</a:t>
+              <a:t>https://reactjs.org/</a:t>
             </a:r>
           </a:p>
           <a:p>
@@ -6630,49 +6632,18 @@
                   <a:schemeClr val="tx1"/>
                 </a:solidFill>
               </a:rPr>
-              <a:t>https://reactjs.org</a:t>
-            </a:r>
+              <a:t>https://material-ui.com/</a:t>
+            </a:r>
+          </a:p>
+          <a:p>
             <a:r>
               <a:rPr lang="en-US" dirty="0" smtClean="0">
                 <a:solidFill>
                   <a:schemeClr val="tx1"/>
                 </a:solidFill>
               </a:rPr>
-              <a:t>/</a:t>
-            </a:r>
-          </a:p>
-          <a:p>
-            <a:r>
-              <a:rPr lang="en-US" dirty="0" smtClean="0">
-                <a:solidFill>
-                  <a:schemeClr val="tx1"/>
-                </a:solidFill>
-              </a:rPr>
-              <a:t>https://material-ui.com</a:t>
-            </a:r>
-            <a:r>
-              <a:rPr lang="en-US" dirty="0" smtClean="0">
-                <a:solidFill>
-                  <a:schemeClr val="tx1"/>
-                </a:solidFill>
-              </a:rPr>
-              <a:t>/</a:t>
-            </a:r>
-          </a:p>
-          <a:p>
-            <a:r>
-              <a:rPr lang="en-US" dirty="0" smtClean="0">
-                <a:solidFill>
-                  <a:schemeClr val="tx1"/>
-                </a:solidFill>
-              </a:rPr>
               <a:t>https://flask.palletsprojects.com/en/1.1.x/</a:t>
             </a:r>
-            <a:endParaRPr lang="en-US" dirty="0" smtClean="0">
-              <a:solidFill>
-                <a:schemeClr val="tx1"/>
-              </a:solidFill>
-            </a:endParaRPr>
           </a:p>
           <a:p>
             <a:r>
@@ -11125,8 +11096,8 @@
         </p:nvSpPr>
         <p:spPr>
           <a:xfrm>
-            <a:off x="609600" y="2724150"/>
-            <a:ext cx="7086600" cy="2419350"/>
+            <a:off x="609600" y="2876550"/>
+            <a:ext cx="7086600" cy="2266950"/>
           </a:xfrm>
         </p:spPr>
         <p:txBody>

--- a/Presentation.pptx
+++ b/Presentation.pptx
@@ -5540,10 +5540,6 @@
           </p:nvPr>
         </p:nvSpPr>
         <p:spPr>
-          <a:xfrm>
-            <a:off x="844425" y="422500"/>
-            <a:ext cx="3226800" cy="857400"/>
-          </a:xfrm>
           <a:prstGeom prst="rect">
             <a:avLst/>
           </a:prstGeom>
@@ -5595,7 +5591,7 @@
         </p:nvSpPr>
         <p:spPr>
           <a:xfrm>
-            <a:off x="8480584" y="4749851"/>
+            <a:off x="8458200" y="4749900"/>
             <a:ext cx="548700" cy="393600"/>
           </a:xfrm>
           <a:prstGeom prst="rect">
@@ -5642,7 +5638,7 @@
         </p:nvSpPr>
         <p:spPr>
           <a:xfrm>
-            <a:off x="304800" y="2038350"/>
+            <a:off x="0" y="2038350"/>
             <a:ext cx="1143000" cy="914400"/>
           </a:xfrm>
           <a:prstGeom prst="ellipse">
@@ -6036,8 +6032,8 @@
         </p:nvCxnSpPr>
         <p:spPr>
           <a:xfrm>
-            <a:off x="1447800" y="2495550"/>
-            <a:ext cx="457200" cy="0"/>
+            <a:off x="1143000" y="2495550"/>
+            <a:ext cx="762000" cy="0"/>
           </a:xfrm>
           <a:prstGeom prst="straightConnector1">
             <a:avLst/>
@@ -6461,6 +6457,253 @@
           </a:sp3d>
         </p:spPr>
       </p:pic>
+      <p:sp>
+        <p:nvSpPr>
+          <p:cNvPr id="21" name="TextBox 20"/>
+          <p:cNvSpPr txBox="1"/>
+          <p:nvPr/>
+        </p:nvSpPr>
+        <p:spPr>
+          <a:xfrm>
+            <a:off x="3276600" y="2343150"/>
+            <a:ext cx="314510" cy="307777"/>
+          </a:xfrm>
+          <a:prstGeom prst="rect">
+            <a:avLst/>
+          </a:prstGeom>
+          <a:noFill/>
+        </p:spPr>
+        <p:txBody>
+          <a:bodyPr wrap="none" rtlCol="0">
+            <a:spAutoFit/>
+          </a:bodyPr>
+          <a:lstStyle/>
+          <a:p>
+            <a:r>
+              <a:rPr lang="en-US" dirty="0" smtClean="0">
+                <a:solidFill>
+                  <a:srgbClr val="FF0000"/>
+                </a:solidFill>
+              </a:rPr>
+              <a:t>Đ</a:t>
+            </a:r>
+            <a:endParaRPr lang="en-US" dirty="0">
+              <a:solidFill>
+                <a:srgbClr val="FF0000"/>
+              </a:solidFill>
+            </a:endParaRPr>
+          </a:p>
+        </p:txBody>
+      </p:sp>
+      <p:sp>
+        <p:nvSpPr>
+          <p:cNvPr id="22" name="TextBox 21"/>
+          <p:cNvSpPr txBox="1"/>
+          <p:nvPr/>
+        </p:nvSpPr>
+        <p:spPr>
+          <a:xfrm>
+            <a:off x="2362200" y="3181350"/>
+            <a:ext cx="304892" cy="307777"/>
+          </a:xfrm>
+          <a:prstGeom prst="rect">
+            <a:avLst/>
+          </a:prstGeom>
+          <a:noFill/>
+        </p:spPr>
+        <p:txBody>
+          <a:bodyPr wrap="none" rtlCol="0">
+            <a:spAutoFit/>
+          </a:bodyPr>
+          <a:lstStyle/>
+          <a:p>
+            <a:r>
+              <a:rPr lang="en-US" dirty="0" smtClean="0">
+                <a:solidFill>
+                  <a:srgbClr val="FF0000"/>
+                </a:solidFill>
+              </a:rPr>
+              <a:t>S</a:t>
+            </a:r>
+            <a:endParaRPr lang="en-US" dirty="0">
+              <a:solidFill>
+                <a:srgbClr val="FF0000"/>
+              </a:solidFill>
+            </a:endParaRPr>
+          </a:p>
+        </p:txBody>
+      </p:sp>
+      <p:sp>
+        <p:nvSpPr>
+          <p:cNvPr id="23" name="TextBox 22"/>
+          <p:cNvSpPr txBox="1"/>
+          <p:nvPr/>
+        </p:nvSpPr>
+        <p:spPr>
+          <a:xfrm>
+            <a:off x="7162800" y="2343150"/>
+            <a:ext cx="314510" cy="307777"/>
+          </a:xfrm>
+          <a:prstGeom prst="rect">
+            <a:avLst/>
+          </a:prstGeom>
+          <a:noFill/>
+        </p:spPr>
+        <p:txBody>
+          <a:bodyPr wrap="none" rtlCol="0">
+            <a:spAutoFit/>
+          </a:bodyPr>
+          <a:lstStyle/>
+          <a:p>
+            <a:r>
+              <a:rPr lang="en-US" dirty="0" smtClean="0">
+                <a:solidFill>
+                  <a:srgbClr val="FF0000"/>
+                </a:solidFill>
+              </a:rPr>
+              <a:t>Đ</a:t>
+            </a:r>
+            <a:endParaRPr lang="en-US" dirty="0">
+              <a:solidFill>
+                <a:srgbClr val="FF0000"/>
+              </a:solidFill>
+            </a:endParaRPr>
+          </a:p>
+        </p:txBody>
+      </p:sp>
+      <p:sp>
+        <p:nvSpPr>
+          <p:cNvPr id="24" name="TextBox 23"/>
+          <p:cNvSpPr txBox="1"/>
+          <p:nvPr/>
+        </p:nvSpPr>
+        <p:spPr>
+          <a:xfrm>
+            <a:off x="6172200" y="3105150"/>
+            <a:ext cx="304892" cy="307777"/>
+          </a:xfrm>
+          <a:prstGeom prst="rect">
+            <a:avLst/>
+          </a:prstGeom>
+          <a:noFill/>
+        </p:spPr>
+        <p:txBody>
+          <a:bodyPr wrap="none" rtlCol="0">
+            <a:spAutoFit/>
+          </a:bodyPr>
+          <a:lstStyle/>
+          <a:p>
+            <a:r>
+              <a:rPr lang="en-US" dirty="0" smtClean="0">
+                <a:solidFill>
+                  <a:srgbClr val="FF0000"/>
+                </a:solidFill>
+              </a:rPr>
+              <a:t>S</a:t>
+            </a:r>
+            <a:endParaRPr lang="en-US" dirty="0">
+              <a:solidFill>
+                <a:srgbClr val="FF0000"/>
+              </a:solidFill>
+            </a:endParaRPr>
+          </a:p>
+        </p:txBody>
+      </p:sp>
+      <p:cxnSp>
+        <p:nvCxnSpPr>
+          <p:cNvPr id="37" name="Straight Connector 36"/>
+          <p:cNvCxnSpPr>
+            <a:stCxn id="12" idx="4"/>
+          </p:cNvCxnSpPr>
+          <p:nvPr/>
+        </p:nvCxnSpPr>
+        <p:spPr>
+          <a:xfrm>
+            <a:off x="8305800" y="4400550"/>
+            <a:ext cx="0" cy="381000"/>
+          </a:xfrm>
+          <a:prstGeom prst="line">
+            <a:avLst/>
+          </a:prstGeom>
+        </p:spPr>
+        <p:style>
+          <a:lnRef idx="2">
+            <a:schemeClr val="accent4"/>
+          </a:lnRef>
+          <a:fillRef idx="0">
+            <a:schemeClr val="accent4"/>
+          </a:fillRef>
+          <a:effectRef idx="1">
+            <a:schemeClr val="accent4"/>
+          </a:effectRef>
+          <a:fontRef idx="minor">
+            <a:schemeClr val="tx1"/>
+          </a:fontRef>
+        </p:style>
+      </p:cxnSp>
+      <p:cxnSp>
+        <p:nvCxnSpPr>
+          <p:cNvPr id="39" name="Straight Connector 38"/>
+          <p:cNvCxnSpPr/>
+          <p:nvPr/>
+        </p:nvCxnSpPr>
+        <p:spPr>
+          <a:xfrm flipH="1">
+            <a:off x="457200" y="4781550"/>
+            <a:ext cx="7848600" cy="0"/>
+          </a:xfrm>
+          <a:prstGeom prst="line">
+            <a:avLst/>
+          </a:prstGeom>
+        </p:spPr>
+        <p:style>
+          <a:lnRef idx="2">
+            <a:schemeClr val="accent4"/>
+          </a:lnRef>
+          <a:fillRef idx="0">
+            <a:schemeClr val="accent4"/>
+          </a:fillRef>
+          <a:effectRef idx="1">
+            <a:schemeClr val="accent4"/>
+          </a:effectRef>
+          <a:fontRef idx="minor">
+            <a:schemeClr val="tx1"/>
+          </a:fontRef>
+        </p:style>
+      </p:cxnSp>
+      <p:cxnSp>
+        <p:nvCxnSpPr>
+          <p:cNvPr id="41" name="Straight Arrow Connector 40"/>
+          <p:cNvCxnSpPr/>
+          <p:nvPr/>
+        </p:nvCxnSpPr>
+        <p:spPr>
+          <a:xfrm flipV="1">
+            <a:off x="457200" y="2876550"/>
+            <a:ext cx="0" cy="1905000"/>
+          </a:xfrm>
+          <a:prstGeom prst="straightConnector1">
+            <a:avLst/>
+          </a:prstGeom>
+          <a:ln>
+            <a:tailEnd type="arrow"/>
+          </a:ln>
+        </p:spPr>
+        <p:style>
+          <a:lnRef idx="2">
+            <a:schemeClr val="accent4"/>
+          </a:lnRef>
+          <a:fillRef idx="0">
+            <a:schemeClr val="accent4"/>
+          </a:fillRef>
+          <a:effectRef idx="1">
+            <a:schemeClr val="accent4"/>
+          </a:effectRef>
+          <a:fontRef idx="minor">
+            <a:schemeClr val="tx1"/>
+          </a:fontRef>
+        </p:style>
+      </p:cxnSp>
     </p:spTree>
   </p:cSld>
   <p:clrMapOvr>
@@ -6594,7 +6837,7 @@
         <p:spPr>
           <a:xfrm>
             <a:off x="838200" y="1657350"/>
-            <a:ext cx="5971500" cy="2438400"/>
+            <a:ext cx="7543800" cy="2438400"/>
           </a:xfrm>
           <a:ln>
             <a:solidFill>
@@ -6611,16 +6854,22 @@
                 <a:solidFill>
                   <a:schemeClr val="tx1"/>
                 </a:solidFill>
-              </a:rPr>
-              <a:t>https://</a:t>
-            </a:r>
+                <a:latin typeface="Times New Roman" pitchFamily="18" charset="0"/>
+                <a:cs typeface="Times New Roman" pitchFamily="18" charset="0"/>
+              </a:rPr>
+              <a:t>https://github.com/chandrikadeb7/Face-Mask-Detection</a:t>
+            </a:r>
+          </a:p>
+          <a:p>
             <a:r>
               <a:rPr lang="en-US" dirty="0" smtClean="0">
                 <a:solidFill>
                   <a:schemeClr val="tx1"/>
                 </a:solidFill>
-              </a:rPr>
-              <a:t>github.com/chandrikadeb7/Face-Mask-Detection</a:t>
+                <a:latin typeface="Times New Roman" pitchFamily="18" charset="0"/>
+                <a:cs typeface="Times New Roman" pitchFamily="18" charset="0"/>
+              </a:rPr>
+              <a:t>https://reactjs.org/</a:t>
             </a:r>
           </a:p>
           <a:p>
@@ -6629,16 +6878,22 @@
                 <a:solidFill>
                   <a:schemeClr val="tx1"/>
                 </a:solidFill>
-              </a:rPr>
-              <a:t>https://reactjs.org</a:t>
-            </a:r>
+                <a:latin typeface="Times New Roman" pitchFamily="18" charset="0"/>
+                <a:cs typeface="Times New Roman" pitchFamily="18" charset="0"/>
+              </a:rPr>
+              <a:t>https://material-ui.com/</a:t>
+            </a:r>
+          </a:p>
+          <a:p>
             <a:r>
               <a:rPr lang="en-US" dirty="0" smtClean="0">
                 <a:solidFill>
                   <a:schemeClr val="tx1"/>
                 </a:solidFill>
-              </a:rPr>
-              <a:t>/</a:t>
+                <a:latin typeface="Times New Roman" pitchFamily="18" charset="0"/>
+                <a:cs typeface="Times New Roman" pitchFamily="18" charset="0"/>
+              </a:rPr>
+              <a:t>https://flask.palletsprojects.com/en/1.1.x/</a:t>
             </a:r>
           </a:p>
           <a:p>
@@ -6647,39 +6902,8 @@
                 <a:solidFill>
                   <a:schemeClr val="tx1"/>
                 </a:solidFill>
-              </a:rPr>
-              <a:t>https://material-ui.com</a:t>
-            </a:r>
-            <a:r>
-              <a:rPr lang="en-US" dirty="0" smtClean="0">
-                <a:solidFill>
-                  <a:schemeClr val="tx1"/>
-                </a:solidFill>
-              </a:rPr>
-              <a:t>/</a:t>
-            </a:r>
-          </a:p>
-          <a:p>
-            <a:r>
-              <a:rPr lang="en-US" dirty="0" smtClean="0">
-                <a:solidFill>
-                  <a:schemeClr val="tx1"/>
-                </a:solidFill>
-              </a:rPr>
-              <a:t>https://flask.palletsprojects.com/en/1.1.x/</a:t>
-            </a:r>
-            <a:endParaRPr lang="en-US" dirty="0" smtClean="0">
-              <a:solidFill>
-                <a:schemeClr val="tx1"/>
-              </a:solidFill>
-            </a:endParaRPr>
-          </a:p>
-          <a:p>
-            <a:r>
-              <a:rPr lang="en-US" dirty="0" smtClean="0">
-                <a:solidFill>
-                  <a:schemeClr val="tx1"/>
-                </a:solidFill>
+                <a:latin typeface="Times New Roman" pitchFamily="18" charset="0"/>
+                <a:cs typeface="Times New Roman" pitchFamily="18" charset="0"/>
               </a:rPr>
               <a:t>…</a:t>
             </a:r>
@@ -6687,6 +6911,8 @@
               <a:solidFill>
                 <a:schemeClr val="tx1"/>
               </a:solidFill>
+              <a:latin typeface="Times New Roman" pitchFamily="18" charset="0"/>
+              <a:cs typeface="Times New Roman" pitchFamily="18" charset="0"/>
             </a:endParaRPr>
           </a:p>
         </p:txBody>
@@ -6814,6 +7040,53 @@
       </p:grpSpPr>
       <p:sp>
         <p:nvSpPr>
+          <p:cNvPr id="332" name="Google Shape;332;p39"/>
+          <p:cNvSpPr txBox="1">
+            <a:spLocks noGrp="1"/>
+          </p:cNvSpPr>
+          <p:nvPr>
+            <p:ph type="sldNum" idx="12"/>
+          </p:nvPr>
+        </p:nvSpPr>
+        <p:spPr>
+          <a:prstGeom prst="rect">
+            <a:avLst/>
+          </a:prstGeom>
+        </p:spPr>
+        <p:txBody>
+          <a:bodyPr spcFirstLastPara="1" wrap="square" lIns="91425" tIns="91425" rIns="91425" bIns="91425" anchor="t" anchorCtr="0">
+            <a:noAutofit/>
+          </a:bodyPr>
+          <a:lstStyle/>
+          <a:p>
+            <a:pPr marL="0" lvl="0" indent="0" algn="r" rtl="0">
+              <a:spcBef>
+                <a:spcPts val="0"/>
+              </a:spcBef>
+              <a:spcAft>
+                <a:spcPts val="0"/>
+              </a:spcAft>
+              <a:buNone/>
+            </a:pPr>
+            <a:fld id="{00000000-1234-1234-1234-123412341234}" type="slidenum">
+              <a:rPr lang="en"/>
+              <a:pPr marL="0" lvl="0" indent="0" algn="r" rtl="0">
+                <a:spcBef>
+                  <a:spcPts val="0"/>
+                </a:spcBef>
+                <a:spcAft>
+                  <a:spcPts val="0"/>
+                </a:spcAft>
+                <a:buNone/>
+              </a:pPr>
+              <a:t>12</a:t>
+            </a:fld>
+            <a:endParaRPr/>
+          </a:p>
+        </p:txBody>
+      </p:sp>
+      <p:sp>
+        <p:nvSpPr>
           <p:cNvPr id="329" name="Google Shape;329;p39"/>
           <p:cNvSpPr txBox="1">
             <a:spLocks noGrp="1"/>
@@ -6824,8 +7097,8 @@
         </p:nvSpPr>
         <p:spPr>
           <a:xfrm>
-            <a:off x="2361750" y="1357900"/>
-            <a:ext cx="4674900" cy="1159800"/>
+            <a:off x="4468813" y="1357313"/>
+            <a:ext cx="4675187" cy="1160462"/>
           </a:xfrm>
           <a:prstGeom prst="rect">
             <a:avLst/>
@@ -6878,8 +7151,8 @@
         </p:nvSpPr>
         <p:spPr>
           <a:xfrm>
-            <a:off x="2380675" y="2775675"/>
-            <a:ext cx="4631400" cy="939075"/>
+            <a:off x="4513263" y="2774950"/>
+            <a:ext cx="4630737" cy="939800"/>
           </a:xfrm>
           <a:prstGeom prst="rect">
             <a:avLst/>
@@ -6913,57 +7186,6 @@
                 <a:srgbClr val="000000"/>
               </a:solidFill>
             </a:endParaRPr>
-          </a:p>
-        </p:txBody>
-      </p:sp>
-      <p:sp>
-        <p:nvSpPr>
-          <p:cNvPr id="332" name="Google Shape;332;p39"/>
-          <p:cNvSpPr txBox="1">
-            <a:spLocks noGrp="1"/>
-          </p:cNvSpPr>
-          <p:nvPr>
-            <p:ph type="sldNum" idx="12"/>
-          </p:nvPr>
-        </p:nvSpPr>
-        <p:spPr>
-          <a:xfrm>
-            <a:off x="8480584" y="4749851"/>
-            <a:ext cx="548700" cy="393600"/>
-          </a:xfrm>
-          <a:prstGeom prst="rect">
-            <a:avLst/>
-          </a:prstGeom>
-        </p:spPr>
-        <p:txBody>
-          <a:bodyPr spcFirstLastPara="1" wrap="square" lIns="91425" tIns="91425" rIns="91425" bIns="91425" anchor="t" anchorCtr="0">
-            <a:noAutofit/>
-          </a:bodyPr>
-          <a:lstStyle/>
-          <a:p>
-            <a:pPr marL="0" lvl="0" indent="0" algn="r" rtl="0">
-              <a:spcBef>
-                <a:spcPts val="0"/>
-              </a:spcBef>
-              <a:spcAft>
-                <a:spcPts val="0"/>
-              </a:spcAft>
-              <a:buNone/>
-            </a:pPr>
-            <a:fld id="{00000000-1234-1234-1234-123412341234}" type="slidenum">
-              <a:rPr lang="en"/>
-              <a:pPr marL="0" lvl="0" indent="0" algn="r" rtl="0">
-                <a:spcBef>
-                  <a:spcPts val="0"/>
-                </a:spcBef>
-                <a:spcAft>
-                  <a:spcPts val="0"/>
-                </a:spcAft>
-                <a:buNone/>
-              </a:pPr>
-              <a:t>12</a:t>
-            </a:fld>
-            <a:endParaRPr/>
           </a:p>
         </p:txBody>
       </p:sp>
@@ -7098,6 +7320,53 @@
       </p:grpSpPr>
       <p:sp>
         <p:nvSpPr>
+          <p:cNvPr id="96" name="Google Shape;96;p17"/>
+          <p:cNvSpPr txBox="1">
+            <a:spLocks noGrp="1"/>
+          </p:cNvSpPr>
+          <p:nvPr>
+            <p:ph type="sldNum" idx="12"/>
+          </p:nvPr>
+        </p:nvSpPr>
+        <p:spPr>
+          <a:prstGeom prst="rect">
+            <a:avLst/>
+          </a:prstGeom>
+        </p:spPr>
+        <p:txBody>
+          <a:bodyPr spcFirstLastPara="1" wrap="square" lIns="91425" tIns="91425" rIns="91425" bIns="91425" anchor="t" anchorCtr="0">
+            <a:noAutofit/>
+          </a:bodyPr>
+          <a:lstStyle/>
+          <a:p>
+            <a:pPr marL="0" lvl="0" indent="0" algn="r" rtl="0">
+              <a:spcBef>
+                <a:spcPts val="0"/>
+              </a:spcBef>
+              <a:spcAft>
+                <a:spcPts val="0"/>
+              </a:spcAft>
+              <a:buNone/>
+            </a:pPr>
+            <a:fld id="{00000000-1234-1234-1234-123412341234}" type="slidenum">
+              <a:rPr lang="en"/>
+              <a:pPr marL="0" lvl="0" indent="0" algn="r" rtl="0">
+                <a:spcBef>
+                  <a:spcPts val="0"/>
+                </a:spcBef>
+                <a:spcAft>
+                  <a:spcPts val="0"/>
+                </a:spcAft>
+                <a:buNone/>
+              </a:pPr>
+              <a:t>2</a:t>
+            </a:fld>
+            <a:endParaRPr/>
+          </a:p>
+        </p:txBody>
+      </p:sp>
+      <p:sp>
+        <p:nvSpPr>
           <p:cNvPr id="93" name="Google Shape;93;p17"/>
           <p:cNvSpPr txBox="1">
             <a:spLocks noGrp="1"/>
@@ -7108,8 +7377,8 @@
         </p:nvSpPr>
         <p:spPr>
           <a:xfrm>
-            <a:off x="2361750" y="1357900"/>
-            <a:ext cx="5791650" cy="1159800"/>
+            <a:off x="3352800" y="1357313"/>
+            <a:ext cx="5791200" cy="1160462"/>
           </a:xfrm>
           <a:prstGeom prst="rect">
             <a:avLst/>
@@ -7182,8 +7451,8 @@
         </p:nvSpPr>
         <p:spPr>
           <a:xfrm>
-            <a:off x="2362200" y="3181350"/>
-            <a:ext cx="5239325" cy="2243400"/>
+            <a:off x="3905250" y="3181350"/>
+            <a:ext cx="5238750" cy="2243138"/>
           </a:xfrm>
           <a:prstGeom prst="rect">
             <a:avLst/>
@@ -7297,57 +7566,6 @@
                 <a:srgbClr val="000000"/>
               </a:solidFill>
             </a:endParaRPr>
-          </a:p>
-        </p:txBody>
-      </p:sp>
-      <p:sp>
-        <p:nvSpPr>
-          <p:cNvPr id="96" name="Google Shape;96;p17"/>
-          <p:cNvSpPr txBox="1">
-            <a:spLocks noGrp="1"/>
-          </p:cNvSpPr>
-          <p:nvPr>
-            <p:ph type="sldNum" idx="12"/>
-          </p:nvPr>
-        </p:nvSpPr>
-        <p:spPr>
-          <a:xfrm>
-            <a:off x="8480584" y="4749851"/>
-            <a:ext cx="548700" cy="393600"/>
-          </a:xfrm>
-          <a:prstGeom prst="rect">
-            <a:avLst/>
-          </a:prstGeom>
-        </p:spPr>
-        <p:txBody>
-          <a:bodyPr spcFirstLastPara="1" wrap="square" lIns="91425" tIns="91425" rIns="91425" bIns="91425" anchor="t" anchorCtr="0">
-            <a:noAutofit/>
-          </a:bodyPr>
-          <a:lstStyle/>
-          <a:p>
-            <a:pPr marL="0" lvl="0" indent="0" algn="r" rtl="0">
-              <a:spcBef>
-                <a:spcPts val="0"/>
-              </a:spcBef>
-              <a:spcAft>
-                <a:spcPts val="0"/>
-              </a:spcAft>
-              <a:buNone/>
-            </a:pPr>
-            <a:fld id="{00000000-1234-1234-1234-123412341234}" type="slidenum">
-              <a:rPr lang="en"/>
-              <a:pPr marL="0" lvl="0" indent="0" algn="r" rtl="0">
-                <a:spcBef>
-                  <a:spcPts val="0"/>
-                </a:spcBef>
-                <a:spcAft>
-                  <a:spcPts val="0"/>
-                </a:spcAft>
-                <a:buNone/>
-              </a:pPr>
-              <a:t>2</a:t>
-            </a:fld>
-            <a:endParaRPr/>
           </a:p>
         </p:txBody>
       </p:sp>
@@ -8100,10 +8318,6 @@
           </p:nvPr>
         </p:nvSpPr>
         <p:spPr>
-          <a:xfrm>
-            <a:off x="8480584" y="4749851"/>
-            <a:ext cx="548700" cy="393600"/>
-          </a:xfrm>
           <a:prstGeom prst="rect">
             <a:avLst/>
           </a:prstGeom>
@@ -8222,6 +8436,96 @@
       </p:grpSpPr>
       <p:sp>
         <p:nvSpPr>
+          <p:cNvPr id="137" name="Google Shape;137;p22"/>
+          <p:cNvSpPr txBox="1">
+            <a:spLocks noGrp="1"/>
+          </p:cNvSpPr>
+          <p:nvPr>
+            <p:ph type="title"/>
+          </p:nvPr>
+        </p:nvSpPr>
+        <p:spPr>
+          <a:prstGeom prst="rect">
+            <a:avLst/>
+          </a:prstGeom>
+        </p:spPr>
+        <p:txBody>
+          <a:bodyPr spcFirstLastPara="1" wrap="square" lIns="91425" tIns="91425" rIns="91425" bIns="91425" anchor="t" anchorCtr="0">
+            <a:noAutofit/>
+          </a:bodyPr>
+          <a:lstStyle/>
+          <a:p>
+            <a:pPr marL="0" lvl="0" indent="0" algn="l" rtl="0">
+              <a:spcBef>
+                <a:spcPts val="0"/>
+              </a:spcBef>
+              <a:spcAft>
+                <a:spcPts val="0"/>
+              </a:spcAft>
+              <a:buNone/>
+            </a:pPr>
+            <a:r>
+              <a:rPr lang="en-US" dirty="0" err="1" smtClean="0">
+                <a:solidFill>
+                  <a:srgbClr val="FF004E"/>
+                </a:solidFill>
+                <a:latin typeface="Times New Roman" pitchFamily="18" charset="0"/>
+                <a:cs typeface="Times New Roman" pitchFamily="18" charset="0"/>
+              </a:rPr>
+              <a:t>Đặt</a:t>
+            </a:r>
+            <a:r>
+              <a:rPr lang="en-US" dirty="0" smtClean="0">
+                <a:solidFill>
+                  <a:srgbClr val="FF004E"/>
+                </a:solidFill>
+                <a:latin typeface="Times New Roman" pitchFamily="18" charset="0"/>
+                <a:cs typeface="Times New Roman" pitchFamily="18" charset="0"/>
+              </a:rPr>
+              <a:t> </a:t>
+            </a:r>
+            <a:r>
+              <a:rPr lang="en-US" dirty="0" err="1" smtClean="0">
+                <a:solidFill>
+                  <a:srgbClr val="FF004E"/>
+                </a:solidFill>
+                <a:latin typeface="Times New Roman" pitchFamily="18" charset="0"/>
+                <a:cs typeface="Times New Roman" pitchFamily="18" charset="0"/>
+              </a:rPr>
+              <a:t>vấn</a:t>
+            </a:r>
+            <a:r>
+              <a:rPr lang="en-US" dirty="0" smtClean="0">
+                <a:solidFill>
+                  <a:srgbClr val="FF004E"/>
+                </a:solidFill>
+                <a:latin typeface="Times New Roman" pitchFamily="18" charset="0"/>
+                <a:cs typeface="Times New Roman" pitchFamily="18" charset="0"/>
+              </a:rPr>
+              <a:t> </a:t>
+            </a:r>
+            <a:r>
+              <a:rPr lang="en-US" dirty="0" err="1" smtClean="0">
+                <a:solidFill>
+                  <a:srgbClr val="FF004E"/>
+                </a:solidFill>
+                <a:latin typeface="Times New Roman" pitchFamily="18" charset="0"/>
+                <a:cs typeface="Times New Roman" pitchFamily="18" charset="0"/>
+              </a:rPr>
+              <a:t>đề</a:t>
+            </a:r>
+            <a:endParaRPr dirty="0">
+              <a:solidFill>
+                <a:srgbClr val="FF004E"/>
+              </a:solidFill>
+              <a:latin typeface="Times New Roman" pitchFamily="18" charset="0"/>
+              <a:cs typeface="Times New Roman" pitchFamily="18" charset="0"/>
+            </a:endParaRPr>
+          </a:p>
+        </p:txBody>
+      </p:sp>
+      <p:sp>
+        <p:nvSpPr>
           <p:cNvPr id="136" name="Google Shape;136;p22"/>
           <p:cNvSpPr txBox="1">
             <a:spLocks noGrp="1"/>
@@ -8530,7 +8834,14 @@
                 <a:latin typeface="Times New Roman" pitchFamily="18" charset="0"/>
                 <a:cs typeface="Times New Roman" pitchFamily="18" charset="0"/>
               </a:rPr>
-              <a:t> 11 </a:t>
+              <a:t> </a:t>
+            </a:r>
+            <a:r>
+              <a:rPr lang="en-US" dirty="0" smtClean="0">
+                <a:latin typeface="Times New Roman" pitchFamily="18" charset="0"/>
+                <a:cs typeface="Times New Roman" pitchFamily="18" charset="0"/>
+              </a:rPr>
+              <a:t>14 </a:t>
             </a:r>
             <a:r>
               <a:rPr lang="en-US" dirty="0" err="1" smtClean="0">
@@ -8568,100 +8879,6 @@
               <a:t>nhiễm</a:t>
             </a:r>
             <a:endParaRPr dirty="0">
-              <a:latin typeface="Times New Roman" pitchFamily="18" charset="0"/>
-              <a:cs typeface="Times New Roman" pitchFamily="18" charset="0"/>
-            </a:endParaRPr>
-          </a:p>
-        </p:txBody>
-      </p:sp>
-      <p:sp>
-        <p:nvSpPr>
-          <p:cNvPr id="137" name="Google Shape;137;p22"/>
-          <p:cNvSpPr txBox="1">
-            <a:spLocks noGrp="1"/>
-          </p:cNvSpPr>
-          <p:nvPr>
-            <p:ph type="title"/>
-          </p:nvPr>
-        </p:nvSpPr>
-        <p:spPr>
-          <a:xfrm>
-            <a:off x="844425" y="422500"/>
-            <a:ext cx="3226800" cy="857400"/>
-          </a:xfrm>
-          <a:prstGeom prst="rect">
-            <a:avLst/>
-          </a:prstGeom>
-        </p:spPr>
-        <p:txBody>
-          <a:bodyPr spcFirstLastPara="1" wrap="square" lIns="91425" tIns="91425" rIns="91425" bIns="91425" anchor="t" anchorCtr="0">
-            <a:noAutofit/>
-          </a:bodyPr>
-          <a:lstStyle/>
-          <a:p>
-            <a:pPr marL="0" lvl="0" indent="0" algn="l" rtl="0">
-              <a:spcBef>
-                <a:spcPts val="0"/>
-              </a:spcBef>
-              <a:spcAft>
-                <a:spcPts val="0"/>
-              </a:spcAft>
-              <a:buNone/>
-            </a:pPr>
-            <a:r>
-              <a:rPr lang="en-US" dirty="0" err="1" smtClean="0">
-                <a:solidFill>
-                  <a:srgbClr val="FF004E"/>
-                </a:solidFill>
-                <a:latin typeface="Times New Roman" pitchFamily="18" charset="0"/>
-                <a:cs typeface="Times New Roman" pitchFamily="18" charset="0"/>
-              </a:rPr>
-              <a:t>Đặt</a:t>
-            </a:r>
-            <a:r>
-              <a:rPr lang="en-US" dirty="0" smtClean="0">
-                <a:solidFill>
-                  <a:srgbClr val="FF004E"/>
-                </a:solidFill>
-                <a:latin typeface="Times New Roman" pitchFamily="18" charset="0"/>
-                <a:cs typeface="Times New Roman" pitchFamily="18" charset="0"/>
-              </a:rPr>
-              <a:t> </a:t>
-            </a:r>
-            <a:r>
-              <a:rPr lang="en-US" dirty="0" err="1" smtClean="0">
-                <a:solidFill>
-                  <a:srgbClr val="FF004E"/>
-                </a:solidFill>
-                <a:latin typeface="Times New Roman" pitchFamily="18" charset="0"/>
-                <a:cs typeface="Times New Roman" pitchFamily="18" charset="0"/>
-              </a:rPr>
-              <a:t>vấn</a:t>
-            </a:r>
-            <a:r>
-              <a:rPr lang="en-US" dirty="0" smtClean="0">
-                <a:solidFill>
-                  <a:srgbClr val="FF004E"/>
-                </a:solidFill>
-                <a:latin typeface="Times New Roman" pitchFamily="18" charset="0"/>
-                <a:cs typeface="Times New Roman" pitchFamily="18" charset="0"/>
-              </a:rPr>
-              <a:t> </a:t>
-            </a:r>
-            <a:r>
-              <a:rPr lang="en-US" dirty="0" err="1" smtClean="0">
-                <a:solidFill>
-                  <a:srgbClr val="FF004E"/>
-                </a:solidFill>
-                <a:latin typeface="Times New Roman" pitchFamily="18" charset="0"/>
-                <a:cs typeface="Times New Roman" pitchFamily="18" charset="0"/>
-              </a:rPr>
-              <a:t>đề</a:t>
-            </a:r>
-            <a:endParaRPr dirty="0">
-              <a:solidFill>
-                <a:srgbClr val="FF004E"/>
-              </a:solidFill>
               <a:latin typeface="Times New Roman" pitchFamily="18" charset="0"/>
               <a:cs typeface="Times New Roman" pitchFamily="18" charset="0"/>
             </a:endParaRPr>
@@ -8971,6 +9188,118 @@
               </a:rPr>
               <a:t>kém</a:t>
             </a:r>
+            <a:r>
+              <a:rPr lang="en-US" dirty="0" smtClean="0">
+                <a:latin typeface="Times New Roman" pitchFamily="18" charset="0"/>
+                <a:cs typeface="Times New Roman" pitchFamily="18" charset="0"/>
+              </a:rPr>
+              <a:t> </a:t>
+            </a:r>
+            <a:r>
+              <a:rPr lang="en-US" dirty="0" err="1" smtClean="0">
+                <a:latin typeface="Times New Roman" pitchFamily="18" charset="0"/>
+                <a:cs typeface="Times New Roman" pitchFamily="18" charset="0"/>
+              </a:rPr>
+              <a:t>trong</a:t>
+            </a:r>
+            <a:r>
+              <a:rPr lang="en-US" dirty="0" smtClean="0">
+                <a:latin typeface="Times New Roman" pitchFamily="18" charset="0"/>
+                <a:cs typeface="Times New Roman" pitchFamily="18" charset="0"/>
+              </a:rPr>
+              <a:t> </a:t>
+            </a:r>
+            <a:r>
+              <a:rPr lang="en-US" dirty="0" err="1" smtClean="0">
+                <a:latin typeface="Times New Roman" pitchFamily="18" charset="0"/>
+                <a:cs typeface="Times New Roman" pitchFamily="18" charset="0"/>
+              </a:rPr>
+              <a:t>việc</a:t>
+            </a:r>
+            <a:r>
+              <a:rPr lang="en-US" dirty="0" smtClean="0">
+                <a:latin typeface="Times New Roman" pitchFamily="18" charset="0"/>
+                <a:cs typeface="Times New Roman" pitchFamily="18" charset="0"/>
+              </a:rPr>
+              <a:t> </a:t>
+            </a:r>
+            <a:r>
+              <a:rPr lang="en-US" dirty="0" err="1" smtClean="0">
+                <a:latin typeface="Times New Roman" pitchFamily="18" charset="0"/>
+                <a:cs typeface="Times New Roman" pitchFamily="18" charset="0"/>
+              </a:rPr>
+              <a:t>đeo</a:t>
+            </a:r>
+            <a:r>
+              <a:rPr lang="en-US" dirty="0" smtClean="0">
+                <a:latin typeface="Times New Roman" pitchFamily="18" charset="0"/>
+                <a:cs typeface="Times New Roman" pitchFamily="18" charset="0"/>
+              </a:rPr>
+              <a:t> </a:t>
+            </a:r>
+            <a:r>
+              <a:rPr lang="en-US" dirty="0" err="1" smtClean="0">
+                <a:latin typeface="Times New Roman" pitchFamily="18" charset="0"/>
+                <a:cs typeface="Times New Roman" pitchFamily="18" charset="0"/>
+              </a:rPr>
+              <a:t>khẩu</a:t>
+            </a:r>
+            <a:r>
+              <a:rPr lang="en-US" dirty="0" smtClean="0">
+                <a:latin typeface="Times New Roman" pitchFamily="18" charset="0"/>
+                <a:cs typeface="Times New Roman" pitchFamily="18" charset="0"/>
+              </a:rPr>
+              <a:t> </a:t>
+            </a:r>
+            <a:r>
+              <a:rPr lang="en-US" dirty="0" err="1" smtClean="0">
+                <a:latin typeface="Times New Roman" pitchFamily="18" charset="0"/>
+                <a:cs typeface="Times New Roman" pitchFamily="18" charset="0"/>
+              </a:rPr>
+              <a:t>trang</a:t>
+            </a:r>
+            <a:r>
+              <a:rPr lang="en-US" dirty="0" smtClean="0">
+                <a:latin typeface="Times New Roman" pitchFamily="18" charset="0"/>
+                <a:cs typeface="Times New Roman" pitchFamily="18" charset="0"/>
+              </a:rPr>
+              <a:t> ở </a:t>
+            </a:r>
+            <a:r>
+              <a:rPr lang="en-US" dirty="0" err="1" smtClean="0">
+                <a:latin typeface="Times New Roman" pitchFamily="18" charset="0"/>
+                <a:cs typeface="Times New Roman" pitchFamily="18" charset="0"/>
+              </a:rPr>
+              <a:t>nơi</a:t>
+            </a:r>
+            <a:r>
+              <a:rPr lang="en-US" dirty="0" smtClean="0">
+                <a:latin typeface="Times New Roman" pitchFamily="18" charset="0"/>
+                <a:cs typeface="Times New Roman" pitchFamily="18" charset="0"/>
+              </a:rPr>
+              <a:t> </a:t>
+            </a:r>
+            <a:r>
+              <a:rPr lang="en-US" dirty="0" err="1" smtClean="0">
+                <a:latin typeface="Times New Roman" pitchFamily="18" charset="0"/>
+                <a:cs typeface="Times New Roman" pitchFamily="18" charset="0"/>
+              </a:rPr>
+              <a:t>công</a:t>
+            </a:r>
+            <a:r>
+              <a:rPr lang="en-US" dirty="0" smtClean="0">
+                <a:latin typeface="Times New Roman" pitchFamily="18" charset="0"/>
+                <a:cs typeface="Times New Roman" pitchFamily="18" charset="0"/>
+              </a:rPr>
+              <a:t> </a:t>
+            </a:r>
+            <a:r>
+              <a:rPr lang="en-US" dirty="0" err="1" smtClean="0">
+                <a:latin typeface="Times New Roman" pitchFamily="18" charset="0"/>
+                <a:cs typeface="Times New Roman" pitchFamily="18" charset="0"/>
+              </a:rPr>
+              <a:t>cộng</a:t>
+            </a:r>
             <a:endParaRPr dirty="0">
               <a:latin typeface="Times New Roman" pitchFamily="18" charset="0"/>
               <a:cs typeface="Times New Roman" pitchFamily="18" charset="0"/>
@@ -8989,10 +9318,6 @@
           </p:nvPr>
         </p:nvSpPr>
         <p:spPr>
-          <a:xfrm>
-            <a:off x="8480584" y="4749851"/>
-            <a:ext cx="548700" cy="393600"/>
-          </a:xfrm>
           <a:prstGeom prst="rect">
             <a:avLst/>
           </a:prstGeom>
@@ -10558,6 +10883,12 @@
               <a:buChar char="-"/>
             </a:pPr>
             <a:r>
+              <a:rPr lang="en-US" sz="1600" dirty="0" smtClean="0">
+                <a:latin typeface="+mj-lt"/>
+              </a:rPr>
+              <a:t> </a:t>
+            </a:r>
+            <a:r>
               <a:rPr lang="vi-VN" sz="1600" dirty="0" smtClean="0">
                 <a:latin typeface="+mj-lt"/>
               </a:rPr>
@@ -10700,60 +11031,74 @@
               <a:buChar char="-"/>
             </a:pPr>
             <a:r>
+              <a:rPr lang="en-US" sz="1600" smtClean="0">
+                <a:latin typeface="Times New Roman" pitchFamily="18" charset="0"/>
+                <a:cs typeface="Times New Roman" pitchFamily="18" charset="0"/>
+              </a:rPr>
+              <a:t> </a:t>
+            </a:r>
+            <a:r>
+              <a:rPr lang="en-US" sz="1600" smtClean="0">
+                <a:latin typeface="Times New Roman" pitchFamily="18" charset="0"/>
+                <a:cs typeface="Times New Roman" pitchFamily="18" charset="0"/>
+              </a:rPr>
+              <a:t>CNN </a:t>
+            </a:r>
+            <a:r>
               <a:rPr lang="en-US" sz="1600" dirty="0" smtClean="0">
                 <a:latin typeface="Times New Roman" pitchFamily="18" charset="0"/>
                 <a:cs typeface="Times New Roman" pitchFamily="18" charset="0"/>
               </a:rPr>
-              <a:t> </a:t>
+              <a:t>(</a:t>
             </a:r>
             <a:r>
               <a:rPr lang="en-US" sz="1600" dirty="0" err="1" smtClean="0">
                 <a:latin typeface="Times New Roman" pitchFamily="18" charset="0"/>
                 <a:cs typeface="Times New Roman" pitchFamily="18" charset="0"/>
               </a:rPr>
-              <a:t>Thuật</a:t>
+              <a:t>Convolutional</a:t>
             </a:r>
             <a:r>
               <a:rPr lang="en-US" sz="1600" dirty="0" smtClean="0">
                 <a:latin typeface="Times New Roman" pitchFamily="18" charset="0"/>
                 <a:cs typeface="Times New Roman" pitchFamily="18" charset="0"/>
               </a:rPr>
-              <a:t> </a:t>
+              <a:t> Neural Network) </a:t>
             </a:r>
             <a:r>
               <a:rPr lang="en-US" sz="1600" dirty="0" err="1" smtClean="0">
                 <a:latin typeface="Times New Roman" pitchFamily="18" charset="0"/>
                 <a:cs typeface="Times New Roman" pitchFamily="18" charset="0"/>
               </a:rPr>
-              <a:t>toán</a:t>
+              <a:t>nhận</a:t>
             </a:r>
             <a:r>
               <a:rPr lang="en-US" sz="1600" dirty="0" smtClean="0">
                 <a:latin typeface="Times New Roman" pitchFamily="18" charset="0"/>
                 <a:cs typeface="Times New Roman" pitchFamily="18" charset="0"/>
               </a:rPr>
-              <a:t> CNN (</a:t>
+              <a:t> </a:t>
             </a:r>
             <a:r>
               <a:rPr lang="en-US" sz="1600" dirty="0" err="1" smtClean="0">
                 <a:latin typeface="Times New Roman" pitchFamily="18" charset="0"/>
                 <a:cs typeface="Times New Roman" pitchFamily="18" charset="0"/>
               </a:rPr>
-              <a:t>Convolutional</a:t>
+              <a:t>diện</a:t>
             </a:r>
             <a:r>
               <a:rPr lang="en-US" sz="1600" dirty="0" smtClean="0">
                 <a:latin typeface="Times New Roman" pitchFamily="18" charset="0"/>
                 <a:cs typeface="Times New Roman" pitchFamily="18" charset="0"/>
               </a:rPr>
-              <a:t> Neural Network) </a:t>
+              <a:t> </a:t>
             </a:r>
             <a:r>
               <a:rPr lang="en-US" sz="1600" dirty="0" err="1" smtClean="0">
                 <a:latin typeface="Times New Roman" pitchFamily="18" charset="0"/>
                 <a:cs typeface="Times New Roman" pitchFamily="18" charset="0"/>
               </a:rPr>
-              <a:t>nhận</a:t>
+              <a:t>khẩu</a:t>
             </a:r>
             <a:r>
               <a:rPr lang="en-US" sz="1600" dirty="0" smtClean="0">
@@ -10767,77 +11112,14 @@
                 <a:latin typeface="Times New Roman" pitchFamily="18" charset="0"/>
                 <a:cs typeface="Times New Roman" pitchFamily="18" charset="0"/>
               </a:rPr>
-              <a:t>diện</a:t>
+              <a:t>trang</a:t>
             </a:r>
             <a:r>
               <a:rPr lang="en-US" sz="1600" dirty="0" smtClean="0">
                 <a:latin typeface="Times New Roman" pitchFamily="18" charset="0"/>
                 <a:cs typeface="Times New Roman" pitchFamily="18" charset="0"/>
               </a:rPr>
-              <a:t> </a:t>
-            </a:r>
-            <a:r>
-              <a:rPr lang="en-US" sz="1600" dirty="0" err="1" smtClean="0">
-                <a:latin typeface="Times New Roman" pitchFamily="18" charset="0"/>
-                <a:cs typeface="Times New Roman" pitchFamily="18" charset="0"/>
-              </a:rPr>
-              <a:t>khẩu</a:t>
-            </a:r>
-            <a:r>
-              <a:rPr lang="en-US" sz="1600" dirty="0" smtClean="0">
-                <a:latin typeface="Times New Roman" pitchFamily="18" charset="0"/>
-                <a:cs typeface="Times New Roman" pitchFamily="18" charset="0"/>
-              </a:rPr>
-              <a:t> </a:t>
-            </a:r>
-            <a:r>
-              <a:rPr lang="en-US" sz="1600" dirty="0" err="1" smtClean="0">
-                <a:latin typeface="Times New Roman" pitchFamily="18" charset="0"/>
-                <a:cs typeface="Times New Roman" pitchFamily="18" charset="0"/>
-              </a:rPr>
-              <a:t>trang</a:t>
-            </a:r>
-            <a:r>
-              <a:rPr lang="en-US" sz="1600" dirty="0" smtClean="0">
-                <a:latin typeface="Times New Roman" pitchFamily="18" charset="0"/>
-                <a:cs typeface="Times New Roman" pitchFamily="18" charset="0"/>
-              </a:rPr>
-              <a:t> </a:t>
-            </a:r>
-            <a:r>
-              <a:rPr lang="en-US" sz="1600" dirty="0" err="1" smtClean="0">
-                <a:latin typeface="Times New Roman" pitchFamily="18" charset="0"/>
-                <a:cs typeface="Times New Roman" pitchFamily="18" charset="0"/>
-              </a:rPr>
-              <a:t>từ</a:t>
-            </a:r>
-            <a:r>
-              <a:rPr lang="en-US" sz="1600" dirty="0" smtClean="0">
-                <a:latin typeface="Times New Roman" pitchFamily="18" charset="0"/>
-                <a:cs typeface="Times New Roman" pitchFamily="18" charset="0"/>
-              </a:rPr>
-              <a:t> </a:t>
-            </a:r>
-            <a:r>
-              <a:rPr lang="en-US" sz="1600" dirty="0" err="1" smtClean="0">
-                <a:latin typeface="Times New Roman" pitchFamily="18" charset="0"/>
-                <a:cs typeface="Times New Roman" pitchFamily="18" charset="0"/>
-              </a:rPr>
-              <a:t>gương</a:t>
-            </a:r>
-            <a:r>
-              <a:rPr lang="en-US" sz="1600" dirty="0" smtClean="0">
-                <a:latin typeface="Times New Roman" pitchFamily="18" charset="0"/>
-                <a:cs typeface="Times New Roman" pitchFamily="18" charset="0"/>
-              </a:rPr>
-              <a:t> </a:t>
-            </a:r>
-            <a:r>
-              <a:rPr lang="en-US" sz="1600" dirty="0" err="1" smtClean="0">
-                <a:latin typeface="Times New Roman" pitchFamily="18" charset="0"/>
-                <a:cs typeface="Times New Roman" pitchFamily="18" charset="0"/>
-              </a:rPr>
-              <a:t>mặt</a:t>
+              <a:t>.</a:t>
             </a:r>
             <a:endParaRPr sz="1600" dirty="0">
               <a:latin typeface="Times New Roman" pitchFamily="18" charset="0"/>
@@ -10857,10 +11139,6 @@
           </p:nvPr>
         </p:nvSpPr>
         <p:spPr>
-          <a:xfrm>
-            <a:off x="8480584" y="4749851"/>
-            <a:ext cx="548700" cy="393600"/>
-          </a:xfrm>
           <a:prstGeom prst="rect">
             <a:avLst/>
           </a:prstGeom>
@@ -10914,7 +11192,7 @@
         </p:blipFill>
         <p:spPr bwMode="auto">
           <a:xfrm>
-            <a:off x="2971800" y="1276350"/>
+            <a:off x="1295400" y="1276350"/>
             <a:ext cx="2133600" cy="1524000"/>
           </a:xfrm>
           <a:prstGeom prst="rect">
@@ -10984,6 +11262,156 @@
           </a:sp3d>
         </p:spPr>
       </p:pic>
+      <p:sp>
+        <p:nvSpPr>
+          <p:cNvPr id="7" name="Oval 6"/>
+          <p:cNvSpPr/>
+          <p:nvPr/>
+        </p:nvSpPr>
+        <p:spPr>
+          <a:xfrm>
+            <a:off x="4953000" y="742950"/>
+            <a:ext cx="1066800" cy="914400"/>
+          </a:xfrm>
+          <a:prstGeom prst="ellipse">
+            <a:avLst/>
+          </a:prstGeom>
+        </p:spPr>
+        <p:style>
+          <a:lnRef idx="1">
+            <a:schemeClr val="accent3"/>
+          </a:lnRef>
+          <a:fillRef idx="3">
+            <a:schemeClr val="accent3"/>
+          </a:fillRef>
+          <a:effectRef idx="2">
+            <a:schemeClr val="accent3"/>
+          </a:effectRef>
+          <a:fontRef idx="minor">
+            <a:schemeClr val="lt1"/>
+          </a:fontRef>
+        </p:style>
+        <p:txBody>
+          <a:bodyPr rtlCol="0" anchor="ctr"/>
+          <a:lstStyle/>
+          <a:p>
+            <a:pPr algn="ctr"/>
+            <a:r>
+              <a:rPr lang="en-US" dirty="0" smtClean="0">
+                <a:solidFill>
+                  <a:schemeClr val="tx1"/>
+                </a:solidFill>
+              </a:rPr>
+              <a:t>1916 mask</a:t>
+            </a:r>
+            <a:endParaRPr lang="en-US" dirty="0">
+              <a:solidFill>
+                <a:schemeClr val="tx1"/>
+              </a:solidFill>
+            </a:endParaRPr>
+          </a:p>
+        </p:txBody>
+      </p:sp>
+      <p:sp>
+        <p:nvSpPr>
+          <p:cNvPr id="8" name="Oval 7"/>
+          <p:cNvSpPr/>
+          <p:nvPr/>
+        </p:nvSpPr>
+        <p:spPr>
+          <a:xfrm>
+            <a:off x="6477000" y="819150"/>
+            <a:ext cx="1066800" cy="914400"/>
+          </a:xfrm>
+          <a:prstGeom prst="ellipse">
+            <a:avLst/>
+          </a:prstGeom>
+        </p:spPr>
+        <p:style>
+          <a:lnRef idx="1">
+            <a:schemeClr val="accent3"/>
+          </a:lnRef>
+          <a:fillRef idx="3">
+            <a:schemeClr val="accent3"/>
+          </a:fillRef>
+          <a:effectRef idx="2">
+            <a:schemeClr val="accent3"/>
+          </a:effectRef>
+          <a:fontRef idx="minor">
+            <a:schemeClr val="lt1"/>
+          </a:fontRef>
+        </p:style>
+        <p:txBody>
+          <a:bodyPr rtlCol="0" anchor="ctr"/>
+          <a:lstStyle/>
+          <a:p>
+            <a:pPr algn="ctr"/>
+            <a:r>
+              <a:rPr lang="en-US" dirty="0" smtClean="0">
+                <a:solidFill>
+                  <a:schemeClr val="tx1"/>
+                </a:solidFill>
+              </a:rPr>
+              <a:t>1916 without mask</a:t>
+            </a:r>
+            <a:endParaRPr lang="en-US" dirty="0">
+              <a:solidFill>
+                <a:schemeClr val="tx1"/>
+              </a:solidFill>
+            </a:endParaRPr>
+          </a:p>
+        </p:txBody>
+      </p:sp>
+      <p:sp>
+        <p:nvSpPr>
+          <p:cNvPr id="9" name="Oval 8"/>
+          <p:cNvSpPr/>
+          <p:nvPr/>
+        </p:nvSpPr>
+        <p:spPr>
+          <a:xfrm>
+            <a:off x="5410200" y="1581150"/>
+            <a:ext cx="1600200" cy="914400"/>
+          </a:xfrm>
+          <a:prstGeom prst="ellipse">
+            <a:avLst/>
+          </a:prstGeom>
+        </p:spPr>
+        <p:style>
+          <a:lnRef idx="3">
+            <a:schemeClr val="lt1"/>
+          </a:lnRef>
+          <a:fillRef idx="1">
+            <a:schemeClr val="accent1"/>
+          </a:fillRef>
+          <a:effectRef idx="1">
+            <a:schemeClr val="accent1"/>
+          </a:effectRef>
+          <a:fontRef idx="minor">
+            <a:schemeClr val="lt1"/>
+          </a:fontRef>
+        </p:style>
+        <p:txBody>
+          <a:bodyPr rtlCol="0" anchor="ctr"/>
+          <a:lstStyle/>
+          <a:p>
+            <a:pPr algn="ctr"/>
+            <a:r>
+              <a:rPr lang="en-US" dirty="0" smtClean="0">
+                <a:solidFill>
+                  <a:schemeClr val="tx1"/>
+                </a:solidFill>
+              </a:rPr>
+              <a:t>Dataset</a:t>
+            </a:r>
+            <a:endParaRPr lang="en-US" dirty="0">
+              <a:solidFill>
+                <a:schemeClr val="tx1"/>
+              </a:solidFill>
+            </a:endParaRPr>
+          </a:p>
+        </p:txBody>
+      </p:sp>
     </p:spTree>
   </p:cSld>
   <p:clrMapOvr>
@@ -11601,12 +12029,9 @@
           <a:p>
             <a:r>
               <a:rPr lang="vi-VN" sz="1600" dirty="0" smtClean="0">
-                <a:solidFill>
-                  <a:schemeClr val="tx1"/>
-                </a:solidFill>
                 <a:latin typeface="+mj-lt"/>
               </a:rPr>
-              <a:t>Arduino giống như một máy tính nhỏ để người dùng có thể lập trình và thực hiện các dự án điện tử mà không cần phải có các công cụ chuyên biệt để phục vụ việc nạp code.</a:t>
+              <a:t>Phần cứng Arduino (các board mạch vi xử lý) được sinh ra tại thị trấn Ivrea ở Ý, nhằm xây dựng các ứng dụng tương tác với nhau hoặc với môi trường được thuận lợi hơn.</a:t>
             </a:r>
             <a:endParaRPr lang="en-US" sz="1600" dirty="0">
               <a:solidFill>
@@ -11978,8 +12403,8 @@
         </p:nvSpPr>
         <p:spPr>
           <a:xfrm>
-            <a:off x="1447800" y="2933700"/>
-            <a:ext cx="990600" cy="762000"/>
+            <a:off x="1219200" y="2933700"/>
+            <a:ext cx="1219200" cy="1009650"/>
           </a:xfrm>
           <a:prstGeom prst="ellipse">
             <a:avLst/>
@@ -12089,8 +12514,8 @@
         </p:nvCxnSpPr>
         <p:spPr>
           <a:xfrm flipV="1">
-            <a:off x="1943100" y="2343150"/>
-            <a:ext cx="1257300" cy="590550"/>
+            <a:off x="1828800" y="2343150"/>
+            <a:ext cx="1371600" cy="590550"/>
           </a:xfrm>
           <a:prstGeom prst="straightConnector1">
             <a:avLst/>
@@ -12489,8 +12914,8 @@
         </p:nvCxnSpPr>
         <p:spPr>
           <a:xfrm flipH="1">
-            <a:off x="1943100" y="2343150"/>
-            <a:ext cx="1257300" cy="590550"/>
+            <a:off x="1828800" y="2343150"/>
+            <a:ext cx="1371600" cy="590550"/>
           </a:xfrm>
           <a:prstGeom prst="straightConnector1">
             <a:avLst/>

--- a/Presentation.pptx
+++ b/Presentation.pptx
@@ -5,7 +5,7 @@
     <p:sldMasterId id="2147483661" r:id="rId1"/>
   </p:sldMasterIdLst>
   <p:notesMasterIdLst>
-    <p:notesMasterId r:id="rId14"/>
+    <p:notesMasterId r:id="rId17"/>
   </p:notesMasterIdLst>
   <p:sldIdLst>
     <p:sldId id="256" r:id="rId2"/>
@@ -18,18 +18,21 @@
     <p:sldId id="288" r:id="rId9"/>
     <p:sldId id="289" r:id="rId10"/>
     <p:sldId id="281" r:id="rId11"/>
-    <p:sldId id="290" r:id="rId12"/>
-    <p:sldId id="280" r:id="rId13"/>
+    <p:sldId id="291" r:id="rId12"/>
+    <p:sldId id="290" r:id="rId13"/>
+    <p:sldId id="292" r:id="rId14"/>
+    <p:sldId id="293" r:id="rId15"/>
+    <p:sldId id="280" r:id="rId16"/>
   </p:sldIdLst>
   <p:sldSz cx="9144000" cy="5143500" type="screen16x9"/>
   <p:notesSz cx="6858000" cy="9144000"/>
   <p:embeddedFontLst>
     <p:embeddedFont>
       <p:font typeface="Titillium Web" charset="0"/>
-      <p:regular r:id="rId15"/>
-      <p:bold r:id="rId16"/>
-      <p:italic r:id="rId17"/>
-      <p:boldItalic r:id="rId18"/>
+      <p:regular r:id="rId18"/>
+      <p:bold r:id="rId19"/>
+      <p:italic r:id="rId20"/>
+      <p:boldItalic r:id="rId21"/>
     </p:embeddedFont>
   </p:embeddedFontLst>
   <p:defaultTextStyle>
@@ -5371,8 +5374,8 @@
         </p:nvSpPr>
         <p:spPr>
           <a:xfrm>
-            <a:off x="685800" y="1915625"/>
-            <a:ext cx="6251400" cy="1113325"/>
+            <a:off x="838200" y="2114550"/>
+            <a:ext cx="6019800" cy="1113325"/>
           </a:xfrm>
           <a:prstGeom prst="rect">
             <a:avLst/>
@@ -5384,7 +5387,7 @@
           </a:bodyPr>
           <a:lstStyle/>
           <a:p>
-            <a:pPr marL="0" lvl="0" indent="0" algn="l" rtl="0">
+            <a:pPr marL="0" lvl="0" indent="0" algn="ctr" rtl="0">
               <a:spcBef>
                 <a:spcPts val="0"/>
               </a:spcBef>
@@ -5398,7 +5401,7 @@
                 <a:latin typeface="Times New Roman" pitchFamily="18" charset="0"/>
                 <a:cs typeface="Times New Roman" pitchFamily="18" charset="0"/>
               </a:rPr>
-              <a:t>Nhận</a:t>
+              <a:t>Hệ</a:t>
             </a:r>
             <a:r>
               <a:rPr lang="en-US" dirty="0" smtClean="0">
@@ -5412,6 +5415,34 @@
                 <a:latin typeface="Times New Roman" pitchFamily="18" charset="0"/>
                 <a:cs typeface="Times New Roman" pitchFamily="18" charset="0"/>
               </a:rPr>
+              <a:t>thống</a:t>
+            </a:r>
+            <a:r>
+              <a:rPr lang="en-US" dirty="0" smtClean="0">
+                <a:latin typeface="Times New Roman" pitchFamily="18" charset="0"/>
+                <a:cs typeface="Times New Roman" pitchFamily="18" charset="0"/>
+              </a:rPr>
+              <a:t> </a:t>
+            </a:r>
+            <a:r>
+              <a:rPr lang="en-US" dirty="0" err="1" smtClean="0">
+                <a:latin typeface="Times New Roman" pitchFamily="18" charset="0"/>
+                <a:cs typeface="Times New Roman" pitchFamily="18" charset="0"/>
+              </a:rPr>
+              <a:t>nhận</a:t>
+            </a:r>
+            <a:r>
+              <a:rPr lang="en-US" dirty="0" smtClean="0">
+                <a:latin typeface="Times New Roman" pitchFamily="18" charset="0"/>
+                <a:cs typeface="Times New Roman" pitchFamily="18" charset="0"/>
+              </a:rPr>
+              <a:t> </a:t>
+            </a:r>
+            <a:r>
+              <a:rPr lang="en-US" dirty="0" err="1" smtClean="0">
+                <a:latin typeface="Times New Roman" pitchFamily="18" charset="0"/>
+                <a:cs typeface="Times New Roman" pitchFamily="18" charset="0"/>
+              </a:rPr>
               <a:t>diện</a:t>
             </a:r>
             <a:r>
@@ -5426,6 +5457,34 @@
                 <a:latin typeface="Times New Roman" pitchFamily="18" charset="0"/>
                 <a:cs typeface="Times New Roman" pitchFamily="18" charset="0"/>
               </a:rPr>
+              <a:t>người</a:t>
+            </a:r>
+            <a:r>
+              <a:rPr lang="en-US" dirty="0" smtClean="0">
+                <a:latin typeface="Times New Roman" pitchFamily="18" charset="0"/>
+                <a:cs typeface="Times New Roman" pitchFamily="18" charset="0"/>
+              </a:rPr>
+              <a:t> </a:t>
+            </a:r>
+            <a:r>
+              <a:rPr lang="en-US" dirty="0" err="1" smtClean="0">
+                <a:latin typeface="Times New Roman" pitchFamily="18" charset="0"/>
+                <a:cs typeface="Times New Roman" pitchFamily="18" charset="0"/>
+              </a:rPr>
+              <a:t>đeo</a:t>
+            </a:r>
+            <a:r>
+              <a:rPr lang="en-US" dirty="0" smtClean="0">
+                <a:latin typeface="Times New Roman" pitchFamily="18" charset="0"/>
+                <a:cs typeface="Times New Roman" pitchFamily="18" charset="0"/>
+              </a:rPr>
+              <a:t> </a:t>
+            </a:r>
+            <a:r>
+              <a:rPr lang="en-US" dirty="0" err="1" smtClean="0">
+                <a:latin typeface="Times New Roman" pitchFamily="18" charset="0"/>
+                <a:cs typeface="Times New Roman" pitchFamily="18" charset="0"/>
+              </a:rPr>
               <a:t>khẩu</a:t>
             </a:r>
             <a:r>
@@ -5441,6 +5500,13 @@
                 <a:cs typeface="Times New Roman" pitchFamily="18" charset="0"/>
               </a:rPr>
               <a:t>trang</a:t>
+            </a:r>
+            <a:r>
+              <a:rPr lang="en-US" dirty="0" smtClean="0">
+                <a:latin typeface="Times New Roman" pitchFamily="18" charset="0"/>
+                <a:cs typeface="Times New Roman" pitchFamily="18" charset="0"/>
+              </a:rPr>
+              <a:t> </a:t>
             </a:r>
             <a:endParaRPr dirty="0">
               <a:latin typeface="Times New Roman" pitchFamily="18" charset="0"/>
@@ -5449,66 +5515,61 @@
           </a:p>
         </p:txBody>
       </p:sp>
-      <p:pic>
-        <p:nvPicPr>
-          <p:cNvPr id="3" name="Picture 2"/>
-          <p:cNvPicPr>
-            <a:picLocks noChangeAspect="1" noChangeArrowheads="1"/>
-          </p:cNvPicPr>
+      <p:sp>
+        <p:nvSpPr>
+          <p:cNvPr id="4" name="TextBox 3"/>
+          <p:cNvSpPr txBox="1"/>
           <p:nvPr/>
-        </p:nvPicPr>
-        <p:blipFill>
-          <a:blip r:embed="rId4"/>
-          <a:srcRect/>
-          <a:stretch>
-            <a:fillRect/>
-          </a:stretch>
-        </p:blipFill>
-        <p:spPr bwMode="auto">
+        </p:nvSpPr>
+        <p:spPr>
           <a:xfrm>
-            <a:off x="152400" y="209550"/>
-            <a:ext cx="676275" cy="561975"/>
+            <a:off x="838200" y="971550"/>
+            <a:ext cx="5943600" cy="830997"/>
           </a:xfrm>
           <a:prstGeom prst="rect">
             <a:avLst/>
           </a:prstGeom>
-          <a:solidFill>
-            <a:srgbClr val="FFFFFF">
-              <a:shade val="85000"/>
-            </a:srgbClr>
-          </a:solidFill>
-          <a:ln w="88900" cap="sq">
-            <a:solidFill>
-              <a:srgbClr val="FFFFFF"/>
-            </a:solidFill>
-            <a:miter lim="800000"/>
-          </a:ln>
-          <a:effectLst>
-            <a:outerShdw blurRad="55000" dist="18000" dir="5400000" algn="tl" rotWithShape="0">
-              <a:srgbClr val="000000">
-                <a:alpha val="40000"/>
-              </a:srgbClr>
-            </a:outerShdw>
-          </a:effectLst>
-          <a:scene3d>
-            <a:camera prst="orthographicFront"/>
-            <a:lightRig rig="twoPt" dir="t">
-              <a:rot lat="0" lon="0" rev="7200000"/>
-            </a:lightRig>
-          </a:scene3d>
-          <a:sp3d>
-            <a:bevelT w="25400" h="19050"/>
-            <a:contourClr>
-              <a:srgbClr val="FFFFFF"/>
-            </a:contourClr>
-          </a:sp3d>
+          <a:noFill/>
         </p:spPr>
-      </p:pic>
+        <p:txBody>
+          <a:bodyPr wrap="square" rtlCol="0">
+            <a:spAutoFit/>
+          </a:bodyPr>
+          <a:lstStyle/>
+          <a:p>
+            <a:pPr algn="ctr"/>
+            <a:r>
+              <a:rPr lang="en-US" sz="4800" b="1" i="1" u="sng" dirty="0" smtClean="0">
+                <a:solidFill>
+                  <a:schemeClr val="bg1"/>
+                </a:solidFill>
+                <a:latin typeface="Times New Roman" pitchFamily="18" charset="0"/>
+                <a:cs typeface="Times New Roman" pitchFamily="18" charset="0"/>
+              </a:rPr>
+              <a:t>ITP Fresher Tour 3</a:t>
+            </a:r>
+            <a:endParaRPr lang="en-US" sz="4800" b="1" i="1" u="sng" dirty="0">
+              <a:solidFill>
+                <a:schemeClr val="bg1"/>
+              </a:solidFill>
+              <a:latin typeface="Times New Roman" pitchFamily="18" charset="0"/>
+              <a:cs typeface="Times New Roman" pitchFamily="18" charset="0"/>
+            </a:endParaRPr>
+          </a:p>
+        </p:txBody>
+      </p:sp>
     </p:spTree>
   </p:cSld>
   <p:clrMapOvr>
     <a:masterClrMapping/>
   </p:clrMapOvr>
+  <p:timing>
+    <p:tnLst>
+      <p:par>
+        <p:cTn id="1" dur="indefinite" restart="never" nodeType="tmRoot"/>
+      </p:par>
+    </p:tnLst>
+  </p:timing>
 </p:sld>
 </file>
 
@@ -5567,7 +5628,7 @@
                 <a:latin typeface="Times New Roman" pitchFamily="18" charset="0"/>
                 <a:cs typeface="Times New Roman" pitchFamily="18" charset="0"/>
               </a:rPr>
-              <a:t>Sơ đồ hoạt động</a:t>
+              <a:t>2.5 Sơ đồ hoạt động</a:t>
             </a:r>
             <a:endParaRPr dirty="0">
               <a:solidFill>
@@ -6402,61 +6463,6 @@
           </a:fontRef>
         </p:style>
       </p:cxnSp>
-      <p:pic>
-        <p:nvPicPr>
-          <p:cNvPr id="20" name="Picture 2"/>
-          <p:cNvPicPr>
-            <a:picLocks noChangeAspect="1" noChangeArrowheads="1"/>
-          </p:cNvPicPr>
-          <p:nvPr/>
-        </p:nvPicPr>
-        <p:blipFill>
-          <a:blip r:embed="rId3"/>
-          <a:srcRect/>
-          <a:stretch>
-            <a:fillRect/>
-          </a:stretch>
-        </p:blipFill>
-        <p:spPr bwMode="auto">
-          <a:xfrm>
-            <a:off x="152400" y="209550"/>
-            <a:ext cx="676275" cy="561975"/>
-          </a:xfrm>
-          <a:prstGeom prst="rect">
-            <a:avLst/>
-          </a:prstGeom>
-          <a:solidFill>
-            <a:srgbClr val="FFFFFF">
-              <a:shade val="85000"/>
-            </a:srgbClr>
-          </a:solidFill>
-          <a:ln w="88900" cap="sq">
-            <a:solidFill>
-              <a:srgbClr val="FFFFFF"/>
-            </a:solidFill>
-            <a:miter lim="800000"/>
-          </a:ln>
-          <a:effectLst>
-            <a:outerShdw blurRad="55000" dist="18000" dir="5400000" algn="tl" rotWithShape="0">
-              <a:srgbClr val="000000">
-                <a:alpha val="40000"/>
-              </a:srgbClr>
-            </a:outerShdw>
-          </a:effectLst>
-          <a:scene3d>
-            <a:camera prst="orthographicFront"/>
-            <a:lightRig rig="twoPt" dir="t">
-              <a:rot lat="0" lon="0" rev="7200000"/>
-            </a:lightRig>
-          </a:scene3d>
-          <a:sp3d>
-            <a:bevelT w="25400" h="19050"/>
-            <a:contourClr>
-              <a:srgbClr val="FFFFFF"/>
-            </a:contourClr>
-          </a:sp3d>
-        </p:spPr>
-      </p:pic>
       <p:sp>
         <p:nvSpPr>
           <p:cNvPr id="21" name="TextBox 20"/>
@@ -6465,7 +6471,7 @@
         </p:nvSpPr>
         <p:spPr>
           <a:xfrm>
-            <a:off x="3276600" y="2343150"/>
+            <a:off x="3276600" y="2114550"/>
             <a:ext cx="314510" cy="307777"/>
           </a:xfrm>
           <a:prstGeom prst="rect">
@@ -6503,7 +6509,7 @@
         </p:nvSpPr>
         <p:spPr>
           <a:xfrm>
-            <a:off x="2362200" y="3181350"/>
+            <a:off x="2286000" y="3181350"/>
             <a:ext cx="304892" cy="307777"/>
           </a:xfrm>
           <a:prstGeom prst="rect">
@@ -6541,7 +6547,7 @@
         </p:nvSpPr>
         <p:spPr>
           <a:xfrm>
-            <a:off x="7162800" y="2343150"/>
+            <a:off x="7162800" y="2114550"/>
             <a:ext cx="314510" cy="307777"/>
           </a:xfrm>
           <a:prstGeom prst="rect">
@@ -6579,7 +6585,7 @@
         </p:nvSpPr>
         <p:spPr>
           <a:xfrm>
-            <a:off x="6172200" y="3105150"/>
+            <a:off x="6096000" y="3105150"/>
             <a:ext cx="304892" cy="307777"/>
           </a:xfrm>
           <a:prstGeom prst="rect">
@@ -6709,6 +6715,13 @@
   <p:clrMapOvr>
     <a:masterClrMapping/>
   </p:clrMapOvr>
+  <p:timing>
+    <p:tnLst>
+      <p:par>
+        <p:cTn id="1" dur="indefinite" restart="never" nodeType="tmRoot"/>
+      </p:par>
+    </p:tnLst>
+  </p:timing>
 </p:sld>
 </file>
 
@@ -6747,17 +6760,17 @@
             <a:r>
               <a:rPr lang="en-US" dirty="0" err="1" smtClean="0">
                 <a:solidFill>
-                  <a:srgbClr val="FF0000"/>
-                </a:solidFill>
-                <a:latin typeface="Times New Roman" pitchFamily="18" charset="0"/>
-                <a:cs typeface="Times New Roman" pitchFamily="18" charset="0"/>
-              </a:rPr>
-              <a:t>Tài</a:t>
+                  <a:schemeClr val="accent1"/>
+                </a:solidFill>
+                <a:latin typeface="Times New Roman" pitchFamily="18" charset="0"/>
+                <a:cs typeface="Times New Roman" pitchFamily="18" charset="0"/>
+              </a:rPr>
+              <a:t>Hướng</a:t>
             </a:r>
             <a:r>
               <a:rPr lang="en-US" dirty="0" smtClean="0">
                 <a:solidFill>
-                  <a:srgbClr val="FF0000"/>
+                  <a:schemeClr val="accent1"/>
                 </a:solidFill>
                 <a:latin typeface="Times New Roman" pitchFamily="18" charset="0"/>
                 <a:cs typeface="Times New Roman" pitchFamily="18" charset="0"/>
@@ -6767,17 +6780,17 @@
             <a:r>
               <a:rPr lang="en-US" dirty="0" err="1" smtClean="0">
                 <a:solidFill>
-                  <a:srgbClr val="FF0000"/>
-                </a:solidFill>
-                <a:latin typeface="Times New Roman" pitchFamily="18" charset="0"/>
-                <a:cs typeface="Times New Roman" pitchFamily="18" charset="0"/>
-              </a:rPr>
-              <a:t>liệu</a:t>
+                  <a:schemeClr val="accent1"/>
+                </a:solidFill>
+                <a:latin typeface="Times New Roman" pitchFamily="18" charset="0"/>
+                <a:cs typeface="Times New Roman" pitchFamily="18" charset="0"/>
+              </a:rPr>
+              <a:t>phát</a:t>
             </a:r>
             <a:r>
               <a:rPr lang="en-US" dirty="0" smtClean="0">
                 <a:solidFill>
-                  <a:srgbClr val="FF0000"/>
+                  <a:schemeClr val="accent1"/>
                 </a:solidFill>
                 <a:latin typeface="Times New Roman" pitchFamily="18" charset="0"/>
                 <a:cs typeface="Times New Roman" pitchFamily="18" charset="0"/>
@@ -6787,36 +6800,16 @@
             <a:r>
               <a:rPr lang="en-US" dirty="0" err="1" smtClean="0">
                 <a:solidFill>
-                  <a:srgbClr val="FF0000"/>
-                </a:solidFill>
-                <a:latin typeface="Times New Roman" pitchFamily="18" charset="0"/>
-                <a:cs typeface="Times New Roman" pitchFamily="18" charset="0"/>
-              </a:rPr>
-              <a:t>tham</a:t>
-            </a:r>
-            <a:r>
-              <a:rPr lang="en-US" dirty="0" smtClean="0">
-                <a:solidFill>
-                  <a:srgbClr val="FF0000"/>
-                </a:solidFill>
-                <a:latin typeface="Times New Roman" pitchFamily="18" charset="0"/>
-                <a:cs typeface="Times New Roman" pitchFamily="18" charset="0"/>
-              </a:rPr>
-              <a:t> </a:t>
-            </a:r>
-            <a:r>
-              <a:rPr lang="en-US" dirty="0" err="1" smtClean="0">
-                <a:solidFill>
-                  <a:srgbClr val="FF0000"/>
-                </a:solidFill>
-                <a:latin typeface="Times New Roman" pitchFamily="18" charset="0"/>
-                <a:cs typeface="Times New Roman" pitchFamily="18" charset="0"/>
-              </a:rPr>
-              <a:t>khảo</a:t>
+                  <a:schemeClr val="accent1"/>
+                </a:solidFill>
+                <a:latin typeface="Times New Roman" pitchFamily="18" charset="0"/>
+                <a:cs typeface="Times New Roman" pitchFamily="18" charset="0"/>
+              </a:rPr>
+              <a:t>triển</a:t>
             </a:r>
             <a:endParaRPr lang="en-US" dirty="0">
               <a:solidFill>
-                <a:srgbClr val="FF0000"/>
+                <a:schemeClr val="accent1"/>
               </a:solidFill>
               <a:latin typeface="Times New Roman" pitchFamily="18" charset="0"/>
               <a:cs typeface="Times New Roman" pitchFamily="18" charset="0"/>
@@ -6836,80 +6829,715 @@
         </p:nvSpPr>
         <p:spPr>
           <a:xfrm>
-            <a:off x="838200" y="1657350"/>
-            <a:ext cx="7543800" cy="2438400"/>
+            <a:off x="844425" y="1586325"/>
+            <a:ext cx="5971500" cy="1899825"/>
           </a:xfrm>
-          <a:ln>
-            <a:solidFill>
-              <a:schemeClr val="tx1"/>
-            </a:solidFill>
-          </a:ln>
         </p:spPr>
         <p:txBody>
           <a:bodyPr/>
           <a:lstStyle/>
           <a:p>
             <a:r>
-              <a:rPr lang="en-US" dirty="0" smtClean="0">
-                <a:solidFill>
-                  <a:schemeClr val="tx1"/>
-                </a:solidFill>
-                <a:latin typeface="Times New Roman" pitchFamily="18" charset="0"/>
-                <a:cs typeface="Times New Roman" pitchFamily="18" charset="0"/>
-              </a:rPr>
-              <a:t>https://github.com/chandrikadeb7/Face-Mask-Detection</a:t>
-            </a:r>
+              <a:rPr lang="en-US" sz="1600" dirty="0" err="1" smtClean="0">
+                <a:latin typeface="Times New Roman" pitchFamily="18" charset="0"/>
+                <a:cs typeface="Times New Roman" pitchFamily="18" charset="0"/>
+              </a:rPr>
+              <a:t>Tốc</a:t>
+            </a:r>
+            <a:r>
+              <a:rPr lang="en-US" sz="1600" dirty="0" smtClean="0">
+                <a:latin typeface="Times New Roman" pitchFamily="18" charset="0"/>
+                <a:cs typeface="Times New Roman" pitchFamily="18" charset="0"/>
+              </a:rPr>
+              <a:t> </a:t>
+            </a:r>
+            <a:r>
+              <a:rPr lang="en-US" sz="1600" dirty="0" err="1" smtClean="0">
+                <a:latin typeface="Times New Roman" pitchFamily="18" charset="0"/>
+                <a:cs typeface="Times New Roman" pitchFamily="18" charset="0"/>
+              </a:rPr>
+              <a:t>độ</a:t>
+            </a:r>
+            <a:r>
+              <a:rPr lang="en-US" sz="1600" dirty="0" smtClean="0">
+                <a:latin typeface="Times New Roman" pitchFamily="18" charset="0"/>
+                <a:cs typeface="Times New Roman" pitchFamily="18" charset="0"/>
+              </a:rPr>
+              <a:t> , </a:t>
+            </a:r>
+            <a:r>
+              <a:rPr lang="en-US" sz="1600" dirty="0" err="1" smtClean="0">
+                <a:latin typeface="Times New Roman" pitchFamily="18" charset="0"/>
+                <a:cs typeface="Times New Roman" pitchFamily="18" charset="0"/>
+              </a:rPr>
+              <a:t>độ</a:t>
+            </a:r>
+            <a:r>
+              <a:rPr lang="en-US" sz="1600" dirty="0" smtClean="0">
+                <a:latin typeface="Times New Roman" pitchFamily="18" charset="0"/>
+                <a:cs typeface="Times New Roman" pitchFamily="18" charset="0"/>
+              </a:rPr>
+              <a:t> </a:t>
+            </a:r>
+            <a:r>
+              <a:rPr lang="en-US" sz="1600" dirty="0" err="1" smtClean="0">
+                <a:latin typeface="Times New Roman" pitchFamily="18" charset="0"/>
+                <a:cs typeface="Times New Roman" pitchFamily="18" charset="0"/>
+              </a:rPr>
+              <a:t>chính</a:t>
+            </a:r>
+            <a:r>
+              <a:rPr lang="en-US" sz="1600" dirty="0" smtClean="0">
+                <a:latin typeface="Times New Roman" pitchFamily="18" charset="0"/>
+                <a:cs typeface="Times New Roman" pitchFamily="18" charset="0"/>
+              </a:rPr>
+              <a:t> </a:t>
+            </a:r>
+            <a:r>
+              <a:rPr lang="en-US" sz="1600" dirty="0" err="1" smtClean="0">
+                <a:latin typeface="Times New Roman" pitchFamily="18" charset="0"/>
+                <a:cs typeface="Times New Roman" pitchFamily="18" charset="0"/>
+              </a:rPr>
+              <a:t>xác</a:t>
+            </a:r>
+            <a:r>
+              <a:rPr lang="en-US" sz="1600" dirty="0" smtClean="0">
+                <a:latin typeface="Times New Roman" pitchFamily="18" charset="0"/>
+                <a:cs typeface="Times New Roman" pitchFamily="18" charset="0"/>
+              </a:rPr>
+              <a:t> </a:t>
+            </a:r>
+            <a:r>
+              <a:rPr lang="en-US" sz="1600" dirty="0" err="1" smtClean="0">
+                <a:latin typeface="Times New Roman" pitchFamily="18" charset="0"/>
+                <a:cs typeface="Times New Roman" pitchFamily="18" charset="0"/>
+              </a:rPr>
+              <a:t>của</a:t>
+            </a:r>
+            <a:r>
+              <a:rPr lang="en-US" sz="1600" dirty="0" smtClean="0">
+                <a:latin typeface="Times New Roman" pitchFamily="18" charset="0"/>
+                <a:cs typeface="Times New Roman" pitchFamily="18" charset="0"/>
+              </a:rPr>
+              <a:t> module </a:t>
+            </a:r>
+            <a:r>
+              <a:rPr lang="en-US" sz="1600" dirty="0" err="1" smtClean="0">
+                <a:latin typeface="Times New Roman" pitchFamily="18" charset="0"/>
+                <a:cs typeface="Times New Roman" pitchFamily="18" charset="0"/>
+              </a:rPr>
+              <a:t>nhận</a:t>
+            </a:r>
+            <a:r>
+              <a:rPr lang="en-US" sz="1600" dirty="0" smtClean="0">
+                <a:latin typeface="Times New Roman" pitchFamily="18" charset="0"/>
+                <a:cs typeface="Times New Roman" pitchFamily="18" charset="0"/>
+              </a:rPr>
+              <a:t> </a:t>
+            </a:r>
+            <a:r>
+              <a:rPr lang="en-US" sz="1600" dirty="0" err="1" smtClean="0">
+                <a:latin typeface="Times New Roman" pitchFamily="18" charset="0"/>
+                <a:cs typeface="Times New Roman" pitchFamily="18" charset="0"/>
+              </a:rPr>
+              <a:t>diện</a:t>
+            </a:r>
+            <a:r>
+              <a:rPr lang="en-US" sz="1600" dirty="0" smtClean="0">
+                <a:latin typeface="Times New Roman" pitchFamily="18" charset="0"/>
+                <a:cs typeface="Times New Roman" pitchFamily="18" charset="0"/>
+              </a:rPr>
+              <a:t> </a:t>
+            </a:r>
+            <a:r>
+              <a:rPr lang="en-US" sz="1600" dirty="0" err="1" smtClean="0">
+                <a:latin typeface="Times New Roman" pitchFamily="18" charset="0"/>
+                <a:cs typeface="Times New Roman" pitchFamily="18" charset="0"/>
+              </a:rPr>
+              <a:t>ảnh</a:t>
+            </a:r>
+            <a:endParaRPr lang="en-US" sz="1600" dirty="0" smtClean="0">
+              <a:latin typeface="Times New Roman" pitchFamily="18" charset="0"/>
+              <a:cs typeface="Times New Roman" pitchFamily="18" charset="0"/>
+            </a:endParaRPr>
           </a:p>
           <a:p>
             <a:r>
-              <a:rPr lang="en-US" dirty="0" smtClean="0">
-                <a:solidFill>
-                  <a:schemeClr val="tx1"/>
-                </a:solidFill>
-                <a:latin typeface="Times New Roman" pitchFamily="18" charset="0"/>
-                <a:cs typeface="Times New Roman" pitchFamily="18" charset="0"/>
-              </a:rPr>
-              <a:t>https://reactjs.org/</a:t>
-            </a:r>
+              <a:rPr lang="en-US" sz="1600" dirty="0" err="1" smtClean="0">
+                <a:latin typeface="Times New Roman" pitchFamily="18" charset="0"/>
+                <a:cs typeface="Times New Roman" pitchFamily="18" charset="0"/>
+              </a:rPr>
+              <a:t>Cải</a:t>
+            </a:r>
+            <a:r>
+              <a:rPr lang="en-US" sz="1600" dirty="0" smtClean="0">
+                <a:latin typeface="Times New Roman" pitchFamily="18" charset="0"/>
+                <a:cs typeface="Times New Roman" pitchFamily="18" charset="0"/>
+              </a:rPr>
+              <a:t> </a:t>
+            </a:r>
+            <a:r>
+              <a:rPr lang="en-US" sz="1600" dirty="0" err="1" smtClean="0">
+                <a:latin typeface="Times New Roman" pitchFamily="18" charset="0"/>
+                <a:cs typeface="Times New Roman" pitchFamily="18" charset="0"/>
+              </a:rPr>
+              <a:t>tiến</a:t>
+            </a:r>
+            <a:r>
+              <a:rPr lang="en-US" sz="1600" dirty="0" smtClean="0">
+                <a:latin typeface="Times New Roman" pitchFamily="18" charset="0"/>
+                <a:cs typeface="Times New Roman" pitchFamily="18" charset="0"/>
+              </a:rPr>
+              <a:t> </a:t>
+            </a:r>
+            <a:r>
+              <a:rPr lang="en-US" sz="1600" dirty="0" err="1" smtClean="0">
+                <a:latin typeface="Times New Roman" pitchFamily="18" charset="0"/>
+                <a:cs typeface="Times New Roman" pitchFamily="18" charset="0"/>
+              </a:rPr>
+              <a:t>giao</a:t>
+            </a:r>
+            <a:r>
+              <a:rPr lang="en-US" sz="1600" dirty="0" smtClean="0">
+                <a:latin typeface="Times New Roman" pitchFamily="18" charset="0"/>
+                <a:cs typeface="Times New Roman" pitchFamily="18" charset="0"/>
+              </a:rPr>
+              <a:t> </a:t>
+            </a:r>
+            <a:r>
+              <a:rPr lang="en-US" sz="1600" dirty="0" err="1" smtClean="0">
+                <a:latin typeface="Times New Roman" pitchFamily="18" charset="0"/>
+                <a:cs typeface="Times New Roman" pitchFamily="18" charset="0"/>
+              </a:rPr>
+              <a:t>diện</a:t>
+            </a:r>
+            <a:r>
+              <a:rPr lang="en-US" sz="1600" dirty="0" smtClean="0">
+                <a:latin typeface="Times New Roman" pitchFamily="18" charset="0"/>
+                <a:cs typeface="Times New Roman" pitchFamily="18" charset="0"/>
+              </a:rPr>
+              <a:t> </a:t>
+            </a:r>
+            <a:r>
+              <a:rPr lang="en-US" sz="1600" dirty="0" err="1" smtClean="0">
+                <a:latin typeface="Times New Roman" pitchFamily="18" charset="0"/>
+                <a:cs typeface="Times New Roman" pitchFamily="18" charset="0"/>
+              </a:rPr>
+              <a:t>người</a:t>
+            </a:r>
+            <a:r>
+              <a:rPr lang="en-US" sz="1600" dirty="0" smtClean="0">
+                <a:latin typeface="Times New Roman" pitchFamily="18" charset="0"/>
+                <a:cs typeface="Times New Roman" pitchFamily="18" charset="0"/>
+              </a:rPr>
+              <a:t> </a:t>
+            </a:r>
+            <a:r>
+              <a:rPr lang="en-US" sz="1600" dirty="0" err="1" smtClean="0">
+                <a:latin typeface="Times New Roman" pitchFamily="18" charset="0"/>
+                <a:cs typeface="Times New Roman" pitchFamily="18" charset="0"/>
+              </a:rPr>
+              <a:t>dùng</a:t>
+            </a:r>
+            <a:endParaRPr lang="en-US" sz="1600" dirty="0" smtClean="0">
+              <a:latin typeface="Times New Roman" pitchFamily="18" charset="0"/>
+              <a:cs typeface="Times New Roman" pitchFamily="18" charset="0"/>
+            </a:endParaRPr>
           </a:p>
           <a:p>
             <a:r>
-              <a:rPr lang="en-US" dirty="0" smtClean="0">
-                <a:solidFill>
-                  <a:schemeClr val="tx1"/>
-                </a:solidFill>
-                <a:latin typeface="Times New Roman" pitchFamily="18" charset="0"/>
-                <a:cs typeface="Times New Roman" pitchFamily="18" charset="0"/>
-              </a:rPr>
-              <a:t>https://material-ui.com/</a:t>
-            </a:r>
+              <a:rPr lang="en-US" sz="1600" dirty="0" err="1" smtClean="0">
+                <a:latin typeface="Times New Roman" pitchFamily="18" charset="0"/>
+                <a:cs typeface="Times New Roman" pitchFamily="18" charset="0"/>
+              </a:rPr>
+              <a:t>Thêm</a:t>
+            </a:r>
+            <a:r>
+              <a:rPr lang="en-US" sz="1600" dirty="0" smtClean="0">
+                <a:latin typeface="Times New Roman" pitchFamily="18" charset="0"/>
+                <a:cs typeface="Times New Roman" pitchFamily="18" charset="0"/>
+              </a:rPr>
+              <a:t> </a:t>
+            </a:r>
+            <a:r>
+              <a:rPr lang="en-US" sz="1600" dirty="0" err="1" smtClean="0">
+                <a:latin typeface="Times New Roman" pitchFamily="18" charset="0"/>
+                <a:cs typeface="Times New Roman" pitchFamily="18" charset="0"/>
+              </a:rPr>
+              <a:t>một</a:t>
+            </a:r>
+            <a:r>
+              <a:rPr lang="en-US" sz="1600" dirty="0" smtClean="0">
+                <a:latin typeface="Times New Roman" pitchFamily="18" charset="0"/>
+                <a:cs typeface="Times New Roman" pitchFamily="18" charset="0"/>
+              </a:rPr>
+              <a:t> </a:t>
+            </a:r>
+            <a:r>
+              <a:rPr lang="en-US" sz="1600" dirty="0" err="1" smtClean="0">
+                <a:latin typeface="Times New Roman" pitchFamily="18" charset="0"/>
+                <a:cs typeface="Times New Roman" pitchFamily="18" charset="0"/>
+              </a:rPr>
+              <a:t>số</a:t>
+            </a:r>
+            <a:r>
+              <a:rPr lang="en-US" sz="1600" dirty="0" smtClean="0">
+                <a:latin typeface="Times New Roman" pitchFamily="18" charset="0"/>
+                <a:cs typeface="Times New Roman" pitchFamily="18" charset="0"/>
+              </a:rPr>
+              <a:t> </a:t>
+            </a:r>
+            <a:r>
+              <a:rPr lang="en-US" sz="1600" dirty="0" err="1" smtClean="0">
+                <a:latin typeface="Times New Roman" pitchFamily="18" charset="0"/>
+                <a:cs typeface="Times New Roman" pitchFamily="18" charset="0"/>
+              </a:rPr>
+              <a:t>chức</a:t>
+            </a:r>
+            <a:r>
+              <a:rPr lang="en-US" sz="1600" dirty="0" smtClean="0">
+                <a:latin typeface="Times New Roman" pitchFamily="18" charset="0"/>
+                <a:cs typeface="Times New Roman" pitchFamily="18" charset="0"/>
+              </a:rPr>
+              <a:t> </a:t>
+            </a:r>
+            <a:r>
+              <a:rPr lang="en-US" sz="1600" dirty="0" err="1" smtClean="0">
+                <a:latin typeface="Times New Roman" pitchFamily="18" charset="0"/>
+                <a:cs typeface="Times New Roman" pitchFamily="18" charset="0"/>
+              </a:rPr>
+              <a:t>năng</a:t>
+            </a:r>
+            <a:r>
+              <a:rPr lang="en-US" sz="1600" dirty="0" smtClean="0">
+                <a:latin typeface="Times New Roman" pitchFamily="18" charset="0"/>
+                <a:cs typeface="Times New Roman" pitchFamily="18" charset="0"/>
+              </a:rPr>
+              <a:t> </a:t>
+            </a:r>
+            <a:r>
+              <a:rPr lang="en-US" sz="1600" dirty="0" err="1" smtClean="0">
+                <a:latin typeface="Times New Roman" pitchFamily="18" charset="0"/>
+                <a:cs typeface="Times New Roman" pitchFamily="18" charset="0"/>
+              </a:rPr>
+              <a:t>như</a:t>
+            </a:r>
+            <a:r>
+              <a:rPr lang="en-US" sz="1600" dirty="0" smtClean="0">
+                <a:latin typeface="Times New Roman" pitchFamily="18" charset="0"/>
+                <a:cs typeface="Times New Roman" pitchFamily="18" charset="0"/>
+              </a:rPr>
+              <a:t> </a:t>
+            </a:r>
+            <a:r>
+              <a:rPr lang="en-US" sz="1600" dirty="0" err="1" smtClean="0">
+                <a:latin typeface="Times New Roman" pitchFamily="18" charset="0"/>
+                <a:cs typeface="Times New Roman" pitchFamily="18" charset="0"/>
+              </a:rPr>
+              <a:t>cập</a:t>
+            </a:r>
+            <a:r>
+              <a:rPr lang="en-US" sz="1600" dirty="0" smtClean="0">
+                <a:latin typeface="Times New Roman" pitchFamily="18" charset="0"/>
+                <a:cs typeface="Times New Roman" pitchFamily="18" charset="0"/>
+              </a:rPr>
+              <a:t> </a:t>
+            </a:r>
+            <a:r>
+              <a:rPr lang="en-US" sz="1600" dirty="0" err="1" smtClean="0">
+                <a:latin typeface="Times New Roman" pitchFamily="18" charset="0"/>
+                <a:cs typeface="Times New Roman" pitchFamily="18" charset="0"/>
+              </a:rPr>
+              <a:t>nhật</a:t>
+            </a:r>
+            <a:r>
+              <a:rPr lang="en-US" sz="1600" dirty="0" smtClean="0">
+                <a:latin typeface="Times New Roman" pitchFamily="18" charset="0"/>
+                <a:cs typeface="Times New Roman" pitchFamily="18" charset="0"/>
+              </a:rPr>
+              <a:t> </a:t>
+            </a:r>
+            <a:r>
+              <a:rPr lang="en-US" sz="1600" dirty="0" err="1" smtClean="0">
+                <a:latin typeface="Times New Roman" pitchFamily="18" charset="0"/>
+                <a:cs typeface="Times New Roman" pitchFamily="18" charset="0"/>
+              </a:rPr>
+              <a:t>thời</a:t>
+            </a:r>
+            <a:r>
+              <a:rPr lang="en-US" sz="1600" dirty="0" smtClean="0">
+                <a:latin typeface="Times New Roman" pitchFamily="18" charset="0"/>
+                <a:cs typeface="Times New Roman" pitchFamily="18" charset="0"/>
+              </a:rPr>
+              <a:t> </a:t>
+            </a:r>
+            <a:r>
+              <a:rPr lang="en-US" sz="1600" dirty="0" err="1" smtClean="0">
+                <a:latin typeface="Times New Roman" pitchFamily="18" charset="0"/>
+                <a:cs typeface="Times New Roman" pitchFamily="18" charset="0"/>
+              </a:rPr>
+              <a:t>gian</a:t>
+            </a:r>
+            <a:r>
+              <a:rPr lang="en-US" sz="1600" dirty="0" smtClean="0">
+                <a:latin typeface="Times New Roman" pitchFamily="18" charset="0"/>
+                <a:cs typeface="Times New Roman" pitchFamily="18" charset="0"/>
+              </a:rPr>
+              <a:t> </a:t>
+            </a:r>
+            <a:r>
+              <a:rPr lang="en-US" sz="1600" dirty="0" err="1" smtClean="0">
+                <a:latin typeface="Times New Roman" pitchFamily="18" charset="0"/>
+                <a:cs typeface="Times New Roman" pitchFamily="18" charset="0"/>
+              </a:rPr>
+              <a:t>ra</a:t>
+            </a:r>
+            <a:r>
+              <a:rPr lang="en-US" sz="1600" dirty="0" smtClean="0">
+                <a:latin typeface="Times New Roman" pitchFamily="18" charset="0"/>
+                <a:cs typeface="Times New Roman" pitchFamily="18" charset="0"/>
+              </a:rPr>
+              <a:t> </a:t>
+            </a:r>
+            <a:r>
+              <a:rPr lang="en-US" sz="1600" dirty="0" err="1" smtClean="0">
+                <a:latin typeface="Times New Roman" pitchFamily="18" charset="0"/>
+                <a:cs typeface="Times New Roman" pitchFamily="18" charset="0"/>
+              </a:rPr>
+              <a:t>vào</a:t>
+            </a:r>
+            <a:r>
+              <a:rPr lang="en-US" sz="1600" dirty="0" smtClean="0">
+                <a:latin typeface="Times New Roman" pitchFamily="18" charset="0"/>
+                <a:cs typeface="Times New Roman" pitchFamily="18" charset="0"/>
+              </a:rPr>
+              <a:t> </a:t>
+            </a:r>
+            <a:r>
+              <a:rPr lang="en-US" sz="1600" dirty="0" err="1" smtClean="0">
+                <a:latin typeface="Times New Roman" pitchFamily="18" charset="0"/>
+                <a:cs typeface="Times New Roman" pitchFamily="18" charset="0"/>
+              </a:rPr>
+              <a:t>cửa</a:t>
+            </a:r>
+            <a:endParaRPr lang="en-US" sz="1600" dirty="0" smtClean="0">
+              <a:latin typeface="Times New Roman" pitchFamily="18" charset="0"/>
+              <a:cs typeface="Times New Roman" pitchFamily="18" charset="0"/>
+            </a:endParaRPr>
           </a:p>
           <a:p>
             <a:r>
-              <a:rPr lang="en-US" dirty="0" smtClean="0">
-                <a:solidFill>
-                  <a:schemeClr val="tx1"/>
-                </a:solidFill>
-                <a:latin typeface="Times New Roman" pitchFamily="18" charset="0"/>
-                <a:cs typeface="Times New Roman" pitchFamily="18" charset="0"/>
-              </a:rPr>
-              <a:t>https://flask.palletsprojects.com/en/1.1.x/</a:t>
-            </a:r>
+              <a:rPr lang="en-US" sz="1600" dirty="0" err="1" smtClean="0">
+                <a:latin typeface="Times New Roman" pitchFamily="18" charset="0"/>
+                <a:cs typeface="Times New Roman" pitchFamily="18" charset="0"/>
+              </a:rPr>
+              <a:t>Ứng</a:t>
+            </a:r>
+            <a:r>
+              <a:rPr lang="en-US" sz="1600" dirty="0" smtClean="0">
+                <a:latin typeface="Times New Roman" pitchFamily="18" charset="0"/>
+                <a:cs typeface="Times New Roman" pitchFamily="18" charset="0"/>
+              </a:rPr>
+              <a:t> </a:t>
+            </a:r>
+            <a:r>
+              <a:rPr lang="en-US" sz="1600" dirty="0" err="1" smtClean="0">
+                <a:latin typeface="Times New Roman" pitchFamily="18" charset="0"/>
+                <a:cs typeface="Times New Roman" pitchFamily="18" charset="0"/>
+              </a:rPr>
+              <a:t>dụng</a:t>
+            </a:r>
+            <a:r>
+              <a:rPr lang="en-US" sz="1600" dirty="0" smtClean="0">
+                <a:latin typeface="Times New Roman" pitchFamily="18" charset="0"/>
+                <a:cs typeface="Times New Roman" pitchFamily="18" charset="0"/>
+              </a:rPr>
+              <a:t> </a:t>
+            </a:r>
+            <a:r>
+              <a:rPr lang="en-US" sz="1600" dirty="0" err="1" smtClean="0">
+                <a:latin typeface="Times New Roman" pitchFamily="18" charset="0"/>
+                <a:cs typeface="Times New Roman" pitchFamily="18" charset="0"/>
+              </a:rPr>
+              <a:t>vào</a:t>
+            </a:r>
+            <a:r>
+              <a:rPr lang="en-US" sz="1600" dirty="0" smtClean="0">
+                <a:latin typeface="Times New Roman" pitchFamily="18" charset="0"/>
+                <a:cs typeface="Times New Roman" pitchFamily="18" charset="0"/>
+              </a:rPr>
+              <a:t> </a:t>
+            </a:r>
+            <a:r>
+              <a:rPr lang="en-US" sz="1600" dirty="0" err="1" smtClean="0">
+                <a:latin typeface="Times New Roman" pitchFamily="18" charset="0"/>
+                <a:cs typeface="Times New Roman" pitchFamily="18" charset="0"/>
+              </a:rPr>
+              <a:t>các</a:t>
+            </a:r>
+            <a:r>
+              <a:rPr lang="en-US" sz="1600" dirty="0" smtClean="0">
+                <a:latin typeface="Times New Roman" pitchFamily="18" charset="0"/>
+                <a:cs typeface="Times New Roman" pitchFamily="18" charset="0"/>
+              </a:rPr>
+              <a:t> </a:t>
+            </a:r>
+            <a:r>
+              <a:rPr lang="en-US" sz="1600" dirty="0" err="1" smtClean="0">
+                <a:latin typeface="Times New Roman" pitchFamily="18" charset="0"/>
+                <a:cs typeface="Times New Roman" pitchFamily="18" charset="0"/>
+              </a:rPr>
+              <a:t>hệ</a:t>
+            </a:r>
+            <a:r>
+              <a:rPr lang="en-US" sz="1600" dirty="0" smtClean="0">
+                <a:latin typeface="Times New Roman" pitchFamily="18" charset="0"/>
+                <a:cs typeface="Times New Roman" pitchFamily="18" charset="0"/>
+              </a:rPr>
+              <a:t> </a:t>
+            </a:r>
+            <a:r>
+              <a:rPr lang="en-US" sz="1600" dirty="0" err="1" smtClean="0">
+                <a:latin typeface="Times New Roman" pitchFamily="18" charset="0"/>
+                <a:cs typeface="Times New Roman" pitchFamily="18" charset="0"/>
+              </a:rPr>
+              <a:t>thống</a:t>
+            </a:r>
+            <a:r>
+              <a:rPr lang="en-US" sz="1600" dirty="0" smtClean="0">
+                <a:latin typeface="Times New Roman" pitchFamily="18" charset="0"/>
+                <a:cs typeface="Times New Roman" pitchFamily="18" charset="0"/>
+              </a:rPr>
+              <a:t> </a:t>
+            </a:r>
+            <a:r>
+              <a:rPr lang="en-US" sz="1600" dirty="0" err="1" smtClean="0">
+                <a:latin typeface="Times New Roman" pitchFamily="18" charset="0"/>
+                <a:cs typeface="Times New Roman" pitchFamily="18" charset="0"/>
+              </a:rPr>
+              <a:t>cửa</a:t>
+            </a:r>
+            <a:r>
+              <a:rPr lang="en-US" sz="1600" dirty="0" smtClean="0">
+                <a:latin typeface="Times New Roman" pitchFamily="18" charset="0"/>
+                <a:cs typeface="Times New Roman" pitchFamily="18" charset="0"/>
+              </a:rPr>
+              <a:t> </a:t>
+            </a:r>
+            <a:r>
+              <a:rPr lang="en-US" sz="1600" dirty="0" err="1" smtClean="0">
+                <a:latin typeface="Times New Roman" pitchFamily="18" charset="0"/>
+                <a:cs typeface="Times New Roman" pitchFamily="18" charset="0"/>
+              </a:rPr>
+              <a:t>thực</a:t>
+            </a:r>
+            <a:r>
+              <a:rPr lang="en-US" sz="1600" dirty="0" smtClean="0">
+                <a:latin typeface="Times New Roman" pitchFamily="18" charset="0"/>
+                <a:cs typeface="Times New Roman" pitchFamily="18" charset="0"/>
+              </a:rPr>
+              <a:t> </a:t>
+            </a:r>
+            <a:r>
+              <a:rPr lang="en-US" sz="1600" dirty="0" err="1" smtClean="0">
+                <a:latin typeface="Times New Roman" pitchFamily="18" charset="0"/>
+                <a:cs typeface="Times New Roman" pitchFamily="18" charset="0"/>
+              </a:rPr>
+              <a:t>tế</a:t>
+            </a:r>
+            <a:endParaRPr lang="en-US" sz="1600" dirty="0" smtClean="0">
+              <a:latin typeface="Times New Roman" pitchFamily="18" charset="0"/>
+              <a:cs typeface="Times New Roman" pitchFamily="18" charset="0"/>
+            </a:endParaRPr>
           </a:p>
           <a:p>
             <a:r>
+              <a:rPr lang="en-US" sz="1600" smtClean="0">
+                <a:latin typeface="Times New Roman" pitchFamily="18" charset="0"/>
+                <a:cs typeface="Times New Roman" pitchFamily="18" charset="0"/>
+              </a:rPr>
+              <a:t>…</a:t>
+            </a:r>
+          </a:p>
+          <a:p>
+            <a:endParaRPr lang="en-US" sz="1600" dirty="0" smtClean="0">
+              <a:latin typeface="Times New Roman" pitchFamily="18" charset="0"/>
+              <a:cs typeface="Times New Roman" pitchFamily="18" charset="0"/>
+            </a:endParaRPr>
+          </a:p>
+        </p:txBody>
+      </p:sp>
+      <p:sp>
+        <p:nvSpPr>
+          <p:cNvPr id="4" name="Slide Number Placeholder 3"/>
+          <p:cNvSpPr>
+            <a:spLocks noGrp="1"/>
+          </p:cNvSpPr>
+          <p:nvPr>
+            <p:ph type="sldNum" idx="12"/>
+          </p:nvPr>
+        </p:nvSpPr>
+        <p:spPr/>
+        <p:txBody>
+          <a:bodyPr/>
+          <a:lstStyle/>
+          <a:p>
+            <a:pPr marL="0" lvl="0" indent="0" algn="r" rtl="0">
+              <a:spcBef>
+                <a:spcPts val="0"/>
+              </a:spcBef>
+              <a:spcAft>
+                <a:spcPts val="0"/>
+              </a:spcAft>
+              <a:buNone/>
+            </a:pPr>
+            <a:fld id="{00000000-1234-1234-1234-123412341234}" type="slidenum">
+              <a:rPr lang="en" smtClean="0"/>
+              <a:pPr marL="0" lvl="0" indent="0" algn="r" rtl="0">
+                <a:spcBef>
+                  <a:spcPts val="0"/>
+                </a:spcBef>
+                <a:spcAft>
+                  <a:spcPts val="0"/>
+                </a:spcAft>
+                <a:buNone/>
+              </a:pPr>
+              <a:t>11</a:t>
+            </a:fld>
+            <a:endParaRPr lang="en"/>
+          </a:p>
+        </p:txBody>
+      </p:sp>
+    </p:spTree>
+  </p:cSld>
+  <p:clrMapOvr>
+    <a:masterClrMapping/>
+  </p:clrMapOvr>
+  <p:timing>
+    <p:tnLst>
+      <p:par>
+        <p:cTn id="1" dur="indefinite" restart="never" nodeType="tmRoot"/>
+      </p:par>
+    </p:tnLst>
+  </p:timing>
+</p:sld>
+</file>
+
+<file path=ppt/slides/slide12.xml><?xml version="1.0" encoding="utf-8"?>
+<p:sld xmlns:a="http://schemas.openxmlformats.org/drawingml/2006/main" xmlns:r="http://schemas.openxmlformats.org/officeDocument/2006/relationships" xmlns:p="http://schemas.openxmlformats.org/presentationml/2006/main">
+  <p:cSld>
+    <p:spTree>
+      <p:nvGrpSpPr>
+        <p:cNvPr id="1" name=""/>
+        <p:cNvGrpSpPr/>
+        <p:nvPr/>
+      </p:nvGrpSpPr>
+      <p:grpSpPr>
+        <a:xfrm>
+          <a:off x="0" y="0"/>
+          <a:ext cx="0" cy="0"/>
+          <a:chOff x="0" y="0"/>
+          <a:chExt cx="0" cy="0"/>
+        </a:xfrm>
+      </p:grpSpPr>
+      <p:sp>
+        <p:nvSpPr>
+          <p:cNvPr id="2" name="Title 1"/>
+          <p:cNvSpPr>
+            <a:spLocks noGrp="1"/>
+          </p:cNvSpPr>
+          <p:nvPr>
+            <p:ph type="title"/>
+          </p:nvPr>
+        </p:nvSpPr>
+        <p:spPr/>
+        <p:txBody>
+          <a:bodyPr/>
+          <a:lstStyle/>
+          <a:p>
+            <a:r>
               <a:rPr lang="en-US" dirty="0" smtClean="0">
                 <a:solidFill>
-                  <a:schemeClr val="tx1"/>
-                </a:solidFill>
-                <a:latin typeface="Times New Roman" pitchFamily="18" charset="0"/>
-                <a:cs typeface="Times New Roman" pitchFamily="18" charset="0"/>
-              </a:rPr>
-              <a:t>…</a:t>
+                  <a:srgbClr val="FF0000"/>
+                </a:solidFill>
+                <a:latin typeface="Times New Roman" pitchFamily="18" charset="0"/>
+                <a:cs typeface="Times New Roman" pitchFamily="18" charset="0"/>
+              </a:rPr>
+              <a:t>4. </a:t>
+            </a:r>
+            <a:r>
+              <a:rPr lang="en-US" dirty="0" err="1" smtClean="0">
+                <a:solidFill>
+                  <a:srgbClr val="FF0000"/>
+                </a:solidFill>
+                <a:latin typeface="Times New Roman" pitchFamily="18" charset="0"/>
+                <a:cs typeface="Times New Roman" pitchFamily="18" charset="0"/>
+              </a:rPr>
+              <a:t>Tài</a:t>
+            </a:r>
+            <a:r>
+              <a:rPr lang="en-US" dirty="0" smtClean="0">
+                <a:solidFill>
+                  <a:srgbClr val="FF0000"/>
+                </a:solidFill>
+                <a:latin typeface="Times New Roman" pitchFamily="18" charset="0"/>
+                <a:cs typeface="Times New Roman" pitchFamily="18" charset="0"/>
+              </a:rPr>
+              <a:t> </a:t>
+            </a:r>
+            <a:r>
+              <a:rPr lang="en-US" dirty="0" err="1" smtClean="0">
+                <a:solidFill>
+                  <a:srgbClr val="FF0000"/>
+                </a:solidFill>
+                <a:latin typeface="Times New Roman" pitchFamily="18" charset="0"/>
+                <a:cs typeface="Times New Roman" pitchFamily="18" charset="0"/>
+              </a:rPr>
+              <a:t>liệu</a:t>
+            </a:r>
+            <a:r>
+              <a:rPr lang="en-US" dirty="0" smtClean="0">
+                <a:solidFill>
+                  <a:srgbClr val="FF0000"/>
+                </a:solidFill>
+                <a:latin typeface="Times New Roman" pitchFamily="18" charset="0"/>
+                <a:cs typeface="Times New Roman" pitchFamily="18" charset="0"/>
+              </a:rPr>
+              <a:t> </a:t>
+            </a:r>
+            <a:r>
+              <a:rPr lang="en-US" dirty="0" err="1" smtClean="0">
+                <a:solidFill>
+                  <a:srgbClr val="FF0000"/>
+                </a:solidFill>
+                <a:latin typeface="Times New Roman" pitchFamily="18" charset="0"/>
+                <a:cs typeface="Times New Roman" pitchFamily="18" charset="0"/>
+              </a:rPr>
+              <a:t>tham</a:t>
+            </a:r>
+            <a:r>
+              <a:rPr lang="en-US" dirty="0" smtClean="0">
+                <a:solidFill>
+                  <a:srgbClr val="FF0000"/>
+                </a:solidFill>
+                <a:latin typeface="Times New Roman" pitchFamily="18" charset="0"/>
+                <a:cs typeface="Times New Roman" pitchFamily="18" charset="0"/>
+              </a:rPr>
+              <a:t> </a:t>
+            </a:r>
+            <a:r>
+              <a:rPr lang="en-US" dirty="0" err="1" smtClean="0">
+                <a:solidFill>
+                  <a:srgbClr val="FF0000"/>
+                </a:solidFill>
+                <a:latin typeface="Times New Roman" pitchFamily="18" charset="0"/>
+                <a:cs typeface="Times New Roman" pitchFamily="18" charset="0"/>
+              </a:rPr>
+              <a:t>khảo</a:t>
             </a:r>
             <a:endParaRPr lang="en-US" dirty="0">
               <a:solidFill>
-                <a:schemeClr val="tx1"/>
+                <a:srgbClr val="FF0000"/>
               </a:solidFill>
               <a:latin typeface="Times New Roman" pitchFamily="18" charset="0"/>
               <a:cs typeface="Times New Roman" pitchFamily="18" charset="0"/>
@@ -6952,67 +7580,558 @@
                 </a:spcAft>
                 <a:buNone/>
               </a:pPr>
-              <a:t>11</a:t>
+              <a:t>12</a:t>
             </a:fld>
             <a:endParaRPr lang="en"/>
           </a:p>
         </p:txBody>
       </p:sp>
-      <p:pic>
-        <p:nvPicPr>
-          <p:cNvPr id="5" name="Picture 2"/>
-          <p:cNvPicPr>
-            <a:picLocks noChangeAspect="1" noChangeArrowheads="1"/>
-          </p:cNvPicPr>
+      <p:sp>
+        <p:nvSpPr>
+          <p:cNvPr id="8" name="Text Placeholder 7"/>
+          <p:cNvSpPr>
+            <a:spLocks noGrp="1"/>
+          </p:cNvSpPr>
+          <p:nvPr>
+            <p:ph type="body" idx="1"/>
+          </p:nvPr>
+        </p:nvSpPr>
+        <p:spPr>
+          <a:xfrm>
+            <a:off x="844425" y="1586325"/>
+            <a:ext cx="5971500" cy="1899825"/>
+          </a:xfrm>
+        </p:spPr>
+        <p:txBody>
+          <a:bodyPr/>
+          <a:lstStyle/>
+          <a:p>
+            <a:r>
+              <a:rPr lang="en-US" sz="1600" dirty="0" smtClean="0">
+                <a:solidFill>
+                  <a:schemeClr val="tx1"/>
+                </a:solidFill>
+                <a:latin typeface="Times New Roman" pitchFamily="18" charset="0"/>
+                <a:cs typeface="Times New Roman" pitchFamily="18" charset="0"/>
+              </a:rPr>
+              <a:t>https://github.com/chandrikadeb7/Face-Mask-Detection</a:t>
+            </a:r>
+          </a:p>
+          <a:p>
+            <a:r>
+              <a:rPr lang="en-US" sz="1600" dirty="0" smtClean="0">
+                <a:solidFill>
+                  <a:schemeClr val="tx1"/>
+                </a:solidFill>
+                <a:latin typeface="Times New Roman" pitchFamily="18" charset="0"/>
+                <a:cs typeface="Times New Roman" pitchFamily="18" charset="0"/>
+              </a:rPr>
+              <a:t>https://reactjs.org/</a:t>
+            </a:r>
+          </a:p>
+          <a:p>
+            <a:r>
+              <a:rPr lang="en-US" sz="1600" dirty="0" smtClean="0">
+                <a:solidFill>
+                  <a:schemeClr val="tx1"/>
+                </a:solidFill>
+                <a:latin typeface="Times New Roman" pitchFamily="18" charset="0"/>
+                <a:cs typeface="Times New Roman" pitchFamily="18" charset="0"/>
+              </a:rPr>
+              <a:t>https://material-ui.com/</a:t>
+            </a:r>
+          </a:p>
+          <a:p>
+            <a:r>
+              <a:rPr lang="en-US" sz="1600" dirty="0" smtClean="0">
+                <a:solidFill>
+                  <a:schemeClr val="tx1"/>
+                </a:solidFill>
+                <a:latin typeface="Times New Roman" pitchFamily="18" charset="0"/>
+                <a:cs typeface="Times New Roman" pitchFamily="18" charset="0"/>
+              </a:rPr>
+              <a:t>https://flask.palletsprojects.com/en/1.1.x/</a:t>
+            </a:r>
+          </a:p>
+          <a:p>
+            <a:r>
+              <a:rPr lang="en-US" sz="1600" dirty="0" smtClean="0">
+                <a:solidFill>
+                  <a:schemeClr val="tx1"/>
+                </a:solidFill>
+                <a:latin typeface="Times New Roman" pitchFamily="18" charset="0"/>
+                <a:cs typeface="Times New Roman" pitchFamily="18" charset="0"/>
+              </a:rPr>
+              <a:t>…</a:t>
+            </a:r>
+          </a:p>
+          <a:p>
+            <a:endParaRPr lang="en-US" sz="1600" dirty="0"/>
+          </a:p>
+        </p:txBody>
+      </p:sp>
+    </p:spTree>
+  </p:cSld>
+  <p:clrMapOvr>
+    <a:masterClrMapping/>
+  </p:clrMapOvr>
+  <p:timing>
+    <p:tnLst>
+      <p:par>
+        <p:cTn id="1" dur="indefinite" restart="never" nodeType="tmRoot"/>
+      </p:par>
+    </p:tnLst>
+  </p:timing>
+</p:sld>
+</file>
+
+<file path=ppt/slides/slide13.xml><?xml version="1.0" encoding="utf-8"?>
+<p:sld xmlns:a="http://schemas.openxmlformats.org/drawingml/2006/main" xmlns:r="http://schemas.openxmlformats.org/officeDocument/2006/relationships" xmlns:p="http://schemas.openxmlformats.org/presentationml/2006/main">
+  <p:cSld>
+    <p:spTree>
+      <p:nvGrpSpPr>
+        <p:cNvPr id="1" name=""/>
+        <p:cNvGrpSpPr/>
+        <p:nvPr/>
+      </p:nvGrpSpPr>
+      <p:grpSpPr>
+        <a:xfrm>
+          <a:off x="0" y="0"/>
+          <a:ext cx="0" cy="0"/>
+          <a:chOff x="0" y="0"/>
+          <a:chExt cx="0" cy="0"/>
+        </a:xfrm>
+      </p:grpSpPr>
+      <p:sp>
+        <p:nvSpPr>
+          <p:cNvPr id="2" name="Slide Number Placeholder 1"/>
+          <p:cNvSpPr>
+            <a:spLocks noGrp="1"/>
+          </p:cNvSpPr>
+          <p:nvPr>
+            <p:ph type="sldNum" idx="12"/>
+          </p:nvPr>
+        </p:nvSpPr>
+        <p:spPr/>
+        <p:txBody>
+          <a:bodyPr/>
+          <a:lstStyle/>
+          <a:p>
+            <a:pPr marL="0" lvl="0" indent="0" algn="r" rtl="0">
+              <a:spcBef>
+                <a:spcPts val="0"/>
+              </a:spcBef>
+              <a:spcAft>
+                <a:spcPts val="0"/>
+              </a:spcAft>
+              <a:buNone/>
+            </a:pPr>
+            <a:fld id="{00000000-1234-1234-1234-123412341234}" type="slidenum">
+              <a:rPr lang="en" smtClean="0"/>
+              <a:pPr marL="0" lvl="0" indent="0" algn="r" rtl="0">
+                <a:spcBef>
+                  <a:spcPts val="0"/>
+                </a:spcBef>
+                <a:spcAft>
+                  <a:spcPts val="0"/>
+                </a:spcAft>
+                <a:buNone/>
+              </a:pPr>
+              <a:t>13</a:t>
+            </a:fld>
+            <a:endParaRPr lang="en"/>
+          </a:p>
+        </p:txBody>
+      </p:sp>
+      <p:sp>
+        <p:nvSpPr>
+          <p:cNvPr id="4" name="TextBox 3"/>
+          <p:cNvSpPr txBox="1"/>
           <p:nvPr/>
-        </p:nvPicPr>
-        <p:blipFill>
-          <a:blip r:embed="rId2"/>
-          <a:srcRect/>
-          <a:stretch>
-            <a:fillRect/>
-          </a:stretch>
-        </p:blipFill>
-        <p:spPr bwMode="auto">
+        </p:nvSpPr>
+        <p:spPr>
           <a:xfrm>
-            <a:off x="152400" y="209550"/>
-            <a:ext cx="676275" cy="561975"/>
+            <a:off x="990600" y="1962150"/>
+            <a:ext cx="7315200" cy="1323439"/>
           </a:xfrm>
           <a:prstGeom prst="rect">
             <a:avLst/>
           </a:prstGeom>
-          <a:solidFill>
-            <a:srgbClr val="FFFFFF">
-              <a:shade val="85000"/>
-            </a:srgbClr>
-          </a:solidFill>
-          <a:ln w="88900" cap="sq">
-            <a:solidFill>
-              <a:srgbClr val="FFFFFF"/>
-            </a:solidFill>
-            <a:miter lim="800000"/>
-          </a:ln>
-          <a:effectLst>
-            <a:outerShdw blurRad="55000" dist="18000" dir="5400000" algn="tl" rotWithShape="0">
-              <a:srgbClr val="000000">
-                <a:alpha val="40000"/>
-              </a:srgbClr>
-            </a:outerShdw>
-          </a:effectLst>
-          <a:scene3d>
-            <a:camera prst="orthographicFront"/>
-            <a:lightRig rig="twoPt" dir="t">
-              <a:rot lat="0" lon="0" rev="7200000"/>
-            </a:lightRig>
-          </a:scene3d>
-          <a:sp3d>
-            <a:bevelT w="25400" h="19050"/>
-            <a:contourClr>
-              <a:srgbClr val="FFFFFF"/>
-            </a:contourClr>
-          </a:sp3d>
+          <a:noFill/>
         </p:spPr>
-      </p:pic>
+        <p:txBody>
+          <a:bodyPr wrap="square" rtlCol="0">
+            <a:spAutoFit/>
+          </a:bodyPr>
+          <a:lstStyle/>
+          <a:p>
+            <a:pPr algn="ctr"/>
+            <a:r>
+              <a:rPr lang="en-US" sz="4000" b="1" i="1" u="sng" dirty="0" smtClean="0">
+                <a:solidFill>
+                  <a:schemeClr val="accent2">
+                    <a:lumMod val="50000"/>
+                  </a:schemeClr>
+                </a:solidFill>
+              </a:rPr>
+              <a:t>Chung </a:t>
+            </a:r>
+            <a:r>
+              <a:rPr lang="en-US" sz="4000" b="1" i="1" u="sng" dirty="0" err="1" smtClean="0">
+                <a:solidFill>
+                  <a:schemeClr val="accent2">
+                    <a:lumMod val="50000"/>
+                  </a:schemeClr>
+                </a:solidFill>
+              </a:rPr>
+              <a:t>tay</a:t>
+            </a:r>
+            <a:r>
+              <a:rPr lang="en-US" sz="4000" b="1" i="1" u="sng" dirty="0" smtClean="0">
+                <a:solidFill>
+                  <a:schemeClr val="accent2">
+                    <a:lumMod val="50000"/>
+                  </a:schemeClr>
+                </a:solidFill>
+              </a:rPr>
+              <a:t> </a:t>
+            </a:r>
+            <a:r>
+              <a:rPr lang="en-US" sz="4000" b="1" i="1" u="sng" dirty="0" err="1" smtClean="0">
+                <a:solidFill>
+                  <a:schemeClr val="accent2">
+                    <a:lumMod val="50000"/>
+                  </a:schemeClr>
+                </a:solidFill>
+              </a:rPr>
+              <a:t>với</a:t>
+            </a:r>
+            <a:r>
+              <a:rPr lang="en-US" sz="4000" b="1" i="1" u="sng" dirty="0" smtClean="0">
+                <a:solidFill>
+                  <a:schemeClr val="accent2">
+                    <a:lumMod val="50000"/>
+                  </a:schemeClr>
+                </a:solidFill>
+              </a:rPr>
+              <a:t> </a:t>
+            </a:r>
+            <a:r>
+              <a:rPr lang="en-US" sz="4000" b="1" i="1" u="sng" dirty="0" err="1" smtClean="0">
+                <a:solidFill>
+                  <a:schemeClr val="accent2">
+                    <a:lumMod val="50000"/>
+                  </a:schemeClr>
+                </a:solidFill>
+              </a:rPr>
+              <a:t>cộng</a:t>
+            </a:r>
+            <a:r>
+              <a:rPr lang="en-US" sz="4000" b="1" i="1" u="sng" dirty="0" smtClean="0">
+                <a:solidFill>
+                  <a:schemeClr val="accent2">
+                    <a:lumMod val="50000"/>
+                  </a:schemeClr>
+                </a:solidFill>
+              </a:rPr>
+              <a:t> </a:t>
+            </a:r>
+            <a:r>
+              <a:rPr lang="en-US" sz="4000" b="1" i="1" u="sng" dirty="0" err="1" smtClean="0">
+                <a:solidFill>
+                  <a:schemeClr val="accent2">
+                    <a:lumMod val="50000"/>
+                  </a:schemeClr>
+                </a:solidFill>
+              </a:rPr>
+              <a:t>đồng</a:t>
+            </a:r>
+            <a:r>
+              <a:rPr lang="en-US" sz="4000" b="1" i="1" u="sng" dirty="0" smtClean="0">
+                <a:solidFill>
+                  <a:schemeClr val="accent2">
+                    <a:lumMod val="50000"/>
+                  </a:schemeClr>
+                </a:solidFill>
+              </a:rPr>
+              <a:t> </a:t>
+            </a:r>
+            <a:r>
+              <a:rPr lang="en-US" sz="4000" b="1" i="1" u="sng" dirty="0" err="1" smtClean="0">
+                <a:solidFill>
+                  <a:schemeClr val="accent2">
+                    <a:lumMod val="50000"/>
+                  </a:schemeClr>
+                </a:solidFill>
+              </a:rPr>
+              <a:t>chống</a:t>
+            </a:r>
+            <a:r>
+              <a:rPr lang="en-US" sz="4000" b="1" i="1" u="sng" dirty="0" smtClean="0">
+                <a:solidFill>
+                  <a:schemeClr val="accent2">
+                    <a:lumMod val="50000"/>
+                  </a:schemeClr>
+                </a:solidFill>
+              </a:rPr>
+              <a:t> </a:t>
+            </a:r>
+            <a:r>
+              <a:rPr lang="en-US" sz="4000" b="1" i="1" u="sng" dirty="0" err="1" smtClean="0">
+                <a:solidFill>
+                  <a:schemeClr val="accent2">
+                    <a:lumMod val="50000"/>
+                  </a:schemeClr>
+                </a:solidFill>
+              </a:rPr>
+              <a:t>lại</a:t>
+            </a:r>
+            <a:r>
+              <a:rPr lang="en-US" sz="4000" b="1" i="1" u="sng" dirty="0" smtClean="0">
+                <a:solidFill>
+                  <a:schemeClr val="accent2">
+                    <a:lumMod val="50000"/>
+                  </a:schemeClr>
+                </a:solidFill>
+              </a:rPr>
+              <a:t> </a:t>
+            </a:r>
+            <a:r>
+              <a:rPr lang="en-US" sz="4000" b="1" i="1" u="sng" dirty="0" err="1" smtClean="0">
+                <a:solidFill>
+                  <a:schemeClr val="accent2">
+                    <a:lumMod val="50000"/>
+                  </a:schemeClr>
+                </a:solidFill>
+              </a:rPr>
+              <a:t>đại</a:t>
+            </a:r>
+            <a:r>
+              <a:rPr lang="en-US" sz="4000" b="1" i="1" u="sng" dirty="0" smtClean="0">
+                <a:solidFill>
+                  <a:schemeClr val="accent2">
+                    <a:lumMod val="50000"/>
+                  </a:schemeClr>
+                </a:solidFill>
+              </a:rPr>
+              <a:t> </a:t>
+            </a:r>
+            <a:r>
+              <a:rPr lang="en-US" sz="4000" b="1" i="1" u="sng" dirty="0" err="1" smtClean="0">
+                <a:solidFill>
+                  <a:schemeClr val="accent2">
+                    <a:lumMod val="50000"/>
+                  </a:schemeClr>
+                </a:solidFill>
+              </a:rPr>
+              <a:t>dịch</a:t>
+            </a:r>
+            <a:r>
+              <a:rPr lang="en-US" sz="4000" b="1" i="1" u="sng" dirty="0" smtClean="0">
+                <a:solidFill>
+                  <a:schemeClr val="accent2">
+                    <a:lumMod val="50000"/>
+                  </a:schemeClr>
+                </a:solidFill>
+              </a:rPr>
+              <a:t> </a:t>
+            </a:r>
+            <a:r>
+              <a:rPr lang="en-US" sz="4000" b="1" i="1" u="sng" dirty="0" err="1" smtClean="0">
+                <a:solidFill>
+                  <a:schemeClr val="accent2">
+                    <a:lumMod val="50000"/>
+                  </a:schemeClr>
+                </a:solidFill>
+              </a:rPr>
+              <a:t>toàn</a:t>
+            </a:r>
+            <a:r>
+              <a:rPr lang="en-US" sz="4000" b="1" i="1" u="sng" dirty="0" smtClean="0">
+                <a:solidFill>
+                  <a:schemeClr val="accent2">
+                    <a:lumMod val="50000"/>
+                  </a:schemeClr>
+                </a:solidFill>
+              </a:rPr>
+              <a:t> </a:t>
+            </a:r>
+            <a:r>
+              <a:rPr lang="en-US" sz="4000" b="1" i="1" u="sng" dirty="0" err="1" smtClean="0">
+                <a:solidFill>
+                  <a:schemeClr val="accent2">
+                    <a:lumMod val="50000"/>
+                  </a:schemeClr>
+                </a:solidFill>
+              </a:rPr>
+              <a:t>cầu</a:t>
+            </a:r>
+            <a:endParaRPr lang="en-US" sz="4000" b="1" i="1" u="sng" dirty="0">
+              <a:solidFill>
+                <a:schemeClr val="accent2">
+                  <a:lumMod val="50000"/>
+                </a:schemeClr>
+              </a:solidFill>
+            </a:endParaRPr>
+          </a:p>
+        </p:txBody>
+      </p:sp>
+    </p:spTree>
+  </p:cSld>
+  <p:clrMapOvr>
+    <a:masterClrMapping/>
+  </p:clrMapOvr>
+  <p:timing>
+    <p:tnLst>
+      <p:par>
+        <p:cTn id="1" dur="indefinite" restart="never" nodeType="tmRoot"/>
+      </p:par>
+    </p:tnLst>
+  </p:timing>
+</p:sld>
+</file>
+
+<file path=ppt/slides/slide14.xml><?xml version="1.0" encoding="utf-8"?>
+<p:sld xmlns:a="http://schemas.openxmlformats.org/drawingml/2006/main" xmlns:r="http://schemas.openxmlformats.org/officeDocument/2006/relationships" xmlns:p="http://schemas.openxmlformats.org/presentationml/2006/main">
+  <p:cSld>
+    <p:spTree>
+      <p:nvGrpSpPr>
+        <p:cNvPr id="1" name=""/>
+        <p:cNvGrpSpPr/>
+        <p:nvPr/>
+      </p:nvGrpSpPr>
+      <p:grpSpPr>
+        <a:xfrm>
+          <a:off x="0" y="0"/>
+          <a:ext cx="0" cy="0"/>
+          <a:chOff x="0" y="0"/>
+          <a:chExt cx="0" cy="0"/>
+        </a:xfrm>
+      </p:grpSpPr>
+      <p:sp>
+        <p:nvSpPr>
+          <p:cNvPr id="2" name="Title 1"/>
+          <p:cNvSpPr>
+            <a:spLocks noGrp="1"/>
+          </p:cNvSpPr>
+          <p:nvPr>
+            <p:ph type="title"/>
+          </p:nvPr>
+        </p:nvSpPr>
+        <p:spPr/>
+        <p:txBody>
+          <a:bodyPr/>
+          <a:lstStyle/>
+          <a:p>
+            <a:r>
+              <a:rPr lang="en-US" dirty="0" smtClean="0">
+                <a:solidFill>
+                  <a:schemeClr val="accent1"/>
+                </a:solidFill>
+                <a:latin typeface="Times New Roman" pitchFamily="18" charset="0"/>
+                <a:cs typeface="Times New Roman" pitchFamily="18" charset="0"/>
+              </a:rPr>
+              <a:t>5. Demo</a:t>
+            </a:r>
+            <a:endParaRPr lang="en-US" dirty="0">
+              <a:solidFill>
+                <a:schemeClr val="accent1"/>
+              </a:solidFill>
+              <a:latin typeface="Times New Roman" pitchFamily="18" charset="0"/>
+              <a:cs typeface="Times New Roman" pitchFamily="18" charset="0"/>
+            </a:endParaRPr>
+          </a:p>
+        </p:txBody>
+      </p:sp>
+      <p:sp>
+        <p:nvSpPr>
+          <p:cNvPr id="4" name="Slide Number Placeholder 3"/>
+          <p:cNvSpPr>
+            <a:spLocks noGrp="1"/>
+          </p:cNvSpPr>
+          <p:nvPr>
+            <p:ph type="sldNum" idx="12"/>
+          </p:nvPr>
+        </p:nvSpPr>
+        <p:spPr/>
+        <p:txBody>
+          <a:bodyPr/>
+          <a:lstStyle/>
+          <a:p>
+            <a:pPr marL="0" lvl="0" indent="0" algn="r" rtl="0">
+              <a:spcBef>
+                <a:spcPts val="0"/>
+              </a:spcBef>
+              <a:spcAft>
+                <a:spcPts val="0"/>
+              </a:spcAft>
+              <a:buNone/>
+            </a:pPr>
+            <a:fld id="{00000000-1234-1234-1234-123412341234}" type="slidenum">
+              <a:rPr lang="en" smtClean="0"/>
+              <a:pPr marL="0" lvl="0" indent="0" algn="r" rtl="0">
+                <a:spcBef>
+                  <a:spcPts val="0"/>
+                </a:spcBef>
+                <a:spcAft>
+                  <a:spcPts val="0"/>
+                </a:spcAft>
+                <a:buNone/>
+              </a:pPr>
+              <a:t>14</a:t>
+            </a:fld>
+            <a:endParaRPr lang="en"/>
+          </a:p>
+        </p:txBody>
+      </p:sp>
+      <p:sp>
+        <p:nvSpPr>
+          <p:cNvPr id="5" name="Oval 4"/>
+          <p:cNvSpPr/>
+          <p:nvPr/>
+        </p:nvSpPr>
+        <p:spPr>
+          <a:xfrm>
+            <a:off x="2438400" y="1123950"/>
+            <a:ext cx="4038600" cy="2971800"/>
+          </a:xfrm>
+          <a:prstGeom prst="ellipse">
+            <a:avLst/>
+          </a:prstGeom>
+        </p:spPr>
+        <p:style>
+          <a:lnRef idx="1">
+            <a:schemeClr val="accent1"/>
+          </a:lnRef>
+          <a:fillRef idx="3">
+            <a:schemeClr val="accent1"/>
+          </a:fillRef>
+          <a:effectRef idx="2">
+            <a:schemeClr val="accent1"/>
+          </a:effectRef>
+          <a:fontRef idx="minor">
+            <a:schemeClr val="lt1"/>
+          </a:fontRef>
+        </p:style>
+        <p:txBody>
+          <a:bodyPr rtlCol="0" anchor="ctr"/>
+          <a:lstStyle/>
+          <a:p>
+            <a:pPr algn="ctr"/>
+            <a:r>
+              <a:rPr lang="en-US" sz="3000" dirty="0" smtClean="0">
+                <a:latin typeface="Times New Roman" pitchFamily="18" charset="0"/>
+                <a:cs typeface="Times New Roman" pitchFamily="18" charset="0"/>
+              </a:rPr>
+              <a:t>Demo</a:t>
+            </a:r>
+            <a:endParaRPr lang="en-US" sz="3000" dirty="0">
+              <a:latin typeface="Times New Roman" pitchFamily="18" charset="0"/>
+              <a:cs typeface="Times New Roman" pitchFamily="18" charset="0"/>
+            </a:endParaRPr>
+          </a:p>
+        </p:txBody>
+      </p:sp>
     </p:spTree>
   </p:cSld>
   <p:clrMapOvr>
@@ -7021,7 +8140,7 @@
 </p:sld>
 </file>
 
-<file path=ppt/slides/slide12.xml><?xml version="1.0" encoding="utf-8"?>
+<file path=ppt/slides/slide15.xml><?xml version="1.0" encoding="utf-8"?>
 <p:sld xmlns:a="http://schemas.openxmlformats.org/drawingml/2006/main" xmlns:r="http://schemas.openxmlformats.org/officeDocument/2006/relationships" xmlns:p="http://schemas.openxmlformats.org/presentationml/2006/main">
   <p:cSld>
     <p:spTree>
@@ -7079,7 +8198,7 @@
                 </a:spcAft>
                 <a:buNone/>
               </a:pPr>
-              <a:t>12</a:t>
+              <a:t>15</a:t>
             </a:fld>
             <a:endParaRPr/>
           </a:p>
@@ -7097,8 +8216,8 @@
         </p:nvSpPr>
         <p:spPr>
           <a:xfrm>
-            <a:off x="4468813" y="1357313"/>
-            <a:ext cx="4675187" cy="1160462"/>
+            <a:off x="2286000" y="1123950"/>
+            <a:ext cx="6324600" cy="1295400"/>
           </a:xfrm>
           <a:prstGeom prst="rect">
             <a:avLst/>
@@ -7110,7 +8229,7 @@
           </a:bodyPr>
           <a:lstStyle/>
           <a:p>
-            <a:pPr marL="0" lvl="0" indent="0" algn="l" rtl="0">
+            <a:pPr marL="0" lvl="0" indent="0" algn="ctr" rtl="0">
               <a:spcBef>
                 <a:spcPts val="0"/>
               </a:spcBef>
@@ -7120,16 +8239,16 @@
               <a:buNone/>
             </a:pPr>
             <a:r>
-              <a:rPr lang="en" sz="6000" dirty="0" smtClean="0">
+              <a:rPr lang="en" sz="4000" dirty="0" smtClean="0">
                 <a:solidFill>
                   <a:srgbClr val="FFFFFF"/>
                 </a:solidFill>
                 <a:latin typeface="Times New Roman" pitchFamily="18" charset="0"/>
                 <a:cs typeface="Times New Roman" pitchFamily="18" charset="0"/>
               </a:rPr>
-              <a:t>Cảm ơn !!!!</a:t>
-            </a:r>
-            <a:endParaRPr sz="6000" dirty="0">
+              <a:t>Cảm ơn mọi người đã lắng nghe!!!!</a:t>
+            </a:r>
+            <a:endParaRPr sz="4000" dirty="0">
               <a:solidFill>
                 <a:srgbClr val="FFFFFF"/>
               </a:solidFill>
@@ -7151,7 +8270,7 @@
         </p:nvSpPr>
         <p:spPr>
           <a:xfrm>
-            <a:off x="4513263" y="2774950"/>
+            <a:off x="2819400" y="2647950"/>
             <a:ext cx="4630737" cy="939800"/>
           </a:xfrm>
           <a:prstGeom prst="rect">
@@ -7164,7 +8283,7 @@
           </a:bodyPr>
           <a:lstStyle/>
           <a:p>
-            <a:pPr marL="0" lvl="0" indent="0" algn="l" rtl="0">
+            <a:pPr marL="0" lvl="0" indent="0" algn="ctr" rtl="0">
               <a:spcBef>
                 <a:spcPts val="600"/>
               </a:spcBef>
@@ -7238,66 +8357,18 @@
           </a:fontRef>
         </p:style>
       </p:pic>
-      <p:pic>
-        <p:nvPicPr>
-          <p:cNvPr id="8" name="Picture 2"/>
-          <p:cNvPicPr>
-            <a:picLocks noChangeAspect="1" noChangeArrowheads="1"/>
-          </p:cNvPicPr>
-          <p:nvPr/>
-        </p:nvPicPr>
-        <p:blipFill>
-          <a:blip r:embed="rId4"/>
-          <a:srcRect/>
-          <a:stretch>
-            <a:fillRect/>
-          </a:stretch>
-        </p:blipFill>
-        <p:spPr bwMode="auto">
-          <a:xfrm>
-            <a:off x="152400" y="209550"/>
-            <a:ext cx="676275" cy="561975"/>
-          </a:xfrm>
-          <a:prstGeom prst="rect">
-            <a:avLst/>
-          </a:prstGeom>
-          <a:solidFill>
-            <a:srgbClr val="FFFFFF">
-              <a:shade val="85000"/>
-            </a:srgbClr>
-          </a:solidFill>
-          <a:ln w="88900" cap="sq">
-            <a:solidFill>
-              <a:srgbClr val="FFFFFF"/>
-            </a:solidFill>
-            <a:miter lim="800000"/>
-          </a:ln>
-          <a:effectLst>
-            <a:outerShdw blurRad="55000" dist="18000" dir="5400000" algn="tl" rotWithShape="0">
-              <a:srgbClr val="000000">
-                <a:alpha val="40000"/>
-              </a:srgbClr>
-            </a:outerShdw>
-          </a:effectLst>
-          <a:scene3d>
-            <a:camera prst="orthographicFront"/>
-            <a:lightRig rig="twoPt" dir="t">
-              <a:rot lat="0" lon="0" rev="7200000"/>
-            </a:lightRig>
-          </a:scene3d>
-          <a:sp3d>
-            <a:bevelT w="25400" h="19050"/>
-            <a:contourClr>
-              <a:srgbClr val="FFFFFF"/>
-            </a:contourClr>
-          </a:sp3d>
-        </p:spPr>
-      </p:pic>
     </p:spTree>
   </p:cSld>
   <p:clrMapOvr>
     <a:masterClrMapping/>
   </p:clrMapOvr>
+  <p:timing>
+    <p:tnLst>
+      <p:par>
+        <p:cTn id="1" dur="indefinite" restart="never" nodeType="tmRoot"/>
+      </p:par>
+    </p:tnLst>
+  </p:timing>
 </p:sld>
 </file>
 
@@ -7377,7 +8448,7 @@
         </p:nvSpPr>
         <p:spPr>
           <a:xfrm>
-            <a:off x="3352800" y="1357313"/>
+            <a:off x="3352800" y="1809750"/>
             <a:ext cx="5791200" cy="1160462"/>
           </a:xfrm>
           <a:prstGeom prst="rect">
@@ -7400,17 +8471,17 @@
               <a:buNone/>
             </a:pPr>
             <a:r>
-              <a:rPr lang="en-US" sz="6600" dirty="0" err="1" smtClean="0">
+              <a:rPr lang="en-US" sz="4800" dirty="0" err="1" smtClean="0">
                 <a:solidFill>
                   <a:srgbClr val="FFFFFF"/>
                 </a:solidFill>
                 <a:latin typeface="Times New Roman" pitchFamily="18" charset="0"/>
                 <a:cs typeface="Times New Roman" pitchFamily="18" charset="0"/>
               </a:rPr>
-              <a:t>Xin</a:t>
-            </a:r>
-            <a:r>
-              <a:rPr lang="en-US" sz="6600" dirty="0" smtClean="0">
+              <a:t>Giới</a:t>
+            </a:r>
+            <a:r>
+              <a:rPr lang="en-US" sz="4800" dirty="0" smtClean="0">
                 <a:solidFill>
                   <a:srgbClr val="FFFFFF"/>
                 </a:solidFill>
@@ -7420,16 +8491,16 @@
               <a:t> </a:t>
             </a:r>
             <a:r>
-              <a:rPr lang="en-US" sz="6600" dirty="0" err="1" smtClean="0">
+              <a:rPr lang="en-US" sz="4800" dirty="0" err="1" smtClean="0">
                 <a:solidFill>
                   <a:srgbClr val="FFFFFF"/>
                 </a:solidFill>
                 <a:latin typeface="Times New Roman" pitchFamily="18" charset="0"/>
                 <a:cs typeface="Times New Roman" pitchFamily="18" charset="0"/>
               </a:rPr>
-              <a:t>chào</a:t>
-            </a:r>
-            <a:endParaRPr sz="6600" dirty="0">
+              <a:t>thiệu</a:t>
+            </a:r>
+            <a:endParaRPr sz="4800" dirty="0">
               <a:solidFill>
                 <a:srgbClr val="FFFFFF"/>
               </a:solidFill>
@@ -7451,8 +8522,8 @@
         </p:nvSpPr>
         <p:spPr>
           <a:xfrm>
-            <a:off x="3905250" y="3181350"/>
-            <a:ext cx="5238750" cy="2243138"/>
+            <a:off x="3657600" y="2647950"/>
+            <a:ext cx="4191000" cy="1066800"/>
           </a:xfrm>
           <a:prstGeom prst="rect">
             <a:avLst/>
@@ -7476,7 +8547,9 @@
             <a:r>
               <a:rPr lang="en-US" sz="2000" b="1" dirty="0" err="1" smtClean="0">
                 <a:solidFill>
-                  <a:srgbClr val="000000"/>
+                  <a:schemeClr val="accent4">
+                    <a:lumMod val="75000"/>
+                  </a:schemeClr>
                 </a:solidFill>
               </a:rPr>
               <a:t>Bùi</a:t>
@@ -7484,7 +8557,9 @@
             <a:r>
               <a:rPr lang="en-US" sz="2000" b="1" dirty="0" smtClean="0">
                 <a:solidFill>
-                  <a:srgbClr val="000000"/>
+                  <a:schemeClr val="accent4">
+                    <a:lumMod val="75000"/>
+                  </a:schemeClr>
                 </a:solidFill>
               </a:rPr>
               <a:t> </a:t>
@@ -7492,7 +8567,9 @@
             <a:r>
               <a:rPr lang="en-US" sz="2000" b="1" dirty="0" err="1" smtClean="0">
                 <a:solidFill>
-                  <a:srgbClr val="000000"/>
+                  <a:schemeClr val="accent4">
+                    <a:lumMod val="75000"/>
+                  </a:schemeClr>
                 </a:solidFill>
               </a:rPr>
               <a:t>Phùng</a:t>
@@ -7500,7 +8577,9 @@
             <a:r>
               <a:rPr lang="en-US" sz="2000" b="1" dirty="0" smtClean="0">
                 <a:solidFill>
-                  <a:srgbClr val="000000"/>
+                  <a:schemeClr val="accent4">
+                    <a:lumMod val="75000"/>
+                  </a:schemeClr>
                 </a:solidFill>
               </a:rPr>
               <a:t> </a:t>
@@ -7508,7 +8587,9 @@
             <a:r>
               <a:rPr lang="en-US" sz="2000" b="1" dirty="0" err="1" smtClean="0">
                 <a:solidFill>
-                  <a:srgbClr val="000000"/>
+                  <a:schemeClr val="accent4">
+                    <a:lumMod val="75000"/>
+                  </a:schemeClr>
                 </a:solidFill>
               </a:rPr>
               <a:t>Hữu</a:t>
@@ -7516,7 +8597,9 @@
             <a:r>
               <a:rPr lang="en-US" sz="2000" b="1" dirty="0" smtClean="0">
                 <a:solidFill>
-                  <a:srgbClr val="000000"/>
+                  <a:schemeClr val="accent4">
+                    <a:lumMod val="75000"/>
+                  </a:schemeClr>
                 </a:solidFill>
               </a:rPr>
               <a:t> </a:t>
@@ -7524,14 +8607,18 @@
             <a:r>
               <a:rPr lang="en-US" sz="2000" b="1" dirty="0" err="1" smtClean="0">
                 <a:solidFill>
-                  <a:srgbClr val="000000"/>
+                  <a:schemeClr val="accent4">
+                    <a:lumMod val="75000"/>
+                  </a:schemeClr>
                 </a:solidFill>
               </a:rPr>
               <a:t>Đức</a:t>
             </a:r>
             <a:endParaRPr lang="en-US" sz="2000" b="1" dirty="0" smtClean="0">
               <a:solidFill>
-                <a:srgbClr val="000000"/>
+                <a:schemeClr val="accent4">
+                  <a:lumMod val="75000"/>
+                </a:schemeClr>
               </a:solidFill>
             </a:endParaRPr>
           </a:p>
@@ -7548,22 +8635,18 @@
             <a:r>
               <a:rPr lang="en-US" sz="2000" b="1" dirty="0" err="1" smtClean="0">
                 <a:solidFill>
-                  <a:srgbClr val="000000"/>
+                  <a:schemeClr val="accent4">
+                    <a:lumMod val="75000"/>
+                  </a:schemeClr>
                 </a:solidFill>
               </a:rPr>
               <a:t>Anttizen</a:t>
             </a:r>
-            <a:r>
-              <a:rPr lang="en-US" sz="2000" b="1" dirty="0" smtClean="0">
-                <a:solidFill>
-                  <a:srgbClr val="000000"/>
-                </a:solidFill>
-              </a:rPr>
-              <a:t> Fresher Tour 3</a:t>
-            </a:r>
-            <a:endParaRPr sz="2000" b="1" dirty="0">
+            <a:endParaRPr lang="en-US" sz="2000" b="1" dirty="0" smtClean="0">
               <a:solidFill>
-                <a:srgbClr val="000000"/>
+                <a:schemeClr val="accent4">
+                  <a:lumMod val="75000"/>
+                </a:schemeClr>
               </a:solidFill>
             </a:endParaRPr>
           </a:p>
@@ -7571,7 +8654,7 @@
       </p:sp>
       <p:pic>
         <p:nvPicPr>
-          <p:cNvPr id="6" name="Picture 5" descr="avt.jpg"/>
+          <p:cNvPr id="7" name="Picture 6" descr="108382993_273482357317499_7807408465499505853_n.jpg"/>
           <p:cNvPicPr>
             <a:picLocks noChangeAspect="1"/>
           </p:cNvPicPr>
@@ -7585,73 +8668,25 @@
         </p:blipFill>
         <p:spPr>
           <a:xfrm>
-            <a:off x="381000" y="1657350"/>
-            <a:ext cx="1562908" cy="1676400"/>
+            <a:off x="609600" y="1657350"/>
+            <a:ext cx="1447800" cy="1905000"/>
           </a:xfrm>
-          <a:prstGeom prst="rect">
-            <a:avLst/>
-          </a:prstGeom>
-          <a:ln>
-            <a:noFill/>
-          </a:ln>
-          <a:effectLst>
-            <a:softEdge rad="112500"/>
-          </a:effectLst>
-        </p:spPr>
-      </p:pic>
-      <p:pic>
-        <p:nvPicPr>
-          <p:cNvPr id="2050" name="Picture 2"/>
-          <p:cNvPicPr>
-            <a:picLocks noChangeAspect="1" noChangeArrowheads="1"/>
-          </p:cNvPicPr>
-          <p:nvPr/>
-        </p:nvPicPr>
-        <p:blipFill>
-          <a:blip r:embed="rId4"/>
-          <a:srcRect/>
-          <a:stretch>
-            <a:fillRect/>
-          </a:stretch>
-        </p:blipFill>
-        <p:spPr bwMode="auto">
-          <a:xfrm>
-            <a:off x="152400" y="209550"/>
-            <a:ext cx="676275" cy="561975"/>
-          </a:xfrm>
-          <a:prstGeom prst="rect">
-            <a:avLst/>
+          <a:prstGeom prst="roundRect">
+            <a:avLst>
+              <a:gd name="adj" fmla="val 8594"/>
+            </a:avLst>
           </a:prstGeom>
           <a:solidFill>
             <a:srgbClr val="FFFFFF">
               <a:shade val="85000"/>
             </a:srgbClr>
           </a:solidFill>
-          <a:ln w="88900" cap="sq">
-            <a:solidFill>
-              <a:srgbClr val="FFFFFF"/>
-            </a:solidFill>
-            <a:miter lim="800000"/>
+          <a:ln>
+            <a:noFill/>
           </a:ln>
           <a:effectLst>
-            <a:outerShdw blurRad="55000" dist="18000" dir="5400000" algn="tl" rotWithShape="0">
-              <a:srgbClr val="000000">
-                <a:alpha val="40000"/>
-              </a:srgbClr>
-            </a:outerShdw>
+            <a:reflection blurRad="12700" stA="38000" endPos="28000" dist="5000" dir="5400000" sy="-100000" algn="bl" rotWithShape="0"/>
           </a:effectLst>
-          <a:scene3d>
-            <a:camera prst="orthographicFront"/>
-            <a:lightRig rig="twoPt" dir="t">
-              <a:rot lat="0" lon="0" rev="7200000"/>
-            </a:lightRig>
-          </a:scene3d>
-          <a:sp3d>
-            <a:bevelT w="25400" h="19050"/>
-            <a:contourClr>
-              <a:srgbClr val="FFFFFF"/>
-            </a:contourClr>
-          </a:sp3d>
         </p:spPr>
       </p:pic>
     </p:spTree>
@@ -7659,6 +8694,13 @@
   <p:clrMapOvr>
     <a:masterClrMapping/>
   </p:clrMapOvr>
+  <p:timing>
+    <p:tnLst>
+      <p:par>
+        <p:cTn id="1" dur="indefinite" restart="never" nodeType="tmRoot"/>
+      </p:par>
+    </p:tnLst>
+  </p:timing>
 </p:sld>
 </file>
 
@@ -7809,6 +8851,13 @@
               <a:buChar char="▪"/>
             </a:pPr>
             <a:r>
+              <a:rPr lang="en-US" sz="1600" dirty="0" smtClean="0">
+                <a:latin typeface="Times New Roman" pitchFamily="18" charset="0"/>
+                <a:cs typeface="Times New Roman" pitchFamily="18" charset="0"/>
+              </a:rPr>
+              <a:t>1. </a:t>
+            </a:r>
+            <a:r>
               <a:rPr lang="en-US" sz="1600" dirty="0" err="1" smtClean="0">
                 <a:latin typeface="Times New Roman" pitchFamily="18" charset="0"/>
                 <a:cs typeface="Times New Roman" pitchFamily="18" charset="0"/>
@@ -7860,6 +8909,13 @@
               <a:buChar char="▪"/>
             </a:pPr>
             <a:r>
+              <a:rPr lang="en-US" sz="1600" dirty="0" smtClean="0">
+                <a:latin typeface="Times New Roman" pitchFamily="18" charset="0"/>
+                <a:cs typeface="Times New Roman" pitchFamily="18" charset="0"/>
+              </a:rPr>
+              <a:t>2. </a:t>
+            </a:r>
+            <a:r>
               <a:rPr lang="en-US" sz="1600" dirty="0" err="1" smtClean="0">
                 <a:latin typeface="Times New Roman" pitchFamily="18" charset="0"/>
                 <a:cs typeface="Times New Roman" pitchFamily="18" charset="0"/>
@@ -7928,10 +8984,14 @@
             </a:endParaRPr>
           </a:p>
           <a:p>
-            <a:pPr lvl="1">
+            <a:pPr marL="457200" lvl="0" indent="-342900" algn="l" rtl="0">
               <a:spcBef>
                 <a:spcPts val="600"/>
               </a:spcBef>
+              <a:spcAft>
+                <a:spcPts val="0"/>
+              </a:spcAft>
+              <a:buSzPts val="1800"/>
               <a:buChar char="▪"/>
             </a:pPr>
             <a:r>
@@ -7939,14 +8999,14 @@
                 <a:latin typeface="Times New Roman" pitchFamily="18" charset="0"/>
                 <a:cs typeface="Times New Roman" pitchFamily="18" charset="0"/>
               </a:rPr>
-              <a:t>Module </a:t>
+              <a:t>3. </a:t>
             </a:r>
             <a:r>
               <a:rPr lang="en-US" sz="1600" dirty="0" err="1" smtClean="0">
                 <a:latin typeface="Times New Roman" pitchFamily="18" charset="0"/>
                 <a:cs typeface="Times New Roman" pitchFamily="18" charset="0"/>
               </a:rPr>
-              <a:t>nhận</a:t>
+              <a:t>Hướng</a:t>
             </a:r>
             <a:r>
               <a:rPr lang="en-US" sz="1600" dirty="0" smtClean="0">
@@ -7960,7 +9020,7 @@
                 <a:latin typeface="Times New Roman" pitchFamily="18" charset="0"/>
                 <a:cs typeface="Times New Roman" pitchFamily="18" charset="0"/>
               </a:rPr>
-              <a:t>diện</a:t>
+              <a:t>phát</a:t>
             </a:r>
             <a:r>
               <a:rPr lang="en-US" sz="1600" dirty="0" smtClean="0">
@@ -7974,7 +9034,7 @@
                 <a:latin typeface="Times New Roman" pitchFamily="18" charset="0"/>
                 <a:cs typeface="Times New Roman" pitchFamily="18" charset="0"/>
               </a:rPr>
-              <a:t>ảnh</a:t>
+              <a:t>triển</a:t>
             </a:r>
             <a:endParaRPr lang="en-US" sz="1600" dirty="0" smtClean="0">
               <a:latin typeface="Times New Roman" pitchFamily="18" charset="0"/>
@@ -7982,40 +9042,33 @@
             </a:endParaRPr>
           </a:p>
           <a:p>
-            <a:pPr lvl="1">
-              <a:spcBef>
-                <a:spcPts val="600"/>
-              </a:spcBef>
-              <a:buChar char="▪"/>
-            </a:pPr>
             <a:r>
               <a:rPr lang="en-US" sz="1600" dirty="0" smtClean="0">
                 <a:latin typeface="Times New Roman" pitchFamily="18" charset="0"/>
                 <a:cs typeface="Times New Roman" pitchFamily="18" charset="0"/>
               </a:rPr>
-              <a:t>Client</a:t>
-            </a:r>
-          </a:p>
-          <a:p>
-            <a:pPr lvl="1">
-              <a:spcBef>
-                <a:spcPts val="600"/>
-              </a:spcBef>
-              <a:buChar char="▪"/>
-            </a:pPr>
+              <a:t>4. </a:t>
+            </a:r>
+            <a:r>
+              <a:rPr lang="en-US" sz="1600" dirty="0" err="1" smtClean="0">
+                <a:latin typeface="Times New Roman" pitchFamily="18" charset="0"/>
+                <a:cs typeface="Times New Roman" pitchFamily="18" charset="0"/>
+              </a:rPr>
+              <a:t>Tài</a:t>
+            </a:r>
             <a:r>
               <a:rPr lang="en-US" sz="1600" dirty="0" smtClean="0">
                 <a:latin typeface="Times New Roman" pitchFamily="18" charset="0"/>
                 <a:cs typeface="Times New Roman" pitchFamily="18" charset="0"/>
               </a:rPr>
-              <a:t>Server </a:t>
+              <a:t> </a:t>
             </a:r>
             <a:r>
               <a:rPr lang="en-US" sz="1600" dirty="0" err="1" smtClean="0">
                 <a:latin typeface="Times New Roman" pitchFamily="18" charset="0"/>
                 <a:cs typeface="Times New Roman" pitchFamily="18" charset="0"/>
               </a:rPr>
-              <a:t>và</a:t>
+              <a:t>liệu</a:t>
             </a:r>
             <a:r>
               <a:rPr lang="en-US" sz="1600" dirty="0" smtClean="0">
@@ -8029,7 +9082,7 @@
                 <a:latin typeface="Times New Roman" pitchFamily="18" charset="0"/>
                 <a:cs typeface="Times New Roman" pitchFamily="18" charset="0"/>
               </a:rPr>
-              <a:t>các</a:t>
+              <a:t>tham</a:t>
             </a:r>
             <a:r>
               <a:rPr lang="en-US" sz="1600" dirty="0" smtClean="0">
@@ -8043,35 +9096,7 @@
                 <a:latin typeface="Times New Roman" pitchFamily="18" charset="0"/>
                 <a:cs typeface="Times New Roman" pitchFamily="18" charset="0"/>
               </a:rPr>
-              <a:t>thành</a:t>
-            </a:r>
-            <a:r>
-              <a:rPr lang="en-US" sz="1600" dirty="0" smtClean="0">
-                <a:latin typeface="Times New Roman" pitchFamily="18" charset="0"/>
-                <a:cs typeface="Times New Roman" pitchFamily="18" charset="0"/>
-              </a:rPr>
-              <a:t> </a:t>
-            </a:r>
-            <a:r>
-              <a:rPr lang="en-US" sz="1600" dirty="0" err="1" smtClean="0">
-                <a:latin typeface="Times New Roman" pitchFamily="18" charset="0"/>
-                <a:cs typeface="Times New Roman" pitchFamily="18" charset="0"/>
-              </a:rPr>
-              <a:t>phần</a:t>
-            </a:r>
-            <a:r>
-              <a:rPr lang="en-US" sz="1600" dirty="0" smtClean="0">
-                <a:latin typeface="Times New Roman" pitchFamily="18" charset="0"/>
-                <a:cs typeface="Times New Roman" pitchFamily="18" charset="0"/>
-              </a:rPr>
-              <a:t> </a:t>
-            </a:r>
-            <a:r>
-              <a:rPr lang="en-US" sz="1600" dirty="0" err="1" smtClean="0">
-                <a:latin typeface="Times New Roman" pitchFamily="18" charset="0"/>
-                <a:cs typeface="Times New Roman" pitchFamily="18" charset="0"/>
-              </a:rPr>
-              <a:t>khác</a:t>
+              <a:t>khảo</a:t>
             </a:r>
             <a:endParaRPr lang="en-US" sz="1600" dirty="0" smtClean="0">
               <a:latin typeface="Times New Roman" pitchFamily="18" charset="0"/>
@@ -8079,189 +9104,12 @@
             </a:endParaRPr>
           </a:p>
           <a:p>
-            <a:pPr lvl="1">
-              <a:spcBef>
-                <a:spcPts val="600"/>
-              </a:spcBef>
-              <a:buChar char="▪"/>
-            </a:pPr>
-            <a:r>
-              <a:rPr lang="en-US" sz="1600" dirty="0" err="1" smtClean="0">
-                <a:latin typeface="Times New Roman" pitchFamily="18" charset="0"/>
-                <a:cs typeface="Times New Roman" pitchFamily="18" charset="0"/>
-              </a:rPr>
-              <a:t>Sơ</a:t>
-            </a:r>
             <a:r>
               <a:rPr lang="en-US" sz="1600" dirty="0" smtClean="0">
                 <a:latin typeface="Times New Roman" pitchFamily="18" charset="0"/>
                 <a:cs typeface="Times New Roman" pitchFamily="18" charset="0"/>
               </a:rPr>
-              <a:t> </a:t>
-            </a:r>
-            <a:r>
-              <a:rPr lang="en-US" sz="1600" dirty="0" err="1" smtClean="0">
-                <a:latin typeface="Times New Roman" pitchFamily="18" charset="0"/>
-                <a:cs typeface="Times New Roman" pitchFamily="18" charset="0"/>
-              </a:rPr>
-              <a:t>đồ</a:t>
-            </a:r>
-            <a:r>
-              <a:rPr lang="en-US" sz="1600" dirty="0" smtClean="0">
-                <a:latin typeface="Times New Roman" pitchFamily="18" charset="0"/>
-                <a:cs typeface="Times New Roman" pitchFamily="18" charset="0"/>
-              </a:rPr>
-              <a:t> </a:t>
-            </a:r>
-            <a:r>
-              <a:rPr lang="en-US" sz="1600" dirty="0" err="1" smtClean="0">
-                <a:latin typeface="Times New Roman" pitchFamily="18" charset="0"/>
-                <a:cs typeface="Times New Roman" pitchFamily="18" charset="0"/>
-              </a:rPr>
-              <a:t>hệ</a:t>
-            </a:r>
-            <a:r>
-              <a:rPr lang="en-US" sz="1600" dirty="0" smtClean="0">
-                <a:latin typeface="Times New Roman" pitchFamily="18" charset="0"/>
-                <a:cs typeface="Times New Roman" pitchFamily="18" charset="0"/>
-              </a:rPr>
-              <a:t> </a:t>
-            </a:r>
-            <a:r>
-              <a:rPr lang="en-US" sz="1600" dirty="0" err="1" smtClean="0">
-                <a:latin typeface="Times New Roman" pitchFamily="18" charset="0"/>
-                <a:cs typeface="Times New Roman" pitchFamily="18" charset="0"/>
-              </a:rPr>
-              <a:t>thống</a:t>
-            </a:r>
-            <a:endParaRPr lang="en-US" sz="1600" dirty="0" smtClean="0">
-              <a:latin typeface="Times New Roman" pitchFamily="18" charset="0"/>
-              <a:cs typeface="Times New Roman" pitchFamily="18" charset="0"/>
-            </a:endParaRPr>
-          </a:p>
-          <a:p>
-            <a:pPr lvl="1">
-              <a:spcBef>
-                <a:spcPts val="600"/>
-              </a:spcBef>
-              <a:buChar char="▪"/>
-            </a:pPr>
-            <a:r>
-              <a:rPr lang="en-US" sz="1600" dirty="0" err="1" smtClean="0">
-                <a:latin typeface="Times New Roman" pitchFamily="18" charset="0"/>
-                <a:cs typeface="Times New Roman" pitchFamily="18" charset="0"/>
-              </a:rPr>
-              <a:t>Sơ</a:t>
-            </a:r>
-            <a:r>
-              <a:rPr lang="en-US" sz="1600" dirty="0" smtClean="0">
-                <a:latin typeface="Times New Roman" pitchFamily="18" charset="0"/>
-                <a:cs typeface="Times New Roman" pitchFamily="18" charset="0"/>
-              </a:rPr>
-              <a:t> </a:t>
-            </a:r>
-            <a:r>
-              <a:rPr lang="en-US" sz="1600" dirty="0" err="1" smtClean="0">
-                <a:latin typeface="Times New Roman" pitchFamily="18" charset="0"/>
-                <a:cs typeface="Times New Roman" pitchFamily="18" charset="0"/>
-              </a:rPr>
-              <a:t>đồ</a:t>
-            </a:r>
-            <a:r>
-              <a:rPr lang="en-US" sz="1600" dirty="0" smtClean="0">
-                <a:latin typeface="Times New Roman" pitchFamily="18" charset="0"/>
-                <a:cs typeface="Times New Roman" pitchFamily="18" charset="0"/>
-              </a:rPr>
-              <a:t> </a:t>
-            </a:r>
-            <a:r>
-              <a:rPr lang="en-US" sz="1600" dirty="0" err="1" smtClean="0">
-                <a:latin typeface="Times New Roman" pitchFamily="18" charset="0"/>
-                <a:cs typeface="Times New Roman" pitchFamily="18" charset="0"/>
-              </a:rPr>
-              <a:t>hoạt</a:t>
-            </a:r>
-            <a:r>
-              <a:rPr lang="en-US" sz="1600" dirty="0" smtClean="0">
-                <a:latin typeface="Times New Roman" pitchFamily="18" charset="0"/>
-                <a:cs typeface="Times New Roman" pitchFamily="18" charset="0"/>
-              </a:rPr>
-              <a:t> </a:t>
-            </a:r>
-            <a:r>
-              <a:rPr lang="en-US" sz="1600" dirty="0" err="1" smtClean="0">
-                <a:latin typeface="Times New Roman" pitchFamily="18" charset="0"/>
-                <a:cs typeface="Times New Roman" pitchFamily="18" charset="0"/>
-              </a:rPr>
-              <a:t>động</a:t>
-            </a:r>
-            <a:endParaRPr lang="en-US" sz="1600" dirty="0" smtClean="0">
-              <a:latin typeface="Times New Roman" pitchFamily="18" charset="0"/>
-              <a:cs typeface="Times New Roman" pitchFamily="18" charset="0"/>
-            </a:endParaRPr>
-          </a:p>
-          <a:p>
-            <a:r>
-              <a:rPr lang="en-US" sz="1600" dirty="0" err="1" smtClean="0">
-                <a:latin typeface="Times New Roman" pitchFamily="18" charset="0"/>
-                <a:cs typeface="Times New Roman" pitchFamily="18" charset="0"/>
-              </a:rPr>
-              <a:t>Tài</a:t>
-            </a:r>
-            <a:r>
-              <a:rPr lang="en-US" sz="1600" dirty="0" smtClean="0">
-                <a:latin typeface="Times New Roman" pitchFamily="18" charset="0"/>
-                <a:cs typeface="Times New Roman" pitchFamily="18" charset="0"/>
-              </a:rPr>
-              <a:t> </a:t>
-            </a:r>
-            <a:r>
-              <a:rPr lang="en-US" sz="1600" dirty="0" err="1" smtClean="0">
-                <a:latin typeface="Times New Roman" pitchFamily="18" charset="0"/>
-                <a:cs typeface="Times New Roman" pitchFamily="18" charset="0"/>
-              </a:rPr>
-              <a:t>liệu</a:t>
-            </a:r>
-            <a:r>
-              <a:rPr lang="en-US" sz="1600" dirty="0" smtClean="0">
-                <a:latin typeface="Times New Roman" pitchFamily="18" charset="0"/>
-                <a:cs typeface="Times New Roman" pitchFamily="18" charset="0"/>
-              </a:rPr>
-              <a:t> </a:t>
-            </a:r>
-            <a:r>
-              <a:rPr lang="en-US" sz="1600" dirty="0" err="1" smtClean="0">
-                <a:latin typeface="Times New Roman" pitchFamily="18" charset="0"/>
-                <a:cs typeface="Times New Roman" pitchFamily="18" charset="0"/>
-              </a:rPr>
-              <a:t>tham</a:t>
-            </a:r>
-            <a:r>
-              <a:rPr lang="en-US" sz="1600" dirty="0" smtClean="0">
-                <a:latin typeface="Times New Roman" pitchFamily="18" charset="0"/>
-                <a:cs typeface="Times New Roman" pitchFamily="18" charset="0"/>
-              </a:rPr>
-              <a:t> </a:t>
-            </a:r>
-            <a:r>
-              <a:rPr lang="en-US" sz="1600" dirty="0" err="1" smtClean="0">
-                <a:latin typeface="Times New Roman" pitchFamily="18" charset="0"/>
-                <a:cs typeface="Times New Roman" pitchFamily="18" charset="0"/>
-              </a:rPr>
-              <a:t>khảo</a:t>
-            </a:r>
-            <a:endParaRPr lang="en-US" sz="1600" dirty="0" smtClean="0">
-              <a:latin typeface="Times New Roman" pitchFamily="18" charset="0"/>
-              <a:cs typeface="Times New Roman" pitchFamily="18" charset="0"/>
-            </a:endParaRPr>
-          </a:p>
-          <a:p>
-            <a:r>
-              <a:rPr lang="en-US" sz="1600" dirty="0" smtClean="0">
-                <a:latin typeface="Times New Roman" pitchFamily="18" charset="0"/>
-                <a:cs typeface="Times New Roman" pitchFamily="18" charset="0"/>
-              </a:rPr>
-              <a:t>Demo </a:t>
+              <a:t>5. Demo </a:t>
             </a:r>
             <a:r>
               <a:rPr lang="en-US" sz="1600" dirty="0" err="1" smtClean="0">
@@ -8354,66 +9202,18 @@
           </a:p>
         </p:txBody>
       </p:sp>
-      <p:pic>
-        <p:nvPicPr>
-          <p:cNvPr id="5" name="Picture 2"/>
-          <p:cNvPicPr>
-            <a:picLocks noChangeAspect="1" noChangeArrowheads="1"/>
-          </p:cNvPicPr>
-          <p:nvPr/>
-        </p:nvPicPr>
-        <p:blipFill>
-          <a:blip r:embed="rId3"/>
-          <a:srcRect/>
-          <a:stretch>
-            <a:fillRect/>
-          </a:stretch>
-        </p:blipFill>
-        <p:spPr bwMode="auto">
-          <a:xfrm>
-            <a:off x="152400" y="209550"/>
-            <a:ext cx="676275" cy="561975"/>
-          </a:xfrm>
-          <a:prstGeom prst="rect">
-            <a:avLst/>
-          </a:prstGeom>
-          <a:solidFill>
-            <a:srgbClr val="FFFFFF">
-              <a:shade val="85000"/>
-            </a:srgbClr>
-          </a:solidFill>
-          <a:ln w="88900" cap="sq">
-            <a:solidFill>
-              <a:srgbClr val="FFFFFF"/>
-            </a:solidFill>
-            <a:miter lim="800000"/>
-          </a:ln>
-          <a:effectLst>
-            <a:outerShdw blurRad="55000" dist="18000" dir="5400000" algn="tl" rotWithShape="0">
-              <a:srgbClr val="000000">
-                <a:alpha val="40000"/>
-              </a:srgbClr>
-            </a:outerShdw>
-          </a:effectLst>
-          <a:scene3d>
-            <a:camera prst="orthographicFront"/>
-            <a:lightRig rig="twoPt" dir="t">
-              <a:rot lat="0" lon="0" rev="7200000"/>
-            </a:lightRig>
-          </a:scene3d>
-          <a:sp3d>
-            <a:bevelT w="25400" h="19050"/>
-            <a:contourClr>
-              <a:srgbClr val="FFFFFF"/>
-            </a:contourClr>
-          </a:sp3d>
-        </p:spPr>
-      </p:pic>
     </p:spTree>
   </p:cSld>
   <p:clrMapOvr>
     <a:masterClrMapping/>
   </p:clrMapOvr>
+  <p:timing>
+    <p:tnLst>
+      <p:par>
+        <p:cTn id="1" dur="indefinite" restart="never" nodeType="tmRoot"/>
+      </p:par>
+    </p:tnLst>
+  </p:timing>
 </p:sld>
 </file>
 
@@ -8465,6 +9265,16 @@
               <a:buNone/>
             </a:pPr>
             <a:r>
+              <a:rPr lang="en-US" dirty="0" smtClean="0">
+                <a:solidFill>
+                  <a:srgbClr val="FF004E"/>
+                </a:solidFill>
+                <a:latin typeface="Times New Roman" pitchFamily="18" charset="0"/>
+                <a:cs typeface="Times New Roman" pitchFamily="18" charset="0"/>
+              </a:rPr>
+              <a:t>1. </a:t>
+            </a:r>
+            <a:r>
               <a:rPr lang="en-US" dirty="0" err="1" smtClean="0">
                 <a:solidFill>
                   <a:srgbClr val="FF004E"/>
@@ -8820,28 +9630,7 @@
                 <a:latin typeface="Times New Roman" pitchFamily="18" charset="0"/>
                 <a:cs typeface="Times New Roman" pitchFamily="18" charset="0"/>
               </a:rPr>
-              <a:t> </a:t>
-            </a:r>
-            <a:r>
-              <a:rPr lang="en-US" dirty="0" err="1" smtClean="0">
-                <a:latin typeface="Times New Roman" pitchFamily="18" charset="0"/>
-                <a:cs typeface="Times New Roman" pitchFamily="18" charset="0"/>
-              </a:rPr>
-              <a:t>hơn</a:t>
-            </a:r>
-            <a:r>
-              <a:rPr lang="en-US" dirty="0" smtClean="0">
-                <a:latin typeface="Times New Roman" pitchFamily="18" charset="0"/>
-                <a:cs typeface="Times New Roman" pitchFamily="18" charset="0"/>
-              </a:rPr>
-              <a:t> </a:t>
-            </a:r>
-            <a:r>
-              <a:rPr lang="en-US" dirty="0" smtClean="0">
-                <a:latin typeface="Times New Roman" pitchFamily="18" charset="0"/>
-                <a:cs typeface="Times New Roman" pitchFamily="18" charset="0"/>
-              </a:rPr>
-              <a:t>14 </a:t>
+              <a:t> gần14 </a:t>
             </a:r>
             <a:r>
               <a:rPr lang="en-US" dirty="0" err="1" smtClean="0">
@@ -9418,66 +10207,18 @@
           </a:ln>
         </p:spPr>
       </p:pic>
-      <p:pic>
-        <p:nvPicPr>
-          <p:cNvPr id="8" name="Picture 2"/>
-          <p:cNvPicPr>
-            <a:picLocks noChangeAspect="1" noChangeArrowheads="1"/>
-          </p:cNvPicPr>
-          <p:nvPr/>
-        </p:nvPicPr>
-        <p:blipFill>
-          <a:blip r:embed="rId5"/>
-          <a:srcRect/>
-          <a:stretch>
-            <a:fillRect/>
-          </a:stretch>
-        </p:blipFill>
-        <p:spPr bwMode="auto">
-          <a:xfrm>
-            <a:off x="152400" y="209550"/>
-            <a:ext cx="676275" cy="561975"/>
-          </a:xfrm>
-          <a:prstGeom prst="rect">
-            <a:avLst/>
-          </a:prstGeom>
-          <a:solidFill>
-            <a:srgbClr val="FFFFFF">
-              <a:shade val="85000"/>
-            </a:srgbClr>
-          </a:solidFill>
-          <a:ln w="88900" cap="sq">
-            <a:solidFill>
-              <a:srgbClr val="FFFFFF"/>
-            </a:solidFill>
-            <a:miter lim="800000"/>
-          </a:ln>
-          <a:effectLst>
-            <a:outerShdw blurRad="55000" dist="18000" dir="5400000" algn="tl" rotWithShape="0">
-              <a:srgbClr val="000000">
-                <a:alpha val="40000"/>
-              </a:srgbClr>
-            </a:outerShdw>
-          </a:effectLst>
-          <a:scene3d>
-            <a:camera prst="orthographicFront"/>
-            <a:lightRig rig="twoPt" dir="t">
-              <a:rot lat="0" lon="0" rev="7200000"/>
-            </a:lightRig>
-          </a:scene3d>
-          <a:sp3d>
-            <a:bevelT w="25400" h="19050"/>
-            <a:contourClr>
-              <a:srgbClr val="FFFFFF"/>
-            </a:contourClr>
-          </a:sp3d>
-        </p:spPr>
-      </p:pic>
     </p:spTree>
   </p:cSld>
   <p:clrMapOvr>
     <a:masterClrMapping/>
   </p:clrMapOvr>
+  <p:timing>
+    <p:tnLst>
+      <p:par>
+        <p:cTn id="1" dur="indefinite" restart="never" nodeType="tmRoot"/>
+      </p:par>
+    </p:tnLst>
+  </p:timing>
 </p:sld>
 </file>
 
@@ -9519,6 +10260,16 @@
           <a:lstStyle/>
           <a:p>
             <a:r>
+              <a:rPr lang="en-US" dirty="0" smtClean="0">
+                <a:solidFill>
+                  <a:srgbClr val="FF004E"/>
+                </a:solidFill>
+                <a:latin typeface="Times New Roman" pitchFamily="18" charset="0"/>
+                <a:cs typeface="Times New Roman" pitchFamily="18" charset="0"/>
+              </a:rPr>
+              <a:t>2. </a:t>
+            </a:r>
+            <a:r>
               <a:rPr lang="en-US" dirty="0" err="1" smtClean="0">
                 <a:solidFill>
                   <a:srgbClr val="FF004E"/>
@@ -9665,7 +10416,7 @@
         <p:spPr>
           <a:xfrm>
             <a:off x="762000" y="1276350"/>
-            <a:ext cx="7315200" cy="2057400"/>
+            <a:ext cx="7315200" cy="2209800"/>
           </a:xfrm>
         </p:spPr>
         <p:txBody>
@@ -9766,14 +10517,14 @@
                 <a:latin typeface="Times New Roman" pitchFamily="18" charset="0"/>
                 <a:cs typeface="Times New Roman" pitchFamily="18" charset="0"/>
               </a:rPr>
-              <a:t>	-  Client : </a:t>
+              <a:t>	-  Module </a:t>
             </a:r>
             <a:r>
               <a:rPr lang="en-US" sz="1600" dirty="0" err="1" smtClean="0">
                 <a:latin typeface="Times New Roman" pitchFamily="18" charset="0"/>
                 <a:cs typeface="Times New Roman" pitchFamily="18" charset="0"/>
               </a:rPr>
-              <a:t>hiển</a:t>
+              <a:t>xử</a:t>
             </a:r>
             <a:r>
               <a:rPr lang="en-US" sz="1600" dirty="0" smtClean="0">
@@ -9787,7 +10538,7 @@
                 <a:latin typeface="Times New Roman" pitchFamily="18" charset="0"/>
                 <a:cs typeface="Times New Roman" pitchFamily="18" charset="0"/>
               </a:rPr>
-              <a:t>thị</a:t>
+              <a:t>lý</a:t>
             </a:r>
             <a:r>
               <a:rPr lang="en-US" sz="1600" dirty="0" smtClean="0">
@@ -9801,91 +10552,7 @@
                 <a:latin typeface="Times New Roman" pitchFamily="18" charset="0"/>
                 <a:cs typeface="Times New Roman" pitchFamily="18" charset="0"/>
               </a:rPr>
-              <a:t>giao</a:t>
-            </a:r>
-            <a:r>
-              <a:rPr lang="en-US" sz="1600" dirty="0" smtClean="0">
-                <a:latin typeface="Times New Roman" pitchFamily="18" charset="0"/>
-                <a:cs typeface="Times New Roman" pitchFamily="18" charset="0"/>
-              </a:rPr>
-              <a:t> </a:t>
-            </a:r>
-            <a:r>
-              <a:rPr lang="en-US" sz="1600" dirty="0" err="1" smtClean="0">
-                <a:latin typeface="Times New Roman" pitchFamily="18" charset="0"/>
-                <a:cs typeface="Times New Roman" pitchFamily="18" charset="0"/>
-              </a:rPr>
-              <a:t>diện</a:t>
-            </a:r>
-            <a:r>
-              <a:rPr lang="en-US" sz="1600" dirty="0" smtClean="0">
-                <a:latin typeface="Times New Roman" pitchFamily="18" charset="0"/>
-                <a:cs typeface="Times New Roman" pitchFamily="18" charset="0"/>
-              </a:rPr>
-              <a:t> </a:t>
-            </a:r>
-            <a:r>
-              <a:rPr lang="en-US" sz="1600" dirty="0" err="1" smtClean="0">
-                <a:latin typeface="Times New Roman" pitchFamily="18" charset="0"/>
-                <a:cs typeface="Times New Roman" pitchFamily="18" charset="0"/>
-              </a:rPr>
-              <a:t>tương</a:t>
-            </a:r>
-            <a:r>
-              <a:rPr lang="en-US" sz="1600" dirty="0" smtClean="0">
-                <a:latin typeface="Times New Roman" pitchFamily="18" charset="0"/>
-                <a:cs typeface="Times New Roman" pitchFamily="18" charset="0"/>
-              </a:rPr>
-              <a:t> </a:t>
-            </a:r>
-            <a:r>
-              <a:rPr lang="en-US" sz="1600" dirty="0" err="1" smtClean="0">
-                <a:latin typeface="Times New Roman" pitchFamily="18" charset="0"/>
-                <a:cs typeface="Times New Roman" pitchFamily="18" charset="0"/>
-              </a:rPr>
-              <a:t>tác</a:t>
-            </a:r>
-            <a:r>
-              <a:rPr lang="en-US" sz="1600" dirty="0" smtClean="0">
-                <a:latin typeface="Times New Roman" pitchFamily="18" charset="0"/>
-                <a:cs typeface="Times New Roman" pitchFamily="18" charset="0"/>
-              </a:rPr>
-              <a:t> </a:t>
-            </a:r>
-            <a:r>
-              <a:rPr lang="en-US" sz="1600" dirty="0" err="1" smtClean="0">
-                <a:latin typeface="Times New Roman" pitchFamily="18" charset="0"/>
-                <a:cs typeface="Times New Roman" pitchFamily="18" charset="0"/>
-              </a:rPr>
-              <a:t>với</a:t>
-            </a:r>
-            <a:r>
-              <a:rPr lang="en-US" sz="1600" dirty="0" smtClean="0">
-                <a:latin typeface="Times New Roman" pitchFamily="18" charset="0"/>
-                <a:cs typeface="Times New Roman" pitchFamily="18" charset="0"/>
-              </a:rPr>
-              <a:t> </a:t>
-            </a:r>
-            <a:r>
-              <a:rPr lang="en-US" sz="1600" dirty="0" err="1" smtClean="0">
-                <a:latin typeface="Times New Roman" pitchFamily="18" charset="0"/>
-                <a:cs typeface="Times New Roman" pitchFamily="18" charset="0"/>
-              </a:rPr>
-              <a:t>người</a:t>
-            </a:r>
-            <a:r>
-              <a:rPr lang="en-US" sz="1600" dirty="0" smtClean="0">
-                <a:latin typeface="Times New Roman" pitchFamily="18" charset="0"/>
-                <a:cs typeface="Times New Roman" pitchFamily="18" charset="0"/>
-              </a:rPr>
-              <a:t> </a:t>
-            </a:r>
-            <a:r>
-              <a:rPr lang="en-US" sz="1600" dirty="0" err="1" smtClean="0">
-                <a:latin typeface="Times New Roman" pitchFamily="18" charset="0"/>
-                <a:cs typeface="Times New Roman" pitchFamily="18" charset="0"/>
-              </a:rPr>
-              <a:t>dùng</a:t>
+              <a:t>ảnh</a:t>
             </a:r>
             <a:endParaRPr lang="en-US" sz="1600" dirty="0" smtClean="0">
               <a:latin typeface="Times New Roman" pitchFamily="18" charset="0"/>
@@ -9901,175 +10568,7 @@
                 <a:latin typeface="Times New Roman" pitchFamily="18" charset="0"/>
                 <a:cs typeface="Times New Roman" pitchFamily="18" charset="0"/>
               </a:rPr>
-              <a:t>	-  Server : </a:t>
-            </a:r>
-            <a:r>
-              <a:rPr lang="en-US" sz="1600" dirty="0" err="1" smtClean="0">
-                <a:latin typeface="Times New Roman" pitchFamily="18" charset="0"/>
-                <a:cs typeface="Times New Roman" pitchFamily="18" charset="0"/>
-              </a:rPr>
-              <a:t>Nhận</a:t>
-            </a:r>
-            <a:r>
-              <a:rPr lang="en-US" sz="1600" dirty="0" smtClean="0">
-                <a:latin typeface="Times New Roman" pitchFamily="18" charset="0"/>
-                <a:cs typeface="Times New Roman" pitchFamily="18" charset="0"/>
-              </a:rPr>
-              <a:t> </a:t>
-            </a:r>
-            <a:r>
-              <a:rPr lang="en-US" sz="1600" dirty="0" err="1" smtClean="0">
-                <a:latin typeface="Times New Roman" pitchFamily="18" charset="0"/>
-                <a:cs typeface="Times New Roman" pitchFamily="18" charset="0"/>
-              </a:rPr>
-              <a:t>thông</a:t>
-            </a:r>
-            <a:r>
-              <a:rPr lang="en-US" sz="1600" dirty="0" smtClean="0">
-                <a:latin typeface="Times New Roman" pitchFamily="18" charset="0"/>
-                <a:cs typeface="Times New Roman" pitchFamily="18" charset="0"/>
-              </a:rPr>
-              <a:t> tin </a:t>
-            </a:r>
-            <a:r>
-              <a:rPr lang="en-US" sz="1600" dirty="0" err="1" smtClean="0">
-                <a:latin typeface="Times New Roman" pitchFamily="18" charset="0"/>
-                <a:cs typeface="Times New Roman" pitchFamily="18" charset="0"/>
-              </a:rPr>
-              <a:t>từ</a:t>
-            </a:r>
-            <a:r>
-              <a:rPr lang="en-US" sz="1600" dirty="0" smtClean="0">
-                <a:latin typeface="Times New Roman" pitchFamily="18" charset="0"/>
-                <a:cs typeface="Times New Roman" pitchFamily="18" charset="0"/>
-              </a:rPr>
-              <a:t> client , start module </a:t>
-            </a:r>
-            <a:r>
-              <a:rPr lang="en-US" sz="1600" dirty="0" err="1" smtClean="0">
-                <a:latin typeface="Times New Roman" pitchFamily="18" charset="0"/>
-                <a:cs typeface="Times New Roman" pitchFamily="18" charset="0"/>
-              </a:rPr>
-              <a:t>xử</a:t>
-            </a:r>
-            <a:r>
-              <a:rPr lang="en-US" sz="1600" dirty="0" smtClean="0">
-                <a:latin typeface="Times New Roman" pitchFamily="18" charset="0"/>
-                <a:cs typeface="Times New Roman" pitchFamily="18" charset="0"/>
-              </a:rPr>
-              <a:t> </a:t>
-            </a:r>
-            <a:r>
-              <a:rPr lang="en-US" sz="1600" dirty="0" err="1" smtClean="0">
-                <a:latin typeface="Times New Roman" pitchFamily="18" charset="0"/>
-                <a:cs typeface="Times New Roman" pitchFamily="18" charset="0"/>
-              </a:rPr>
-              <a:t>lý</a:t>
-            </a:r>
-            <a:r>
-              <a:rPr lang="en-US" sz="1600" dirty="0" smtClean="0">
-                <a:latin typeface="Times New Roman" pitchFamily="18" charset="0"/>
-                <a:cs typeface="Times New Roman" pitchFamily="18" charset="0"/>
-              </a:rPr>
-              <a:t> </a:t>
-            </a:r>
-            <a:r>
-              <a:rPr lang="en-US" sz="1600" dirty="0" err="1" smtClean="0">
-                <a:latin typeface="Times New Roman" pitchFamily="18" charset="0"/>
-                <a:cs typeface="Times New Roman" pitchFamily="18" charset="0"/>
-              </a:rPr>
-              <a:t>ảnh</a:t>
-            </a:r>
-            <a:r>
-              <a:rPr lang="en-US" sz="1600" dirty="0" smtClean="0">
-                <a:latin typeface="Times New Roman" pitchFamily="18" charset="0"/>
-                <a:cs typeface="Times New Roman" pitchFamily="18" charset="0"/>
-              </a:rPr>
-              <a:t>, </a:t>
-            </a:r>
-            <a:r>
-              <a:rPr lang="en-US" sz="1600" dirty="0" err="1" smtClean="0">
-                <a:latin typeface="Times New Roman" pitchFamily="18" charset="0"/>
-                <a:cs typeface="Times New Roman" pitchFamily="18" charset="0"/>
-              </a:rPr>
-              <a:t>gọi</a:t>
-            </a:r>
-            <a:r>
-              <a:rPr lang="en-US" sz="1600" dirty="0" smtClean="0">
-                <a:latin typeface="Times New Roman" pitchFamily="18" charset="0"/>
-                <a:cs typeface="Times New Roman" pitchFamily="18" charset="0"/>
-              </a:rPr>
-              <a:t> </a:t>
-            </a:r>
-            <a:r>
-              <a:rPr lang="en-US" sz="1600" dirty="0" err="1" smtClean="0">
-                <a:latin typeface="Times New Roman" pitchFamily="18" charset="0"/>
-                <a:cs typeface="Times New Roman" pitchFamily="18" charset="0"/>
-              </a:rPr>
-              <a:t>hệ</a:t>
-            </a:r>
-            <a:r>
-              <a:rPr lang="en-US" sz="1600" dirty="0" smtClean="0">
-                <a:latin typeface="Times New Roman" pitchFamily="18" charset="0"/>
-                <a:cs typeface="Times New Roman" pitchFamily="18" charset="0"/>
-              </a:rPr>
-              <a:t> </a:t>
-            </a:r>
-            <a:r>
-              <a:rPr lang="en-US" sz="1600" dirty="0" err="1" smtClean="0">
-                <a:latin typeface="Times New Roman" pitchFamily="18" charset="0"/>
-                <a:cs typeface="Times New Roman" pitchFamily="18" charset="0"/>
-              </a:rPr>
-              <a:t>thống</a:t>
-            </a:r>
-            <a:r>
-              <a:rPr lang="en-US" sz="1600" dirty="0" smtClean="0">
-                <a:latin typeface="Times New Roman" pitchFamily="18" charset="0"/>
-                <a:cs typeface="Times New Roman" pitchFamily="18" charset="0"/>
-              </a:rPr>
-              <a:t> </a:t>
-            </a:r>
-            <a:r>
-              <a:rPr lang="en-US" sz="1600" dirty="0" err="1" smtClean="0">
-                <a:latin typeface="Times New Roman" pitchFamily="18" charset="0"/>
-                <a:cs typeface="Times New Roman" pitchFamily="18" charset="0"/>
-              </a:rPr>
-              <a:t>mở</a:t>
-            </a:r>
-            <a:r>
-              <a:rPr lang="en-US" sz="1600" dirty="0" smtClean="0">
-                <a:latin typeface="Times New Roman" pitchFamily="18" charset="0"/>
-                <a:cs typeface="Times New Roman" pitchFamily="18" charset="0"/>
-              </a:rPr>
-              <a:t> </a:t>
-            </a:r>
-            <a:r>
-              <a:rPr lang="en-US" sz="1600" dirty="0" err="1" smtClean="0">
-                <a:latin typeface="Times New Roman" pitchFamily="18" charset="0"/>
-                <a:cs typeface="Times New Roman" pitchFamily="18" charset="0"/>
-              </a:rPr>
-              <a:t>cửa</a:t>
-            </a:r>
-            <a:r>
-              <a:rPr lang="en-US" sz="1600" dirty="0" smtClean="0">
-                <a:latin typeface="Times New Roman" pitchFamily="18" charset="0"/>
-                <a:cs typeface="Times New Roman" pitchFamily="18" charset="0"/>
-              </a:rPr>
-              <a:t>, </a:t>
-            </a:r>
-            <a:r>
-              <a:rPr lang="en-US" sz="1600" dirty="0" err="1" smtClean="0">
-                <a:latin typeface="Times New Roman" pitchFamily="18" charset="0"/>
-                <a:cs typeface="Times New Roman" pitchFamily="18" charset="0"/>
-              </a:rPr>
-              <a:t>lưu</a:t>
-            </a:r>
-            <a:r>
-              <a:rPr lang="en-US" sz="1600" dirty="0" smtClean="0">
-                <a:latin typeface="Times New Roman" pitchFamily="18" charset="0"/>
-                <a:cs typeface="Times New Roman" pitchFamily="18" charset="0"/>
-              </a:rPr>
-              <a:t> database</a:t>
+              <a:t>	-  Client</a:t>
             </a:r>
           </a:p>
           <a:p>
@@ -10081,189 +10580,7 @@
                 <a:latin typeface="Times New Roman" pitchFamily="18" charset="0"/>
                 <a:cs typeface="Times New Roman" pitchFamily="18" charset="0"/>
               </a:rPr>
-              <a:t>	-  Module </a:t>
-            </a:r>
-            <a:r>
-              <a:rPr lang="en-US" sz="1600" dirty="0" err="1" smtClean="0">
-                <a:latin typeface="Times New Roman" pitchFamily="18" charset="0"/>
-                <a:cs typeface="Times New Roman" pitchFamily="18" charset="0"/>
-              </a:rPr>
-              <a:t>xử</a:t>
-            </a:r>
-            <a:r>
-              <a:rPr lang="en-US" sz="1600" dirty="0" smtClean="0">
-                <a:latin typeface="Times New Roman" pitchFamily="18" charset="0"/>
-                <a:cs typeface="Times New Roman" pitchFamily="18" charset="0"/>
-              </a:rPr>
-              <a:t> </a:t>
-            </a:r>
-            <a:r>
-              <a:rPr lang="en-US" sz="1600" dirty="0" err="1" smtClean="0">
-                <a:latin typeface="Times New Roman" pitchFamily="18" charset="0"/>
-                <a:cs typeface="Times New Roman" pitchFamily="18" charset="0"/>
-              </a:rPr>
-              <a:t>lý</a:t>
-            </a:r>
-            <a:r>
-              <a:rPr lang="en-US" sz="1600" dirty="0" smtClean="0">
-                <a:latin typeface="Times New Roman" pitchFamily="18" charset="0"/>
-                <a:cs typeface="Times New Roman" pitchFamily="18" charset="0"/>
-              </a:rPr>
-              <a:t> </a:t>
-            </a:r>
-            <a:r>
-              <a:rPr lang="en-US" sz="1600" dirty="0" err="1" smtClean="0">
-                <a:latin typeface="Times New Roman" pitchFamily="18" charset="0"/>
-                <a:cs typeface="Times New Roman" pitchFamily="18" charset="0"/>
-              </a:rPr>
-              <a:t>ảnh</a:t>
-            </a:r>
-            <a:r>
-              <a:rPr lang="en-US" sz="1600" dirty="0" smtClean="0">
-                <a:latin typeface="Times New Roman" pitchFamily="18" charset="0"/>
-                <a:cs typeface="Times New Roman" pitchFamily="18" charset="0"/>
-              </a:rPr>
-              <a:t> : </a:t>
-            </a:r>
-            <a:r>
-              <a:rPr lang="en-US" sz="1600" dirty="0" err="1" smtClean="0">
-                <a:latin typeface="Times New Roman" pitchFamily="18" charset="0"/>
-                <a:cs typeface="Times New Roman" pitchFamily="18" charset="0"/>
-              </a:rPr>
-              <a:t>Nhận</a:t>
-            </a:r>
-            <a:r>
-              <a:rPr lang="en-US" sz="1600" dirty="0" smtClean="0">
-                <a:latin typeface="Times New Roman" pitchFamily="18" charset="0"/>
-                <a:cs typeface="Times New Roman" pitchFamily="18" charset="0"/>
-              </a:rPr>
-              <a:t> </a:t>
-            </a:r>
-            <a:r>
-              <a:rPr lang="en-US" sz="1600" dirty="0" err="1" smtClean="0">
-                <a:latin typeface="Times New Roman" pitchFamily="18" charset="0"/>
-                <a:cs typeface="Times New Roman" pitchFamily="18" charset="0"/>
-              </a:rPr>
-              <a:t>diện</a:t>
-            </a:r>
-            <a:r>
-              <a:rPr lang="en-US" sz="1600" dirty="0" smtClean="0">
-                <a:latin typeface="Times New Roman" pitchFamily="18" charset="0"/>
-                <a:cs typeface="Times New Roman" pitchFamily="18" charset="0"/>
-              </a:rPr>
-              <a:t> </a:t>
-            </a:r>
-            <a:r>
-              <a:rPr lang="en-US" sz="1600" dirty="0" err="1" smtClean="0">
-                <a:latin typeface="Times New Roman" pitchFamily="18" charset="0"/>
-                <a:cs typeface="Times New Roman" pitchFamily="18" charset="0"/>
-              </a:rPr>
-              <a:t>khuôn</a:t>
-            </a:r>
-            <a:r>
-              <a:rPr lang="en-US" sz="1600" dirty="0" smtClean="0">
-                <a:latin typeface="Times New Roman" pitchFamily="18" charset="0"/>
-                <a:cs typeface="Times New Roman" pitchFamily="18" charset="0"/>
-              </a:rPr>
-              <a:t> </a:t>
-            </a:r>
-            <a:r>
-              <a:rPr lang="en-US" sz="1600" dirty="0" err="1" smtClean="0">
-                <a:latin typeface="Times New Roman" pitchFamily="18" charset="0"/>
-                <a:cs typeface="Times New Roman" pitchFamily="18" charset="0"/>
-              </a:rPr>
-              <a:t>mặt</a:t>
-            </a:r>
-            <a:r>
-              <a:rPr lang="en-US" sz="1600" dirty="0" smtClean="0">
-                <a:latin typeface="Times New Roman" pitchFamily="18" charset="0"/>
-                <a:cs typeface="Times New Roman" pitchFamily="18" charset="0"/>
-              </a:rPr>
-              <a:t> </a:t>
-            </a:r>
-            <a:r>
-              <a:rPr lang="en-US" sz="1600" dirty="0" err="1" smtClean="0">
-                <a:latin typeface="Times New Roman" pitchFamily="18" charset="0"/>
-                <a:cs typeface="Times New Roman" pitchFamily="18" charset="0"/>
-              </a:rPr>
-              <a:t>người</a:t>
-            </a:r>
-            <a:r>
-              <a:rPr lang="en-US" sz="1600" dirty="0" smtClean="0">
-                <a:latin typeface="Times New Roman" pitchFamily="18" charset="0"/>
-                <a:cs typeface="Times New Roman" pitchFamily="18" charset="0"/>
-              </a:rPr>
-              <a:t> </a:t>
-            </a:r>
-            <a:r>
-              <a:rPr lang="en-US" sz="1600" dirty="0" err="1" smtClean="0">
-                <a:latin typeface="Times New Roman" pitchFamily="18" charset="0"/>
-                <a:cs typeface="Times New Roman" pitchFamily="18" charset="0"/>
-              </a:rPr>
-              <a:t>dùng</a:t>
-            </a:r>
-            <a:r>
-              <a:rPr lang="en-US" sz="1600" dirty="0" smtClean="0">
-                <a:latin typeface="Times New Roman" pitchFamily="18" charset="0"/>
-                <a:cs typeface="Times New Roman" pitchFamily="18" charset="0"/>
-              </a:rPr>
-              <a:t> </a:t>
-            </a:r>
-            <a:r>
-              <a:rPr lang="en-US" sz="1600" dirty="0" err="1" smtClean="0">
-                <a:latin typeface="Times New Roman" pitchFamily="18" charset="0"/>
-                <a:cs typeface="Times New Roman" pitchFamily="18" charset="0"/>
-              </a:rPr>
-              <a:t>có</a:t>
-            </a:r>
-            <a:r>
-              <a:rPr lang="en-US" sz="1600" dirty="0" smtClean="0">
-                <a:latin typeface="Times New Roman" pitchFamily="18" charset="0"/>
-                <a:cs typeface="Times New Roman" pitchFamily="18" charset="0"/>
-              </a:rPr>
-              <a:t> </a:t>
-            </a:r>
-            <a:r>
-              <a:rPr lang="en-US" sz="1600" dirty="0" err="1" smtClean="0">
-                <a:latin typeface="Times New Roman" pitchFamily="18" charset="0"/>
-                <a:cs typeface="Times New Roman" pitchFamily="18" charset="0"/>
-              </a:rPr>
-              <a:t>khẩu</a:t>
-            </a:r>
-            <a:r>
-              <a:rPr lang="en-US" sz="1600" dirty="0" smtClean="0">
-                <a:latin typeface="Times New Roman" pitchFamily="18" charset="0"/>
-                <a:cs typeface="Times New Roman" pitchFamily="18" charset="0"/>
-              </a:rPr>
-              <a:t> </a:t>
-            </a:r>
-            <a:r>
-              <a:rPr lang="en-US" sz="1600" dirty="0" err="1" smtClean="0">
-                <a:latin typeface="Times New Roman" pitchFamily="18" charset="0"/>
-                <a:cs typeface="Times New Roman" pitchFamily="18" charset="0"/>
-              </a:rPr>
-              <a:t>trang</a:t>
-            </a:r>
-            <a:r>
-              <a:rPr lang="en-US" sz="1600" dirty="0" smtClean="0">
-                <a:latin typeface="Times New Roman" pitchFamily="18" charset="0"/>
-                <a:cs typeface="Times New Roman" pitchFamily="18" charset="0"/>
-              </a:rPr>
-              <a:t> </a:t>
-            </a:r>
-            <a:r>
-              <a:rPr lang="en-US" sz="1600" dirty="0" err="1" smtClean="0">
-                <a:latin typeface="Times New Roman" pitchFamily="18" charset="0"/>
-                <a:cs typeface="Times New Roman" pitchFamily="18" charset="0"/>
-              </a:rPr>
-              <a:t>không</a:t>
-            </a:r>
-            <a:r>
-              <a:rPr lang="en-US" sz="1600" dirty="0" smtClean="0">
-                <a:latin typeface="Times New Roman" pitchFamily="18" charset="0"/>
-                <a:cs typeface="Times New Roman" pitchFamily="18" charset="0"/>
-              </a:rPr>
-              <a:t> ?</a:t>
+              <a:t>	-  Server</a:t>
             </a:r>
           </a:p>
           <a:p>
@@ -10335,6 +10652,76 @@
                 <a:latin typeface="Times New Roman" pitchFamily="18" charset="0"/>
                 <a:cs typeface="Times New Roman" pitchFamily="18" charset="0"/>
               </a:rPr>
+              <a:t> </a:t>
+            </a:r>
+            <a:r>
+              <a:rPr lang="en-US" sz="1600" dirty="0" err="1" smtClean="0">
+                <a:latin typeface="Times New Roman" pitchFamily="18" charset="0"/>
+                <a:cs typeface="Times New Roman" pitchFamily="18" charset="0"/>
+              </a:rPr>
+              <a:t>các</a:t>
+            </a:r>
+            <a:r>
+              <a:rPr lang="en-US" sz="1600" dirty="0" smtClean="0">
+                <a:latin typeface="Times New Roman" pitchFamily="18" charset="0"/>
+                <a:cs typeface="Times New Roman" pitchFamily="18" charset="0"/>
+              </a:rPr>
+              <a:t> </a:t>
+            </a:r>
+            <a:r>
+              <a:rPr lang="en-US" sz="1600" dirty="0" err="1" smtClean="0">
+                <a:latin typeface="Times New Roman" pitchFamily="18" charset="0"/>
+                <a:cs typeface="Times New Roman" pitchFamily="18" charset="0"/>
+              </a:rPr>
+              <a:t>thành</a:t>
+            </a:r>
+            <a:r>
+              <a:rPr lang="en-US" sz="1600" dirty="0" smtClean="0">
+                <a:latin typeface="Times New Roman" pitchFamily="18" charset="0"/>
+                <a:cs typeface="Times New Roman" pitchFamily="18" charset="0"/>
+              </a:rPr>
+              <a:t> </a:t>
+            </a:r>
+            <a:r>
+              <a:rPr lang="en-US" sz="1600" dirty="0" err="1" smtClean="0">
+                <a:latin typeface="Times New Roman" pitchFamily="18" charset="0"/>
+                <a:cs typeface="Times New Roman" pitchFamily="18" charset="0"/>
+              </a:rPr>
+              <a:t>phần</a:t>
+            </a:r>
+            <a:r>
+              <a:rPr lang="en-US" sz="1600" dirty="0" smtClean="0">
+                <a:latin typeface="Times New Roman" pitchFamily="18" charset="0"/>
+                <a:cs typeface="Times New Roman" pitchFamily="18" charset="0"/>
+              </a:rPr>
+              <a:t> </a:t>
+            </a:r>
+            <a:r>
+              <a:rPr lang="en-US" sz="1600" dirty="0" err="1" smtClean="0">
+                <a:latin typeface="Times New Roman" pitchFamily="18" charset="0"/>
+                <a:cs typeface="Times New Roman" pitchFamily="18" charset="0"/>
+              </a:rPr>
+              <a:t>khác</a:t>
+            </a:r>
+            <a:r>
+              <a:rPr lang="en-US" sz="1600" dirty="0" smtClean="0">
+                <a:latin typeface="Times New Roman" pitchFamily="18" charset="0"/>
+                <a:cs typeface="Times New Roman" pitchFamily="18" charset="0"/>
+              </a:rPr>
+              <a:t> </a:t>
+            </a:r>
+            <a:r>
+              <a:rPr lang="en-US" sz="1600" dirty="0" err="1" smtClean="0">
+                <a:latin typeface="Times New Roman" pitchFamily="18" charset="0"/>
+                <a:cs typeface="Times New Roman" pitchFamily="18" charset="0"/>
+              </a:rPr>
+              <a:t>như</a:t>
+            </a:r>
+            <a:r>
+              <a:rPr lang="en-US" sz="1600" dirty="0" smtClean="0">
+                <a:latin typeface="Times New Roman" pitchFamily="18" charset="0"/>
+                <a:cs typeface="Times New Roman" pitchFamily="18" charset="0"/>
+              </a:rPr>
               <a:t> database </a:t>
             </a:r>
             <a:r>
@@ -10349,7 +10736,49 @@
                 <a:latin typeface="Times New Roman" pitchFamily="18" charset="0"/>
                 <a:cs typeface="Times New Roman" pitchFamily="18" charset="0"/>
               </a:rPr>
-              <a:t> driver </a:t>
+              <a:t> module </a:t>
+            </a:r>
+            <a:r>
+              <a:rPr lang="en-US" sz="1600" dirty="0" err="1" smtClean="0">
+                <a:latin typeface="Times New Roman" pitchFamily="18" charset="0"/>
+                <a:cs typeface="Times New Roman" pitchFamily="18" charset="0"/>
+              </a:rPr>
+              <a:t>điều</a:t>
+            </a:r>
+            <a:r>
+              <a:rPr lang="en-US" sz="1600" dirty="0" smtClean="0">
+                <a:latin typeface="Times New Roman" pitchFamily="18" charset="0"/>
+                <a:cs typeface="Times New Roman" pitchFamily="18" charset="0"/>
+              </a:rPr>
+              <a:t> </a:t>
+            </a:r>
+            <a:r>
+              <a:rPr lang="en-US" sz="1600" dirty="0" err="1" smtClean="0">
+                <a:latin typeface="Times New Roman" pitchFamily="18" charset="0"/>
+                <a:cs typeface="Times New Roman" pitchFamily="18" charset="0"/>
+              </a:rPr>
+              <a:t>khiển</a:t>
+            </a:r>
+            <a:r>
+              <a:rPr lang="en-US" sz="1600" dirty="0" smtClean="0">
+                <a:latin typeface="Times New Roman" pitchFamily="18" charset="0"/>
+                <a:cs typeface="Times New Roman" pitchFamily="18" charset="0"/>
+              </a:rPr>
+              <a:t> </a:t>
+            </a:r>
+            <a:r>
+              <a:rPr lang="en-US" sz="1600" dirty="0" err="1" smtClean="0">
+                <a:latin typeface="Times New Roman" pitchFamily="18" charset="0"/>
+                <a:cs typeface="Times New Roman" pitchFamily="18" charset="0"/>
+              </a:rPr>
+              <a:t>đóng</a:t>
+            </a:r>
+            <a:r>
+              <a:rPr lang="en-US" sz="1600" dirty="0" smtClean="0">
+                <a:latin typeface="Times New Roman" pitchFamily="18" charset="0"/>
+                <a:cs typeface="Times New Roman" pitchFamily="18" charset="0"/>
+              </a:rPr>
+              <a:t>/</a:t>
             </a:r>
             <a:r>
               <a:rPr lang="en-US" sz="1600" dirty="0" err="1" smtClean="0">
@@ -10669,66 +11098,18 @@
           </a:p>
         </p:txBody>
       </p:sp>
-      <p:pic>
-        <p:nvPicPr>
-          <p:cNvPr id="10" name="Picture 2"/>
-          <p:cNvPicPr>
-            <a:picLocks noChangeAspect="1" noChangeArrowheads="1"/>
-          </p:cNvPicPr>
-          <p:nvPr/>
-        </p:nvPicPr>
-        <p:blipFill>
-          <a:blip r:embed="rId2"/>
-          <a:srcRect/>
-          <a:stretch>
-            <a:fillRect/>
-          </a:stretch>
-        </p:blipFill>
-        <p:spPr bwMode="auto">
-          <a:xfrm>
-            <a:off x="152400" y="209550"/>
-            <a:ext cx="676275" cy="561975"/>
-          </a:xfrm>
-          <a:prstGeom prst="rect">
-            <a:avLst/>
-          </a:prstGeom>
-          <a:solidFill>
-            <a:srgbClr val="FFFFFF">
-              <a:shade val="85000"/>
-            </a:srgbClr>
-          </a:solidFill>
-          <a:ln w="88900" cap="sq">
-            <a:solidFill>
-              <a:srgbClr val="FFFFFF"/>
-            </a:solidFill>
-            <a:miter lim="800000"/>
-          </a:ln>
-          <a:effectLst>
-            <a:outerShdw blurRad="55000" dist="18000" dir="5400000" algn="tl" rotWithShape="0">
-              <a:srgbClr val="000000">
-                <a:alpha val="40000"/>
-              </a:srgbClr>
-            </a:outerShdw>
-          </a:effectLst>
-          <a:scene3d>
-            <a:camera prst="orthographicFront"/>
-            <a:lightRig rig="twoPt" dir="t">
-              <a:rot lat="0" lon="0" rev="7200000"/>
-            </a:lightRig>
-          </a:scene3d>
-          <a:sp3d>
-            <a:bevelT w="25400" h="19050"/>
-            <a:contourClr>
-              <a:srgbClr val="FFFFFF"/>
-            </a:contourClr>
-          </a:sp3d>
-        </p:spPr>
-      </p:pic>
     </p:spTree>
   </p:cSld>
   <p:clrMapOvr>
     <a:masterClrMapping/>
   </p:clrMapOvr>
+  <p:timing>
+    <p:tnLst>
+      <p:par>
+        <p:cTn id="1" dur="indefinite" restart="never" nodeType="tmRoot"/>
+      </p:par>
+    </p:tnLst>
+  </p:timing>
 </p:sld>
 </file>
 
@@ -10791,7 +11172,7 @@
                 <a:latin typeface="Times New Roman" pitchFamily="18" charset="0"/>
                 <a:cs typeface="Times New Roman" pitchFamily="18" charset="0"/>
               </a:rPr>
-              <a:t>Module </a:t>
+              <a:t>2.1 Module </a:t>
             </a:r>
             <a:r>
               <a:rPr lang="en-US" dirty="0" err="1" smtClean="0">
@@ -10884,141 +11265,17 @@
             </a:pPr>
             <a:r>
               <a:rPr lang="en-US" sz="1600" dirty="0" smtClean="0">
-                <a:latin typeface="+mj-lt"/>
+                <a:latin typeface="Times New Roman" pitchFamily="18" charset="0"/>
+                <a:cs typeface="Times New Roman" pitchFamily="18" charset="0"/>
               </a:rPr>
               <a:t> </a:t>
             </a:r>
             <a:r>
               <a:rPr lang="vi-VN" sz="1600" dirty="0" smtClean="0">
-                <a:latin typeface="+mj-lt"/>
-              </a:rPr>
-              <a:t>Thư viện Tensorfow là thư viện mã nguồn mở dùng cho tính toán số học sử dụng đồ thị luồng dữ liệu.</a:t>
-            </a:r>
-            <a:endParaRPr lang="en-US" sz="1600" dirty="0" smtClean="0">
-              <a:latin typeface="+mj-lt"/>
-            </a:endParaRPr>
-          </a:p>
-          <a:p>
-            <a:pPr marL="0" indent="0">
-              <a:buFontTx/>
-              <a:buChar char="-"/>
-            </a:pPr>
-            <a:r>
-              <a:rPr lang="en-US" sz="1600" dirty="0" smtClean="0"/>
-              <a:t> </a:t>
-            </a:r>
-            <a:r>
-              <a:rPr lang="vi-VN" sz="1600" dirty="0" smtClean="0">
-                <a:latin typeface="+mj-lt"/>
-              </a:rPr>
-              <a:t>Keras là một library được phát triển vào năm 2015 bởi François Chollet, là một kỹ sư nghiên cứu deep learning tại google. </a:t>
-            </a:r>
-            <a:endParaRPr lang="en-US" sz="1600" dirty="0" smtClean="0">
-              <a:latin typeface="+mj-lt"/>
-            </a:endParaRPr>
-          </a:p>
-          <a:p>
-            <a:pPr marL="0" indent="0">
-              <a:buFontTx/>
-              <a:buChar char="-"/>
-            </a:pPr>
-            <a:r>
-              <a:rPr lang="en-US" sz="1600" dirty="0" smtClean="0">
-                <a:latin typeface="+mj-lt"/>
-                <a:cs typeface="Times New Roman" pitchFamily="18" charset="0"/>
-              </a:rPr>
-              <a:t> </a:t>
-            </a:r>
-            <a:r>
-              <a:rPr lang="en-US" sz="1600" dirty="0" err="1" smtClean="0">
-                <a:latin typeface="Times New Roman" pitchFamily="18" charset="0"/>
-                <a:cs typeface="Times New Roman" pitchFamily="18" charset="0"/>
-              </a:rPr>
-              <a:t>Thuật</a:t>
-            </a:r>
-            <a:r>
-              <a:rPr lang="en-US" sz="1600" dirty="0" smtClean="0">
-                <a:latin typeface="Times New Roman" pitchFamily="18" charset="0"/>
-                <a:cs typeface="Times New Roman" pitchFamily="18" charset="0"/>
-              </a:rPr>
-              <a:t> </a:t>
-            </a:r>
-            <a:r>
-              <a:rPr lang="en-US" sz="1600" dirty="0" err="1" smtClean="0">
-                <a:latin typeface="Times New Roman" pitchFamily="18" charset="0"/>
-                <a:cs typeface="Times New Roman" pitchFamily="18" charset="0"/>
-              </a:rPr>
-              <a:t>toán</a:t>
-            </a:r>
-            <a:r>
-              <a:rPr lang="en-US" sz="1600" dirty="0" smtClean="0">
-                <a:latin typeface="Times New Roman" pitchFamily="18" charset="0"/>
-                <a:cs typeface="Times New Roman" pitchFamily="18" charset="0"/>
-              </a:rPr>
-              <a:t> SSD (Single Shot </a:t>
-            </a:r>
-            <a:r>
-              <a:rPr lang="en-US" sz="1600" dirty="0" err="1" smtClean="0">
-                <a:latin typeface="Times New Roman" pitchFamily="18" charset="0"/>
-                <a:cs typeface="Times New Roman" pitchFamily="18" charset="0"/>
-              </a:rPr>
-              <a:t>MultiBox</a:t>
-            </a:r>
-            <a:r>
-              <a:rPr lang="en-US" sz="1600" dirty="0" smtClean="0">
-                <a:latin typeface="Times New Roman" pitchFamily="18" charset="0"/>
-                <a:cs typeface="Times New Roman" pitchFamily="18" charset="0"/>
-              </a:rPr>
-              <a:t> Detector) </a:t>
-            </a:r>
-            <a:r>
-              <a:rPr lang="en-US" sz="1600" dirty="0" err="1" smtClean="0">
-                <a:latin typeface="Times New Roman" pitchFamily="18" charset="0"/>
-                <a:cs typeface="Times New Roman" pitchFamily="18" charset="0"/>
-              </a:rPr>
-              <a:t>nhận</a:t>
-            </a:r>
-            <a:r>
-              <a:rPr lang="en-US" sz="1600" dirty="0" smtClean="0">
-                <a:latin typeface="Times New Roman" pitchFamily="18" charset="0"/>
-                <a:cs typeface="Times New Roman" pitchFamily="18" charset="0"/>
-              </a:rPr>
-              <a:t> </a:t>
-            </a:r>
-            <a:r>
-              <a:rPr lang="en-US" sz="1600" dirty="0" err="1" smtClean="0">
-                <a:latin typeface="Times New Roman" pitchFamily="18" charset="0"/>
-                <a:cs typeface="Times New Roman" pitchFamily="18" charset="0"/>
-              </a:rPr>
-              <a:t>diện</a:t>
-            </a:r>
-            <a:r>
-              <a:rPr lang="en-US" sz="1600" dirty="0" smtClean="0">
-                <a:latin typeface="Times New Roman" pitchFamily="18" charset="0"/>
-                <a:cs typeface="Times New Roman" pitchFamily="18" charset="0"/>
-              </a:rPr>
-              <a:t> </a:t>
-            </a:r>
-            <a:r>
-              <a:rPr lang="en-US" sz="1600" dirty="0" err="1" smtClean="0">
-                <a:latin typeface="Times New Roman" pitchFamily="18" charset="0"/>
-                <a:cs typeface="Times New Roman" pitchFamily="18" charset="0"/>
-              </a:rPr>
-              <a:t>khuôn</a:t>
-            </a:r>
-            <a:r>
-              <a:rPr lang="en-US" sz="1600" dirty="0" smtClean="0">
-                <a:latin typeface="Times New Roman" pitchFamily="18" charset="0"/>
-                <a:cs typeface="Times New Roman" pitchFamily="18" charset="0"/>
-              </a:rPr>
-              <a:t> </a:t>
-            </a:r>
-            <a:r>
-              <a:rPr lang="en-US" sz="1600" dirty="0" err="1" smtClean="0">
-                <a:latin typeface="Times New Roman" pitchFamily="18" charset="0"/>
-                <a:cs typeface="Times New Roman" pitchFamily="18" charset="0"/>
-              </a:rPr>
-              <a:t>mặt</a:t>
+                <a:latin typeface="Times New Roman" pitchFamily="18" charset="0"/>
+                <a:cs typeface="Times New Roman" pitchFamily="18" charset="0"/>
+              </a:rPr>
+              <a:t>Thư viện Tensorfow</a:t>
             </a:r>
             <a:endParaRPr lang="en-US" sz="1600" dirty="0" smtClean="0">
               <a:latin typeface="Times New Roman" pitchFamily="18" charset="0"/>
@@ -11031,25 +11288,171 @@
               <a:buChar char="-"/>
             </a:pPr>
             <a:r>
-              <a:rPr lang="en-US" sz="1600" smtClean="0">
-                <a:latin typeface="Times New Roman" pitchFamily="18" charset="0"/>
-                <a:cs typeface="Times New Roman" pitchFamily="18" charset="0"/>
-              </a:rPr>
-              <a:t> </a:t>
-            </a:r>
-            <a:r>
-              <a:rPr lang="en-US" sz="1600" smtClean="0">
-                <a:latin typeface="Times New Roman" pitchFamily="18" charset="0"/>
-                <a:cs typeface="Times New Roman" pitchFamily="18" charset="0"/>
-              </a:rPr>
-              <a:t>CNN </a:t>
-            </a:r>
-            <a:r>
               <a:rPr lang="en-US" sz="1600" dirty="0" smtClean="0">
                 <a:latin typeface="Times New Roman" pitchFamily="18" charset="0"/>
                 <a:cs typeface="Times New Roman" pitchFamily="18" charset="0"/>
               </a:rPr>
-              <a:t>(</a:t>
+              <a:t> </a:t>
+            </a:r>
+            <a:r>
+              <a:rPr lang="en-US" sz="1600" dirty="0" err="1" smtClean="0">
+                <a:latin typeface="Times New Roman" pitchFamily="18" charset="0"/>
+                <a:cs typeface="Times New Roman" pitchFamily="18" charset="0"/>
+              </a:rPr>
+              <a:t>Thư</a:t>
+            </a:r>
+            <a:r>
+              <a:rPr lang="en-US" sz="1600" dirty="0" smtClean="0">
+                <a:latin typeface="Times New Roman" pitchFamily="18" charset="0"/>
+                <a:cs typeface="Times New Roman" pitchFamily="18" charset="0"/>
+              </a:rPr>
+              <a:t> </a:t>
+            </a:r>
+            <a:r>
+              <a:rPr lang="en-US" sz="1600" dirty="0" err="1" smtClean="0">
+                <a:latin typeface="Times New Roman" pitchFamily="18" charset="0"/>
+                <a:cs typeface="Times New Roman" pitchFamily="18" charset="0"/>
+              </a:rPr>
+              <a:t>viện</a:t>
+            </a:r>
+            <a:r>
+              <a:rPr lang="en-US" sz="1600" dirty="0" smtClean="0">
+                <a:latin typeface="Times New Roman" pitchFamily="18" charset="0"/>
+                <a:cs typeface="Times New Roman" pitchFamily="18" charset="0"/>
+              </a:rPr>
+              <a:t> </a:t>
+            </a:r>
+            <a:r>
+              <a:rPr lang="vi-VN" sz="1600" dirty="0" smtClean="0">
+                <a:latin typeface="Times New Roman" pitchFamily="18" charset="0"/>
+                <a:cs typeface="Times New Roman" pitchFamily="18" charset="0"/>
+              </a:rPr>
+              <a:t>Keras</a:t>
+            </a:r>
+            <a:endParaRPr lang="en-US" sz="1600" dirty="0" smtClean="0">
+              <a:latin typeface="Times New Roman" pitchFamily="18" charset="0"/>
+              <a:cs typeface="Times New Roman" pitchFamily="18" charset="0"/>
+            </a:endParaRPr>
+          </a:p>
+          <a:p>
+            <a:pPr marL="0" indent="0">
+              <a:buFontTx/>
+              <a:buChar char="-"/>
+            </a:pPr>
+            <a:r>
+              <a:rPr lang="en-US" sz="1600" dirty="0" smtClean="0">
+                <a:latin typeface="Times New Roman" pitchFamily="18" charset="0"/>
+                <a:cs typeface="Times New Roman" pitchFamily="18" charset="0"/>
+              </a:rPr>
+              <a:t> </a:t>
+            </a:r>
+            <a:r>
+              <a:rPr lang="en-US" sz="1600" dirty="0" err="1" smtClean="0">
+                <a:latin typeface="Times New Roman" pitchFamily="18" charset="0"/>
+                <a:cs typeface="Times New Roman" pitchFamily="18" charset="0"/>
+              </a:rPr>
+              <a:t>Thuật</a:t>
+            </a:r>
+            <a:r>
+              <a:rPr lang="en-US" sz="1600" dirty="0" smtClean="0">
+                <a:latin typeface="Times New Roman" pitchFamily="18" charset="0"/>
+                <a:cs typeface="Times New Roman" pitchFamily="18" charset="0"/>
+              </a:rPr>
+              <a:t> </a:t>
+            </a:r>
+            <a:r>
+              <a:rPr lang="en-US" sz="1600" dirty="0" err="1" smtClean="0">
+                <a:latin typeface="Times New Roman" pitchFamily="18" charset="0"/>
+                <a:cs typeface="Times New Roman" pitchFamily="18" charset="0"/>
+              </a:rPr>
+              <a:t>toán</a:t>
+            </a:r>
+            <a:r>
+              <a:rPr lang="en-US" sz="1600" dirty="0" smtClean="0">
+                <a:latin typeface="Times New Roman" pitchFamily="18" charset="0"/>
+                <a:cs typeface="Times New Roman" pitchFamily="18" charset="0"/>
+              </a:rPr>
+              <a:t> SSD (Single Shot </a:t>
+            </a:r>
+            <a:r>
+              <a:rPr lang="en-US" sz="1600" dirty="0" err="1" smtClean="0">
+                <a:latin typeface="Times New Roman" pitchFamily="18" charset="0"/>
+                <a:cs typeface="Times New Roman" pitchFamily="18" charset="0"/>
+              </a:rPr>
+              <a:t>MultiBox</a:t>
+            </a:r>
+            <a:r>
+              <a:rPr lang="en-US" sz="1600" dirty="0" smtClean="0">
+                <a:latin typeface="Times New Roman" pitchFamily="18" charset="0"/>
+                <a:cs typeface="Times New Roman" pitchFamily="18" charset="0"/>
+              </a:rPr>
+              <a:t> Detector) </a:t>
+            </a:r>
+            <a:r>
+              <a:rPr lang="en-US" sz="1600" dirty="0" err="1" smtClean="0">
+                <a:latin typeface="Times New Roman" pitchFamily="18" charset="0"/>
+                <a:cs typeface="Times New Roman" pitchFamily="18" charset="0"/>
+              </a:rPr>
+              <a:t>nhận</a:t>
+            </a:r>
+            <a:r>
+              <a:rPr lang="en-US" sz="1600" dirty="0" smtClean="0">
+                <a:latin typeface="Times New Roman" pitchFamily="18" charset="0"/>
+                <a:cs typeface="Times New Roman" pitchFamily="18" charset="0"/>
+              </a:rPr>
+              <a:t> </a:t>
+            </a:r>
+            <a:r>
+              <a:rPr lang="en-US" sz="1600" dirty="0" err="1" smtClean="0">
+                <a:latin typeface="Times New Roman" pitchFamily="18" charset="0"/>
+                <a:cs typeface="Times New Roman" pitchFamily="18" charset="0"/>
+              </a:rPr>
+              <a:t>diện</a:t>
+            </a:r>
+            <a:r>
+              <a:rPr lang="en-US" sz="1600" dirty="0" smtClean="0">
+                <a:latin typeface="Times New Roman" pitchFamily="18" charset="0"/>
+                <a:cs typeface="Times New Roman" pitchFamily="18" charset="0"/>
+              </a:rPr>
+              <a:t> </a:t>
+            </a:r>
+            <a:r>
+              <a:rPr lang="en-US" sz="1600" dirty="0" err="1" smtClean="0">
+                <a:latin typeface="Times New Roman" pitchFamily="18" charset="0"/>
+                <a:cs typeface="Times New Roman" pitchFamily="18" charset="0"/>
+              </a:rPr>
+              <a:t>khuôn</a:t>
+            </a:r>
+            <a:r>
+              <a:rPr lang="en-US" sz="1600" dirty="0" smtClean="0">
+                <a:latin typeface="Times New Roman" pitchFamily="18" charset="0"/>
+                <a:cs typeface="Times New Roman" pitchFamily="18" charset="0"/>
+              </a:rPr>
+              <a:t> </a:t>
+            </a:r>
+            <a:r>
+              <a:rPr lang="en-US" sz="1600" dirty="0" err="1" smtClean="0">
+                <a:latin typeface="Times New Roman" pitchFamily="18" charset="0"/>
+                <a:cs typeface="Times New Roman" pitchFamily="18" charset="0"/>
+              </a:rPr>
+              <a:t>mặt</a:t>
+            </a:r>
+            <a:endParaRPr lang="en-US" sz="1600" dirty="0" smtClean="0">
+              <a:latin typeface="Times New Roman" pitchFamily="18" charset="0"/>
+              <a:cs typeface="Times New Roman" pitchFamily="18" charset="0"/>
+            </a:endParaRPr>
+          </a:p>
+          <a:p>
+            <a:pPr marL="0" indent="0">
+              <a:buFontTx/>
+              <a:buChar char="-"/>
+            </a:pPr>
+            <a:r>
+              <a:rPr lang="en-US" sz="1600" dirty="0" smtClean="0">
+                <a:latin typeface="Times New Roman" pitchFamily="18" charset="0"/>
+                <a:cs typeface="Times New Roman" pitchFamily="18" charset="0"/>
+              </a:rPr>
+              <a:t> CNN (</a:t>
             </a:r>
             <a:r>
               <a:rPr lang="en-US" sz="1600" dirty="0" err="1" smtClean="0">
@@ -11207,61 +11610,6 @@
           </a:ln>
         </p:spPr>
       </p:pic>
-      <p:pic>
-        <p:nvPicPr>
-          <p:cNvPr id="6" name="Picture 2"/>
-          <p:cNvPicPr>
-            <a:picLocks noChangeAspect="1" noChangeArrowheads="1"/>
-          </p:cNvPicPr>
-          <p:nvPr/>
-        </p:nvPicPr>
-        <p:blipFill>
-          <a:blip r:embed="rId4"/>
-          <a:srcRect/>
-          <a:stretch>
-            <a:fillRect/>
-          </a:stretch>
-        </p:blipFill>
-        <p:spPr bwMode="auto">
-          <a:xfrm>
-            <a:off x="152400" y="209550"/>
-            <a:ext cx="676275" cy="561975"/>
-          </a:xfrm>
-          <a:prstGeom prst="rect">
-            <a:avLst/>
-          </a:prstGeom>
-          <a:solidFill>
-            <a:srgbClr val="FFFFFF">
-              <a:shade val="85000"/>
-            </a:srgbClr>
-          </a:solidFill>
-          <a:ln w="88900" cap="sq">
-            <a:solidFill>
-              <a:srgbClr val="FFFFFF"/>
-            </a:solidFill>
-            <a:miter lim="800000"/>
-          </a:ln>
-          <a:effectLst>
-            <a:outerShdw blurRad="55000" dist="18000" dir="5400000" algn="tl" rotWithShape="0">
-              <a:srgbClr val="000000">
-                <a:alpha val="40000"/>
-              </a:srgbClr>
-            </a:outerShdw>
-          </a:effectLst>
-          <a:scene3d>
-            <a:camera prst="orthographicFront"/>
-            <a:lightRig rig="twoPt" dir="t">
-              <a:rot lat="0" lon="0" rev="7200000"/>
-            </a:lightRig>
-          </a:scene3d>
-          <a:sp3d>
-            <a:bevelT w="25400" h="19050"/>
-            <a:contourClr>
-              <a:srgbClr val="FFFFFF"/>
-            </a:contourClr>
-          </a:sp3d>
-        </p:spPr>
-      </p:pic>
       <p:sp>
         <p:nvSpPr>
           <p:cNvPr id="7" name="Oval 6"/>
@@ -11270,7 +11618,7 @@
         </p:nvSpPr>
         <p:spPr>
           <a:xfrm>
-            <a:off x="4953000" y="742950"/>
+            <a:off x="4800600" y="819150"/>
             <a:ext cx="1066800" cy="914400"/>
           </a:xfrm>
           <a:prstGeom prst="ellipse">
@@ -11302,7 +11650,23 @@
                   <a:schemeClr val="tx1"/>
                 </a:solidFill>
               </a:rPr>
-              <a:t>1916 mask</a:t>
+              <a:t>1916 </a:t>
+            </a:r>
+            <a:r>
+              <a:rPr lang="en-US" dirty="0" err="1" smtClean="0">
+                <a:solidFill>
+                  <a:schemeClr val="tx1"/>
+                </a:solidFill>
+              </a:rPr>
+              <a:t>có</a:t>
+            </a:r>
+            <a:r>
+              <a:rPr lang="en-US" dirty="0" smtClean="0">
+                <a:solidFill>
+                  <a:schemeClr val="tx1"/>
+                </a:solidFill>
+              </a:rPr>
+              <a:t> KT</a:t>
             </a:r>
             <a:endParaRPr lang="en-US" dirty="0">
               <a:solidFill>
@@ -11352,7 +11716,23 @@
                   <a:schemeClr val="tx1"/>
                 </a:solidFill>
               </a:rPr>
-              <a:t>1916 without mask</a:t>
+              <a:t>1919 </a:t>
+            </a:r>
+            <a:r>
+              <a:rPr lang="en-US" dirty="0" err="1" smtClean="0">
+                <a:solidFill>
+                  <a:schemeClr val="tx1"/>
+                </a:solidFill>
+              </a:rPr>
+              <a:t>không</a:t>
+            </a:r>
+            <a:r>
+              <a:rPr lang="en-US" dirty="0" smtClean="0">
+                <a:solidFill>
+                  <a:schemeClr val="tx1"/>
+                </a:solidFill>
+              </a:rPr>
+              <a:t> KT</a:t>
             </a:r>
             <a:endParaRPr lang="en-US" dirty="0">
               <a:solidFill>
@@ -11370,7 +11750,7 @@
         </p:nvSpPr>
         <p:spPr>
           <a:xfrm>
-            <a:off x="5410200" y="1581150"/>
+            <a:off x="5410200" y="1733550"/>
             <a:ext cx="1600200" cy="914400"/>
           </a:xfrm>
           <a:prstGeom prst="ellipse">
@@ -11417,6 +11797,13 @@
   <p:clrMapOvr>
     <a:masterClrMapping/>
   </p:clrMapOvr>
+  <p:timing>
+    <p:tnLst>
+      <p:par>
+        <p:cTn id="1" dur="indefinite" restart="never" nodeType="tmRoot"/>
+      </p:par>
+    </p:tnLst>
+  </p:timing>
 </p:sld>
 </file>
 
@@ -11449,7 +11836,7 @@
         </p:nvSpPr>
         <p:spPr>
           <a:xfrm>
-            <a:off x="838200" y="514350"/>
+            <a:off x="838200" y="438150"/>
             <a:ext cx="5175376" cy="857400"/>
           </a:xfrm>
         </p:spPr>
@@ -11465,7 +11852,7 @@
                 <a:latin typeface="Times New Roman" pitchFamily="18" charset="0"/>
                 <a:cs typeface="Times New Roman" pitchFamily="18" charset="0"/>
               </a:rPr>
-              <a:t>Client </a:t>
+              <a:t>2.2 Client </a:t>
             </a:r>
             <a:r>
               <a:rPr lang="en-US" dirty="0" err="1" smtClean="0">
@@ -11565,13 +11952,7 @@
               <a:rPr lang="vi-VN" sz="1600" dirty="0" smtClean="0">
                 <a:latin typeface="+mj-lt"/>
               </a:rPr>
-              <a:t>React.js là một thư viện Javascript đang nổi lên trong những năm gần đây với xu hướng Single Page Application. Trong khi những framework khác cố gắng hướng đến một mô hình MVC hoàn thiện thì React nổi bật với sự đơn giản và dễ dàng phối hợp với những thư viện Javascript khác</a:t>
-            </a:r>
-            <a:r>
-              <a:rPr lang="vi-VN" sz="1600" b="1" dirty="0" smtClean="0">
-                <a:latin typeface="+mj-lt"/>
-              </a:rPr>
-              <a:t>.</a:t>
+              <a:t>React.js</a:t>
             </a:r>
             <a:endParaRPr lang="en-US" sz="1600" b="1" dirty="0" smtClean="0">
               <a:latin typeface="+mj-lt"/>
@@ -11627,7 +12008,7 @@
               <a:rPr lang="vi-VN" sz="1600" dirty="0" smtClean="0">
                 <a:latin typeface="+mj-lt"/>
               </a:rPr>
-              <a:t>Material UI là một thư viện gồm tập hợp các react component được Google viết cho reactJS theo phong cách của Material design.</a:t>
+              <a:t>Material UI</a:t>
             </a:r>
             <a:endParaRPr lang="en-US" sz="1600" dirty="0" smtClean="0">
               <a:latin typeface="+mj-lt"/>
@@ -11735,67 +12116,12 @@
         </p:blipFill>
         <p:spPr>
           <a:xfrm>
-            <a:off x="2514600" y="1200150"/>
-            <a:ext cx="3048000" cy="1600200"/>
+            <a:off x="2819400" y="1200150"/>
+            <a:ext cx="3048000" cy="1447800"/>
           </a:xfrm>
           <a:prstGeom prst="rect">
             <a:avLst/>
           </a:prstGeom>
-        </p:spPr>
-      </p:pic>
-      <p:pic>
-        <p:nvPicPr>
-          <p:cNvPr id="7" name="Picture 2"/>
-          <p:cNvPicPr>
-            <a:picLocks noChangeAspect="1" noChangeArrowheads="1"/>
-          </p:cNvPicPr>
-          <p:nvPr/>
-        </p:nvPicPr>
-        <p:blipFill>
-          <a:blip r:embed="rId5"/>
-          <a:srcRect/>
-          <a:stretch>
-            <a:fillRect/>
-          </a:stretch>
-        </p:blipFill>
-        <p:spPr bwMode="auto">
-          <a:xfrm>
-            <a:off x="152400" y="209550"/>
-            <a:ext cx="676275" cy="561975"/>
-          </a:xfrm>
-          <a:prstGeom prst="rect">
-            <a:avLst/>
-          </a:prstGeom>
-          <a:solidFill>
-            <a:srgbClr val="FFFFFF">
-              <a:shade val="85000"/>
-            </a:srgbClr>
-          </a:solidFill>
-          <a:ln w="88900" cap="sq">
-            <a:solidFill>
-              <a:srgbClr val="FFFFFF"/>
-            </a:solidFill>
-            <a:miter lim="800000"/>
-          </a:ln>
-          <a:effectLst>
-            <a:outerShdw blurRad="55000" dist="18000" dir="5400000" algn="tl" rotWithShape="0">
-              <a:srgbClr val="000000">
-                <a:alpha val="40000"/>
-              </a:srgbClr>
-            </a:outerShdw>
-          </a:effectLst>
-          <a:scene3d>
-            <a:camera prst="orthographicFront"/>
-            <a:lightRig rig="twoPt" dir="t">
-              <a:rot lat="0" lon="0" rev="7200000"/>
-            </a:lightRig>
-          </a:scene3d>
-          <a:sp3d>
-            <a:bevelT w="25400" h="19050"/>
-            <a:contourClr>
-              <a:srgbClr val="FFFFFF"/>
-            </a:contourClr>
-          </a:sp3d>
         </p:spPr>
       </p:pic>
     </p:spTree>
@@ -11803,6 +12129,13 @@
   <p:clrMapOvr>
     <a:masterClrMapping/>
   </p:clrMapOvr>
+  <p:timing>
+    <p:tnLst>
+      <p:par>
+        <p:cTn id="1" dur="indefinite" restart="never" nodeType="tmRoot"/>
+      </p:par>
+    </p:tnLst>
+  </p:timing>
 </p:sld>
 </file>
 
@@ -11835,7 +12168,7 @@
         </p:nvSpPr>
         <p:spPr>
           <a:xfrm>
-            <a:off x="844424" y="422500"/>
+            <a:off x="838200" y="438150"/>
             <a:ext cx="5099176" cy="857400"/>
           </a:xfrm>
         </p:spPr>
@@ -11851,7 +12184,7 @@
                 <a:latin typeface="Times New Roman" pitchFamily="18" charset="0"/>
                 <a:cs typeface="Times New Roman" pitchFamily="18" charset="0"/>
               </a:rPr>
-              <a:t>Server </a:t>
+              <a:t>2.3 Server </a:t>
             </a:r>
             <a:r>
               <a:rPr lang="en-US" dirty="0" err="1" smtClean="0">
@@ -11941,27 +12274,7 @@
                 <a:latin typeface="Times New Roman" pitchFamily="18" charset="0"/>
                 <a:cs typeface="Times New Roman" pitchFamily="18" charset="0"/>
               </a:rPr>
-              <a:t>kết</a:t>
-            </a:r>
-            <a:r>
-              <a:rPr lang="en-US" dirty="0" smtClean="0">
-                <a:solidFill>
-                  <a:schemeClr val="accent1"/>
-                </a:solidFill>
-                <a:latin typeface="Times New Roman" pitchFamily="18" charset="0"/>
-                <a:cs typeface="Times New Roman" pitchFamily="18" charset="0"/>
-              </a:rPr>
-              <a:t> </a:t>
-            </a:r>
-            <a:r>
-              <a:rPr lang="en-US" dirty="0" err="1" smtClean="0">
-                <a:solidFill>
-                  <a:schemeClr val="accent1"/>
-                </a:solidFill>
-                <a:latin typeface="Times New Roman" pitchFamily="18" charset="0"/>
-                <a:cs typeface="Times New Roman" pitchFamily="18" charset="0"/>
-              </a:rPr>
-              <a:t>nối</a:t>
+              <a:t>khác</a:t>
             </a:r>
             <a:endParaRPr lang="en-US" dirty="0">
               <a:solidFill>
@@ -11997,10 +12310,164 @@
               <a:rPr lang="vi-VN" sz="1600" dirty="0" smtClean="0">
                 <a:latin typeface="+mj-lt"/>
               </a:rPr>
-              <a:t>Flask là một web frameworks, nó thuộc loại micro-framework được xây dựng bằng ngôn ngữ lập trình Python. Flask cho phép bạn xây dựng các ứng dụng web từ đơn giản tới phức tạp. </a:t>
+              <a:t>Flask</a:t>
+            </a:r>
+            <a:r>
+              <a:rPr lang="en-US" sz="1600" dirty="0" smtClean="0">
+                <a:latin typeface="+mj-lt"/>
+              </a:rPr>
+              <a:t> </a:t>
+            </a:r>
+            <a:r>
+              <a:rPr lang="en-US" sz="1600" dirty="0" err="1" smtClean="0">
+                <a:latin typeface="Times New Roman" pitchFamily="18" charset="0"/>
+                <a:cs typeface="Times New Roman" pitchFamily="18" charset="0"/>
+              </a:rPr>
+              <a:t>lắng</a:t>
+            </a:r>
+            <a:r>
+              <a:rPr lang="en-US" sz="1600" dirty="0" smtClean="0">
+                <a:latin typeface="Times New Roman" pitchFamily="18" charset="0"/>
+                <a:cs typeface="Times New Roman" pitchFamily="18" charset="0"/>
+              </a:rPr>
+              <a:t> </a:t>
+            </a:r>
+            <a:r>
+              <a:rPr lang="en-US" sz="1600" dirty="0" err="1" smtClean="0">
+                <a:latin typeface="Times New Roman" pitchFamily="18" charset="0"/>
+                <a:cs typeface="Times New Roman" pitchFamily="18" charset="0"/>
+              </a:rPr>
+              <a:t>nghe</a:t>
+            </a:r>
+            <a:r>
+              <a:rPr lang="en-US" sz="1600" dirty="0" smtClean="0">
+                <a:latin typeface="Times New Roman" pitchFamily="18" charset="0"/>
+                <a:cs typeface="Times New Roman" pitchFamily="18" charset="0"/>
+              </a:rPr>
+              <a:t> </a:t>
+            </a:r>
+            <a:r>
+              <a:rPr lang="en-US" sz="1600" dirty="0" err="1" smtClean="0">
+                <a:latin typeface="Times New Roman" pitchFamily="18" charset="0"/>
+                <a:cs typeface="Times New Roman" pitchFamily="18" charset="0"/>
+              </a:rPr>
+              <a:t>yêu</a:t>
+            </a:r>
+            <a:r>
+              <a:rPr lang="en-US" sz="1600" dirty="0" smtClean="0">
+                <a:latin typeface="Times New Roman" pitchFamily="18" charset="0"/>
+                <a:cs typeface="Times New Roman" pitchFamily="18" charset="0"/>
+              </a:rPr>
+              <a:t> </a:t>
+            </a:r>
+            <a:r>
+              <a:rPr lang="en-US" sz="1600" dirty="0" err="1" smtClean="0">
+                <a:latin typeface="Times New Roman" pitchFamily="18" charset="0"/>
+                <a:cs typeface="Times New Roman" pitchFamily="18" charset="0"/>
+              </a:rPr>
+              <a:t>cầu</a:t>
+            </a:r>
+            <a:r>
+              <a:rPr lang="en-US" sz="1600" dirty="0" smtClean="0">
+                <a:latin typeface="Times New Roman" pitchFamily="18" charset="0"/>
+                <a:cs typeface="Times New Roman" pitchFamily="18" charset="0"/>
+              </a:rPr>
+              <a:t> , </a:t>
+            </a:r>
+            <a:r>
+              <a:rPr lang="en-US" sz="1600" dirty="0" err="1" smtClean="0">
+                <a:latin typeface="Times New Roman" pitchFamily="18" charset="0"/>
+                <a:cs typeface="Times New Roman" pitchFamily="18" charset="0"/>
+              </a:rPr>
+              <a:t>xử</a:t>
+            </a:r>
+            <a:r>
+              <a:rPr lang="en-US" sz="1600" dirty="0" smtClean="0">
+                <a:latin typeface="Times New Roman" pitchFamily="18" charset="0"/>
+                <a:cs typeface="Times New Roman" pitchFamily="18" charset="0"/>
+              </a:rPr>
+              <a:t> </a:t>
+            </a:r>
+            <a:r>
+              <a:rPr lang="en-US" sz="1600" dirty="0" err="1" smtClean="0">
+                <a:latin typeface="Times New Roman" pitchFamily="18" charset="0"/>
+                <a:cs typeface="Times New Roman" pitchFamily="18" charset="0"/>
+              </a:rPr>
+              <a:t>lý</a:t>
+            </a:r>
+            <a:r>
+              <a:rPr lang="en-US" sz="1600" dirty="0" smtClean="0">
+                <a:latin typeface="Times New Roman" pitchFamily="18" charset="0"/>
+                <a:cs typeface="Times New Roman" pitchFamily="18" charset="0"/>
+              </a:rPr>
+              <a:t> </a:t>
+            </a:r>
+            <a:r>
+              <a:rPr lang="en-US" sz="1600" dirty="0" err="1" smtClean="0">
+                <a:latin typeface="Times New Roman" pitchFamily="18" charset="0"/>
+                <a:cs typeface="Times New Roman" pitchFamily="18" charset="0"/>
+              </a:rPr>
+              <a:t>và</a:t>
+            </a:r>
+            <a:r>
+              <a:rPr lang="en-US" sz="1600" dirty="0" smtClean="0">
+                <a:latin typeface="Times New Roman" pitchFamily="18" charset="0"/>
+                <a:cs typeface="Times New Roman" pitchFamily="18" charset="0"/>
+              </a:rPr>
+              <a:t> </a:t>
+            </a:r>
+            <a:r>
+              <a:rPr lang="en-US" sz="1600" dirty="0" err="1" smtClean="0">
+                <a:latin typeface="Times New Roman" pitchFamily="18" charset="0"/>
+                <a:cs typeface="Times New Roman" pitchFamily="18" charset="0"/>
+              </a:rPr>
+              <a:t>trả</a:t>
+            </a:r>
+            <a:r>
+              <a:rPr lang="en-US" sz="1600" dirty="0" smtClean="0">
+                <a:latin typeface="Times New Roman" pitchFamily="18" charset="0"/>
+                <a:cs typeface="Times New Roman" pitchFamily="18" charset="0"/>
+              </a:rPr>
+              <a:t> </a:t>
+            </a:r>
+            <a:r>
+              <a:rPr lang="en-US" sz="1600" dirty="0" err="1" smtClean="0">
+                <a:latin typeface="Times New Roman" pitchFamily="18" charset="0"/>
+                <a:cs typeface="Times New Roman" pitchFamily="18" charset="0"/>
+              </a:rPr>
+              <a:t>kết</a:t>
+            </a:r>
+            <a:r>
+              <a:rPr lang="en-US" sz="1600" dirty="0" smtClean="0">
+                <a:latin typeface="Times New Roman" pitchFamily="18" charset="0"/>
+                <a:cs typeface="Times New Roman" pitchFamily="18" charset="0"/>
+              </a:rPr>
+              <a:t> </a:t>
+            </a:r>
+            <a:r>
+              <a:rPr lang="en-US" sz="1600" dirty="0" err="1" smtClean="0">
+                <a:latin typeface="Times New Roman" pitchFamily="18" charset="0"/>
+                <a:cs typeface="Times New Roman" pitchFamily="18" charset="0"/>
+              </a:rPr>
+              <a:t>quả</a:t>
+            </a:r>
+            <a:r>
+              <a:rPr lang="en-US" sz="1600" dirty="0" smtClean="0">
+                <a:latin typeface="Times New Roman" pitchFamily="18" charset="0"/>
+                <a:cs typeface="Times New Roman" pitchFamily="18" charset="0"/>
+              </a:rPr>
+              <a:t> </a:t>
+            </a:r>
+            <a:r>
+              <a:rPr lang="en-US" sz="1600" dirty="0" err="1" smtClean="0">
+                <a:latin typeface="Times New Roman" pitchFamily="18" charset="0"/>
+                <a:cs typeface="Times New Roman" pitchFamily="18" charset="0"/>
+              </a:rPr>
+              <a:t>về</a:t>
             </a:r>
             <a:endParaRPr lang="en-US" sz="1600" dirty="0" smtClean="0">
-              <a:latin typeface="+mj-lt"/>
+              <a:latin typeface="Times New Roman" pitchFamily="18" charset="0"/>
+              <a:cs typeface="Times New Roman" pitchFamily="18" charset="0"/>
             </a:endParaRPr>
           </a:p>
           <a:p>
@@ -12008,36 +12475,162 @@
               <a:rPr lang="vi-VN" sz="1600" dirty="0" smtClean="0">
                 <a:latin typeface="+mj-lt"/>
               </a:rPr>
-              <a:t>SQLite là một thư viện phần mềm mà triển khai một SQL Database Engine, không cần máy chủ, khô</a:t>
+              <a:t>SQLite</a:t>
             </a:r>
             <a:r>
               <a:rPr lang="en-US" sz="1600" dirty="0" smtClean="0">
                 <a:latin typeface="+mj-lt"/>
               </a:rPr>
-              <a:t>n</a:t>
+              <a:t> </a:t>
+            </a:r>
+            <a:r>
+              <a:rPr lang="en-US" sz="1600" dirty="0" err="1" smtClean="0">
+                <a:latin typeface="+mj-lt"/>
+              </a:rPr>
+              <a:t>l</a:t>
+            </a:r>
+            <a:r>
+              <a:rPr lang="en-US" sz="1600" dirty="0" err="1" smtClean="0">
+                <a:latin typeface="Times New Roman" pitchFamily="18" charset="0"/>
+                <a:cs typeface="Times New Roman" pitchFamily="18" charset="0"/>
+              </a:rPr>
+              <a:t>ưu</a:t>
+            </a:r>
+            <a:r>
+              <a:rPr lang="en-US" sz="1600" dirty="0" smtClean="0">
+                <a:latin typeface="Times New Roman" pitchFamily="18" charset="0"/>
+                <a:cs typeface="Times New Roman" pitchFamily="18" charset="0"/>
+              </a:rPr>
+              <a:t> </a:t>
+            </a:r>
+            <a:r>
+              <a:rPr lang="en-US" sz="1600" dirty="0" err="1" smtClean="0">
+                <a:latin typeface="Times New Roman" pitchFamily="18" charset="0"/>
+                <a:cs typeface="Times New Roman" pitchFamily="18" charset="0"/>
+              </a:rPr>
+              <a:t>trữ</a:t>
+            </a:r>
+            <a:r>
+              <a:rPr lang="en-US" sz="1600" dirty="0" smtClean="0">
+                <a:latin typeface="Times New Roman" pitchFamily="18" charset="0"/>
+                <a:cs typeface="Times New Roman" pitchFamily="18" charset="0"/>
+              </a:rPr>
+              <a:t> </a:t>
+            </a:r>
+            <a:r>
+              <a:rPr lang="en-US" sz="1600" dirty="0" err="1" smtClean="0">
+                <a:latin typeface="Times New Roman" pitchFamily="18" charset="0"/>
+                <a:cs typeface="Times New Roman" pitchFamily="18" charset="0"/>
+              </a:rPr>
+              <a:t>thông</a:t>
+            </a:r>
+            <a:r>
+              <a:rPr lang="en-US" sz="1600" dirty="0" smtClean="0">
+                <a:latin typeface="Times New Roman" pitchFamily="18" charset="0"/>
+                <a:cs typeface="Times New Roman" pitchFamily="18" charset="0"/>
+              </a:rPr>
+              <a:t> tin </a:t>
+            </a:r>
+            <a:r>
+              <a:rPr lang="en-US" sz="1600" dirty="0" err="1" smtClean="0">
+                <a:latin typeface="Times New Roman" pitchFamily="18" charset="0"/>
+                <a:cs typeface="Times New Roman" pitchFamily="18" charset="0"/>
+              </a:rPr>
+              <a:t>người</a:t>
+            </a:r>
+            <a:r>
+              <a:rPr lang="en-US" sz="1600" dirty="0" smtClean="0">
+                <a:latin typeface="Times New Roman" pitchFamily="18" charset="0"/>
+                <a:cs typeface="Times New Roman" pitchFamily="18" charset="0"/>
+              </a:rPr>
+              <a:t> </a:t>
+            </a:r>
+            <a:r>
+              <a:rPr lang="en-US" sz="1600" dirty="0" err="1" smtClean="0">
+                <a:latin typeface="Times New Roman" pitchFamily="18" charset="0"/>
+                <a:cs typeface="Times New Roman" pitchFamily="18" charset="0"/>
+              </a:rPr>
+              <a:t>dùng</a:t>
             </a:r>
             <a:r>
               <a:rPr lang="vi-VN" sz="1600" dirty="0" smtClean="0">
-                <a:latin typeface="+mj-lt"/>
-              </a:rPr>
-              <a:t>g cần cấu hình, khép kín và nhỏ gọn. </a:t>
+                <a:latin typeface="Times New Roman" pitchFamily="18" charset="0"/>
+                <a:cs typeface="Times New Roman" pitchFamily="18" charset="0"/>
+              </a:rPr>
+              <a:t> </a:t>
             </a:r>
             <a:endParaRPr lang="en-US" sz="1600" dirty="0" smtClean="0">
-              <a:latin typeface="+mj-lt"/>
+              <a:latin typeface="Times New Roman" pitchFamily="18" charset="0"/>
+              <a:cs typeface="Times New Roman" pitchFamily="18" charset="0"/>
             </a:endParaRPr>
           </a:p>
           <a:p>
             <a:r>
-              <a:rPr lang="vi-VN" sz="1600" dirty="0" smtClean="0">
-                <a:latin typeface="+mj-lt"/>
-              </a:rPr>
-              <a:t>Phần cứng Arduino (các board mạch vi xử lý) được sinh ra tại thị trấn Ivrea ở Ý, nhằm xây dựng các ứng dụng tương tác với nhau hoặc với môi trường được thuận lợi hơn.</a:t>
-            </a:r>
-            <a:endParaRPr lang="en-US" sz="1600" dirty="0">
-              <a:solidFill>
-                <a:schemeClr val="tx1"/>
-              </a:solidFill>
-              <a:latin typeface="+mj-lt"/>
+              <a:rPr lang="en-US" sz="1600" dirty="0" err="1" smtClean="0">
+                <a:latin typeface="Times New Roman" pitchFamily="18" charset="0"/>
+                <a:cs typeface="Times New Roman" pitchFamily="18" charset="0"/>
+              </a:rPr>
+              <a:t>Arduino</a:t>
+            </a:r>
+            <a:r>
+              <a:rPr lang="en-US" sz="1600" dirty="0" smtClean="0">
+                <a:latin typeface="Times New Roman" pitchFamily="18" charset="0"/>
+                <a:cs typeface="Times New Roman" pitchFamily="18" charset="0"/>
+              </a:rPr>
+              <a:t> </a:t>
+            </a:r>
+            <a:r>
+              <a:rPr lang="en-US" sz="1600" dirty="0" err="1" smtClean="0">
+                <a:latin typeface="Times New Roman" pitchFamily="18" charset="0"/>
+                <a:cs typeface="Times New Roman" pitchFamily="18" charset="0"/>
+              </a:rPr>
+              <a:t>điều</a:t>
+            </a:r>
+            <a:r>
+              <a:rPr lang="en-US" sz="1600" dirty="0" smtClean="0">
+                <a:latin typeface="Times New Roman" pitchFamily="18" charset="0"/>
+                <a:cs typeface="Times New Roman" pitchFamily="18" charset="0"/>
+              </a:rPr>
+              <a:t> </a:t>
+            </a:r>
+            <a:r>
+              <a:rPr lang="en-US" sz="1600" dirty="0" err="1" smtClean="0">
+                <a:latin typeface="Times New Roman" pitchFamily="18" charset="0"/>
+                <a:cs typeface="Times New Roman" pitchFamily="18" charset="0"/>
+              </a:rPr>
+              <a:t>khiển</a:t>
+            </a:r>
+            <a:r>
+              <a:rPr lang="en-US" sz="1600" dirty="0" smtClean="0">
+                <a:latin typeface="Times New Roman" pitchFamily="18" charset="0"/>
+                <a:cs typeface="Times New Roman" pitchFamily="18" charset="0"/>
+              </a:rPr>
+              <a:t> module </a:t>
+            </a:r>
+            <a:r>
+              <a:rPr lang="en-US" sz="1600" dirty="0" err="1" smtClean="0">
+                <a:latin typeface="Times New Roman" pitchFamily="18" charset="0"/>
+                <a:cs typeface="Times New Roman" pitchFamily="18" charset="0"/>
+              </a:rPr>
+              <a:t>mở</a:t>
+            </a:r>
+            <a:r>
+              <a:rPr lang="en-US" sz="1600" dirty="0" smtClean="0">
+                <a:latin typeface="Times New Roman" pitchFamily="18" charset="0"/>
+                <a:cs typeface="Times New Roman" pitchFamily="18" charset="0"/>
+              </a:rPr>
+              <a:t> </a:t>
+            </a:r>
+            <a:r>
+              <a:rPr lang="en-US" sz="1600" dirty="0" err="1" smtClean="0">
+                <a:latin typeface="Times New Roman" pitchFamily="18" charset="0"/>
+                <a:cs typeface="Times New Roman" pitchFamily="18" charset="0"/>
+              </a:rPr>
+              <a:t>cửa</a:t>
+            </a:r>
+            <a:endParaRPr lang="vi-VN" sz="1600" dirty="0" smtClean="0">
+              <a:latin typeface="Times New Roman" pitchFamily="18" charset="0"/>
+              <a:cs typeface="Times New Roman" pitchFamily="18" charset="0"/>
             </a:endParaRPr>
           </a:p>
         </p:txBody>
@@ -12132,7 +12725,7 @@
         </p:blipFill>
         <p:spPr bwMode="auto">
           <a:xfrm>
-            <a:off x="3733800" y="971550"/>
+            <a:off x="4038600" y="895350"/>
             <a:ext cx="1981200" cy="1295400"/>
           </a:xfrm>
           <a:prstGeom prst="rect">
@@ -12164,8 +12757,8 @@
         </p:blipFill>
         <p:spPr bwMode="auto">
           <a:xfrm>
-            <a:off x="6019800" y="971550"/>
-            <a:ext cx="2886075" cy="1509713"/>
+            <a:off x="6477000" y="895350"/>
+            <a:ext cx="2209800" cy="1371600"/>
           </a:xfrm>
           <a:prstGeom prst="rect">
             <a:avLst/>
@@ -12179,66 +12772,18 @@
           </a:ln>
         </p:spPr>
       </p:pic>
-      <p:pic>
-        <p:nvPicPr>
-          <p:cNvPr id="8" name="Picture 2"/>
-          <p:cNvPicPr>
-            <a:picLocks noChangeAspect="1" noChangeArrowheads="1"/>
-          </p:cNvPicPr>
-          <p:nvPr/>
-        </p:nvPicPr>
-        <p:blipFill>
-          <a:blip r:embed="rId5"/>
-          <a:srcRect/>
-          <a:stretch>
-            <a:fillRect/>
-          </a:stretch>
-        </p:blipFill>
-        <p:spPr bwMode="auto">
-          <a:xfrm>
-            <a:off x="152400" y="209550"/>
-            <a:ext cx="676275" cy="561975"/>
-          </a:xfrm>
-          <a:prstGeom prst="rect">
-            <a:avLst/>
-          </a:prstGeom>
-          <a:solidFill>
-            <a:srgbClr val="FFFFFF">
-              <a:shade val="85000"/>
-            </a:srgbClr>
-          </a:solidFill>
-          <a:ln w="88900" cap="sq">
-            <a:solidFill>
-              <a:srgbClr val="FFFFFF"/>
-            </a:solidFill>
-            <a:miter lim="800000"/>
-          </a:ln>
-          <a:effectLst>
-            <a:outerShdw blurRad="55000" dist="18000" dir="5400000" algn="tl" rotWithShape="0">
-              <a:srgbClr val="000000">
-                <a:alpha val="40000"/>
-              </a:srgbClr>
-            </a:outerShdw>
-          </a:effectLst>
-          <a:scene3d>
-            <a:camera prst="orthographicFront"/>
-            <a:lightRig rig="twoPt" dir="t">
-              <a:rot lat="0" lon="0" rev="7200000"/>
-            </a:lightRig>
-          </a:scene3d>
-          <a:sp3d>
-            <a:bevelT w="25400" h="19050"/>
-            <a:contourClr>
-              <a:srgbClr val="FFFFFF"/>
-            </a:contourClr>
-          </a:sp3d>
-        </p:spPr>
-      </p:pic>
     </p:spTree>
   </p:cSld>
   <p:clrMapOvr>
     <a:masterClrMapping/>
   </p:clrMapOvr>
+  <p:timing>
+    <p:tnLst>
+      <p:par>
+        <p:cTn id="1" dur="indefinite" restart="never" nodeType="tmRoot"/>
+      </p:par>
+    </p:tnLst>
+  </p:timing>
 </p:sld>
 </file>
 
@@ -12274,6 +12819,16 @@
           <a:bodyPr/>
           <a:lstStyle/>
           <a:p>
+            <a:r>
+              <a:rPr lang="en-US" dirty="0" smtClean="0">
+                <a:solidFill>
+                  <a:srgbClr val="FF0000"/>
+                </a:solidFill>
+                <a:latin typeface="Times New Roman" pitchFamily="18" charset="0"/>
+                <a:cs typeface="Times New Roman" pitchFamily="18" charset="0"/>
+              </a:rPr>
+              <a:t>2.4  </a:t>
+            </a:r>
             <a:r>
               <a:rPr lang="en-US" dirty="0" err="1" smtClean="0">
                 <a:solidFill>
@@ -12453,7 +13008,7 @@
         </p:nvSpPr>
         <p:spPr>
           <a:xfrm>
-            <a:off x="3200400" y="1885950"/>
+            <a:off x="3200400" y="2114550"/>
             <a:ext cx="1371600" cy="914400"/>
           </a:xfrm>
           <a:prstGeom prst="rect">
@@ -12514,8 +13069,8 @@
         </p:nvCxnSpPr>
         <p:spPr>
           <a:xfrm flipV="1">
-            <a:off x="1828800" y="2343150"/>
-            <a:ext cx="1371600" cy="590550"/>
+            <a:off x="1828800" y="2571750"/>
+            <a:ext cx="1371600" cy="361950"/>
           </a:xfrm>
           <a:prstGeom prst="straightConnector1">
             <a:avLst/>
@@ -12635,7 +13190,7 @@
         </p:nvSpPr>
         <p:spPr>
           <a:xfrm>
-            <a:off x="4572000" y="514350"/>
+            <a:off x="4953000" y="742950"/>
             <a:ext cx="1188378" cy="1066800"/>
           </a:xfrm>
           <a:prstGeom prst="ellipse">
@@ -12691,7 +13246,7 @@
         </p:nvSpPr>
         <p:spPr>
           <a:xfrm>
-            <a:off x="3962400" y="3790950"/>
+            <a:off x="5562600" y="3638550"/>
             <a:ext cx="1066800" cy="990600"/>
           </a:xfrm>
           <a:prstGeom prst="ellipse">
@@ -12750,8 +13305,8 @@
         </p:nvCxnSpPr>
         <p:spPr>
           <a:xfrm flipV="1">
-            <a:off x="3886200" y="1047750"/>
-            <a:ext cx="685800" cy="838200"/>
+            <a:off x="3886200" y="1276350"/>
+            <a:ext cx="1066800" cy="838200"/>
           </a:xfrm>
           <a:prstGeom prst="straightConnector1">
             <a:avLst/>
@@ -12841,9 +13396,9 @@
           <p:nvPr/>
         </p:nvCxnSpPr>
         <p:spPr>
-          <a:xfrm>
+          <a:xfrm flipV="1">
             <a:off x="4572000" y="2343150"/>
-            <a:ext cx="1447800" cy="0"/>
+            <a:ext cx="1447800" cy="228600"/>
           </a:xfrm>
           <a:prstGeom prst="straightConnector1">
             <a:avLst/>
@@ -12879,7 +13434,7 @@
         <p:spPr>
           <a:xfrm flipH="1">
             <a:off x="4572000" y="2343150"/>
-            <a:ext cx="1447800" cy="0"/>
+            <a:ext cx="1447800" cy="228600"/>
           </a:xfrm>
           <a:prstGeom prst="straightConnector1">
             <a:avLst/>
@@ -12914,8 +13469,8 @@
         </p:nvCxnSpPr>
         <p:spPr>
           <a:xfrm flipH="1">
-            <a:off x="1828800" y="2343150"/>
-            <a:ext cx="1371600" cy="590550"/>
+            <a:off x="1828800" y="2571750"/>
+            <a:ext cx="1371600" cy="361950"/>
           </a:xfrm>
           <a:prstGeom prst="straightConnector1">
             <a:avLst/>
@@ -12950,8 +13505,8 @@
         </p:nvCxnSpPr>
         <p:spPr>
           <a:xfrm flipH="1" flipV="1">
-            <a:off x="3886200" y="2800350"/>
-            <a:ext cx="609600" cy="990600"/>
+            <a:off x="3886200" y="3028950"/>
+            <a:ext cx="2209800" cy="609600"/>
           </a:xfrm>
           <a:prstGeom prst="straightConnector1">
             <a:avLst/>
@@ -12983,7 +13538,7 @@
         </p:nvSpPr>
         <p:spPr>
           <a:xfrm flipH="1">
-            <a:off x="3657600" y="1123950"/>
+            <a:off x="3733800" y="1352550"/>
             <a:ext cx="716282" cy="307777"/>
           </a:xfrm>
           <a:prstGeom prst="rect">
@@ -13067,7 +13622,7 @@
         </p:nvSpPr>
         <p:spPr>
           <a:xfrm>
-            <a:off x="4953000" y="2343150"/>
+            <a:off x="5029200" y="2495550"/>
             <a:ext cx="692818" cy="307777"/>
           </a:xfrm>
           <a:prstGeom prst="rect">
@@ -13112,8 +13667,8 @@
         </p:nvCxnSpPr>
         <p:spPr>
           <a:xfrm>
-            <a:off x="3886200" y="2800350"/>
-            <a:ext cx="609600" cy="990600"/>
+            <a:off x="3886200" y="3028950"/>
+            <a:ext cx="2209800" cy="609600"/>
           </a:xfrm>
           <a:prstGeom prst="straightConnector1">
             <a:avLst/>
@@ -13145,7 +13700,7 @@
         </p:nvSpPr>
         <p:spPr>
           <a:xfrm>
-            <a:off x="4114800" y="3028950"/>
+            <a:off x="4800600" y="3028950"/>
             <a:ext cx="1072730" cy="307777"/>
           </a:xfrm>
           <a:prstGeom prst="rect">
@@ -13187,7 +13742,7 @@
         </p:nvSpPr>
         <p:spPr>
           <a:xfrm>
-            <a:off x="3505200" y="3257550"/>
+            <a:off x="3886200" y="3181350"/>
             <a:ext cx="662361" cy="307777"/>
           </a:xfrm>
           <a:prstGeom prst="rect">
@@ -13221,66 +13776,18 @@
           </a:p>
         </p:txBody>
       </p:sp>
-      <p:pic>
-        <p:nvPicPr>
-          <p:cNvPr id="23" name="Picture 2"/>
-          <p:cNvPicPr>
-            <a:picLocks noChangeAspect="1" noChangeArrowheads="1"/>
-          </p:cNvPicPr>
-          <p:nvPr/>
-        </p:nvPicPr>
-        <p:blipFill>
-          <a:blip r:embed="rId2"/>
-          <a:srcRect/>
-          <a:stretch>
-            <a:fillRect/>
-          </a:stretch>
-        </p:blipFill>
-        <p:spPr bwMode="auto">
-          <a:xfrm>
-            <a:off x="152400" y="209550"/>
-            <a:ext cx="676275" cy="561975"/>
-          </a:xfrm>
-          <a:prstGeom prst="rect">
-            <a:avLst/>
-          </a:prstGeom>
-          <a:solidFill>
-            <a:srgbClr val="FFFFFF">
-              <a:shade val="85000"/>
-            </a:srgbClr>
-          </a:solidFill>
-          <a:ln w="88900" cap="sq">
-            <a:solidFill>
-              <a:srgbClr val="FFFFFF"/>
-            </a:solidFill>
-            <a:miter lim="800000"/>
-          </a:ln>
-          <a:effectLst>
-            <a:outerShdw blurRad="55000" dist="18000" dir="5400000" algn="tl" rotWithShape="0">
-              <a:srgbClr val="000000">
-                <a:alpha val="40000"/>
-              </a:srgbClr>
-            </a:outerShdw>
-          </a:effectLst>
-          <a:scene3d>
-            <a:camera prst="orthographicFront"/>
-            <a:lightRig rig="twoPt" dir="t">
-              <a:rot lat="0" lon="0" rev="7200000"/>
-            </a:lightRig>
-          </a:scene3d>
-          <a:sp3d>
-            <a:bevelT w="25400" h="19050"/>
-            <a:contourClr>
-              <a:srgbClr val="FFFFFF"/>
-            </a:contourClr>
-          </a:sp3d>
-        </p:spPr>
-      </p:pic>
     </p:spTree>
   </p:cSld>
   <p:clrMapOvr>
     <a:masterClrMapping/>
   </p:clrMapOvr>
+  <p:timing>
+    <p:tnLst>
+      <p:par>
+        <p:cTn id="1" dur="indefinite" restart="never" nodeType="tmRoot"/>
+      </p:par>
+    </p:tnLst>
+  </p:timing>
 </p:sld>
 </file>
 
